--- a/sessoes-13-14/sessao-13.pptx
+++ b/sessoes-13-14/sessao-13.pptx
@@ -25,16 +25,17 @@
     <p:sldId id="270" r:id="rId19"/>
     <p:sldId id="271" r:id="rId20"/>
     <p:sldId id="272" r:id="rId21"/>
+    <p:sldId id="273" r:id="rId22"/>
   </p:sldIdLst>
   <p:sldSz cy="6858000" cx="9144000"/>
   <p:notesSz cx="6858000" cy="9144000"/>
   <p:embeddedFontLst>
     <p:embeddedFont>
       <p:font typeface="Open Sans"/>
-      <p:regular r:id="rId22"/>
-      <p:bold r:id="rId23"/>
-      <p:italic r:id="rId24"/>
-      <p:boldItalic r:id="rId25"/>
+      <p:regular r:id="rId23"/>
+      <p:bold r:id="rId24"/>
+      <p:italic r:id="rId25"/>
+      <p:boldItalic r:id="rId26"/>
     </p:embeddedFont>
   </p:embeddedFontLst>
   <p:defaultTextStyle>
@@ -1861,7 +1862,7 @@
         <p:spPr>
           <a:xfrm>
             <a:off x="685800" y="4343400"/>
-            <a:ext cx="5486399" cy="4114800"/>
+            <a:ext cx="5486400" cy="4114800"/>
           </a:xfrm>
           <a:prstGeom prst="rect">
             <a:avLst/>
@@ -2047,7 +2048,7 @@
         <p:spPr>
           <a:xfrm>
             <a:off x="685800" y="4343400"/>
-            <a:ext cx="5486399" cy="4114800"/>
+            <a:ext cx="5486400" cy="4114800"/>
           </a:xfrm>
           <a:prstGeom prst="rect">
             <a:avLst/>
@@ -2233,7 +2234,7 @@
         <p:spPr>
           <a:xfrm>
             <a:off x="685800" y="4343400"/>
-            <a:ext cx="5486399" cy="4114800"/>
+            <a:ext cx="5486400" cy="4114800"/>
           </a:xfrm>
           <a:prstGeom prst="rect">
             <a:avLst/>
@@ -2419,7 +2420,7 @@
         <p:spPr>
           <a:xfrm>
             <a:off x="685800" y="4343400"/>
-            <a:ext cx="5486399" cy="4114800"/>
+            <a:ext cx="5486400" cy="4114800"/>
           </a:xfrm>
           <a:prstGeom prst="rect">
             <a:avLst/>
@@ -2605,7 +2606,7 @@
         <p:spPr>
           <a:xfrm>
             <a:off x="685800" y="4343400"/>
-            <a:ext cx="5486399" cy="4114800"/>
+            <a:ext cx="5486400" cy="4114800"/>
           </a:xfrm>
           <a:prstGeom prst="rect">
             <a:avLst/>
@@ -2791,7 +2792,7 @@
         <p:spPr>
           <a:xfrm>
             <a:off x="685800" y="4343400"/>
-            <a:ext cx="5486399" cy="4114800"/>
+            <a:ext cx="5486400" cy="4114800"/>
           </a:xfrm>
           <a:prstGeom prst="rect">
             <a:avLst/>
@@ -2977,7 +2978,7 @@
         <p:spPr>
           <a:xfrm>
             <a:off x="685800" y="4343400"/>
-            <a:ext cx="5486399" cy="4114800"/>
+            <a:ext cx="5486400" cy="4114800"/>
           </a:xfrm>
           <a:prstGeom prst="rect">
             <a:avLst/>
@@ -3163,7 +3164,7 @@
         <p:spPr>
           <a:xfrm>
             <a:off x="685800" y="4343400"/>
-            <a:ext cx="5486399" cy="4114800"/>
+            <a:ext cx="5486400" cy="4114800"/>
           </a:xfrm>
           <a:prstGeom prst="rect">
             <a:avLst/>
@@ -3211,6 +3212,192 @@
       <p:sp>
         <p:nvSpPr>
           <p:cNvPr id="191" name="Google Shape;191;p17:notes"/>
+          <p:cNvSpPr txBox="1"/>
+          <p:nvPr>
+            <p:ph idx="12" type="sldNum"/>
+          </p:nvPr>
+        </p:nvSpPr>
+        <p:spPr>
+          <a:xfrm>
+            <a:off x="3884612" y="8685213"/>
+            <a:ext cx="2971799" cy="457200"/>
+          </a:xfrm>
+          <a:prstGeom prst="rect">
+            <a:avLst/>
+          </a:prstGeom>
+          <a:noFill/>
+          <a:ln>
+            <a:noFill/>
+          </a:ln>
+        </p:spPr>
+        <p:txBody>
+          <a:bodyPr anchorCtr="0" anchor="b" bIns="45700" lIns="91425" spcFirstLastPara="1" rIns="91425" wrap="square" tIns="45700">
+            <a:noAutofit/>
+          </a:bodyPr>
+          <a:lstStyle/>
+          <a:p>
+            <a:pPr indent="0" lvl="0" marL="0" marR="0" rtl="0" algn="l">
+              <a:lnSpc>
+                <a:spcPct val="100000"/>
+              </a:lnSpc>
+              <a:spcBef>
+                <a:spcPts val="0"/>
+              </a:spcBef>
+              <a:spcAft>
+                <a:spcPts val="0"/>
+              </a:spcAft>
+              <a:buClr>
+                <a:srgbClr val="000000"/>
+              </a:buClr>
+              <a:buSzPts val="350"/>
+              <a:buFont typeface="Arial"/>
+              <a:buNone/>
+            </a:pPr>
+            <a:fld id="{00000000-1234-1234-1234-123412341234}" type="slidenum">
+              <a:rPr b="0" i="0" lang="en-US" sz="1400" u="none" cap="none" strike="noStrike">
+                <a:solidFill>
+                  <a:srgbClr val="000000"/>
+                </a:solidFill>
+                <a:latin typeface="Arial"/>
+                <a:ea typeface="Arial"/>
+                <a:cs typeface="Arial"/>
+                <a:sym typeface="Arial"/>
+              </a:rPr>
+              <a:t>‹#›</a:t>
+            </a:fld>
+            <a:endParaRPr/>
+          </a:p>
+        </p:txBody>
+      </p:sp>
+    </p:spTree>
+  </p:cSld>
+  <p:clrMapOvr>
+    <a:masterClrMapping/>
+  </p:clrMapOvr>
+</p:notes>
+</file>
+
+<file path=ppt/notesSlides/notesSlide18.xml><?xml version="1.0" encoding="utf-8"?>
+<p:notes xmlns:a="http://schemas.openxmlformats.org/drawingml/2006/main" xmlns:r="http://schemas.openxmlformats.org/officeDocument/2006/relationships" xmlns:mc="http://schemas.openxmlformats.org/markup-compatibility/2006" xmlns:mv="urn:schemas-microsoft-com:mac:vml" xmlns:p="http://schemas.openxmlformats.org/presentationml/2006/main" xmlns:c="http://schemas.openxmlformats.org/drawingml/2006/chart" xmlns:dgm="http://schemas.openxmlformats.org/drawingml/2006/diagram" xmlns:o="urn:schemas-microsoft-com:office:office" xmlns:v="urn:schemas-microsoft-com:vml" xmlns:pvml="urn:schemas-microsoft-com:office:powerpoint" xmlns:com="http://schemas.openxmlformats.org/drawingml/2006/compatibility" xmlns:p14="http://schemas.microsoft.com/office/powerpoint/2010/main" xmlns:p15="http://schemas.microsoft.com/office/powerpoint/2012/main" xmlns:ahyp="http://schemas.microsoft.com/office/drawing/2018/hyperlinkcolor" showMasterPhAnim="0" showMasterSp="0">
+  <p:cSld>
+    <p:spTree>
+      <p:nvGrpSpPr>
+        <p:cNvPr id="196" name="Shape 196"/>
+        <p:cNvGrpSpPr/>
+        <p:nvPr/>
+      </p:nvGrpSpPr>
+      <p:grpSpPr>
+        <a:xfrm>
+          <a:off x="0" y="0"/>
+          <a:ext cx="0" cy="0"/>
+          <a:chOff x="0" y="0"/>
+          <a:chExt cx="0" cy="0"/>
+        </a:xfrm>
+      </p:grpSpPr>
+      <p:sp>
+        <p:nvSpPr>
+          <p:cNvPr id="197" name="Google Shape;197;p18:notes"/>
+          <p:cNvSpPr/>
+          <p:nvPr>
+            <p:ph idx="2" type="sldImg"/>
+          </p:nvPr>
+        </p:nvSpPr>
+        <p:spPr>
+          <a:xfrm>
+            <a:off x="1143000" y="685800"/>
+            <a:ext cx="4572000" cy="3429000"/>
+          </a:xfrm>
+          <a:custGeom>
+            <a:rect b="b" l="l" r="r" t="t"/>
+            <a:pathLst>
+              <a:path extrusionOk="0" h="120000" w="120000">
+                <a:moveTo>
+                  <a:pt x="0" y="0"/>
+                </a:moveTo>
+                <a:lnTo>
+                  <a:pt x="120000" y="0"/>
+                </a:lnTo>
+                <a:lnTo>
+                  <a:pt x="120000" y="120000"/>
+                </a:lnTo>
+                <a:lnTo>
+                  <a:pt x="0" y="120000"/>
+                </a:lnTo>
+                <a:close/>
+              </a:path>
+            </a:pathLst>
+          </a:custGeom>
+          <a:noFill/>
+          <a:ln cap="flat" cmpd="sng" w="12700">
+            <a:solidFill>
+              <a:srgbClr val="000000"/>
+            </a:solidFill>
+            <a:prstDash val="solid"/>
+            <a:round/>
+            <a:headEnd len="sm" w="sm" type="none"/>
+            <a:tailEnd len="sm" w="sm" type="none"/>
+          </a:ln>
+        </p:spPr>
+      </p:sp>
+      <p:sp>
+        <p:nvSpPr>
+          <p:cNvPr id="198" name="Google Shape;198;p18:notes"/>
+          <p:cNvSpPr txBox="1"/>
+          <p:nvPr>
+            <p:ph idx="1" type="body"/>
+          </p:nvPr>
+        </p:nvSpPr>
+        <p:spPr>
+          <a:xfrm>
+            <a:off x="685800" y="4343400"/>
+            <a:ext cx="5486400" cy="4114800"/>
+          </a:xfrm>
+          <a:prstGeom prst="rect">
+            <a:avLst/>
+          </a:prstGeom>
+          <a:noFill/>
+          <a:ln>
+            <a:noFill/>
+          </a:ln>
+        </p:spPr>
+        <p:txBody>
+          <a:bodyPr anchorCtr="0" anchor="t" bIns="91425" lIns="91425" spcFirstLastPara="1" rIns="91425" wrap="square" tIns="91425">
+            <a:noAutofit/>
+          </a:bodyPr>
+          <a:lstStyle/>
+          <a:p>
+            <a:pPr indent="0" lvl="0" marL="0" marR="0" rtl="0" algn="l">
+              <a:spcBef>
+                <a:spcPts val="0"/>
+              </a:spcBef>
+              <a:spcAft>
+                <a:spcPts val="0"/>
+              </a:spcAft>
+              <a:buClr>
+                <a:schemeClr val="dk1"/>
+              </a:buClr>
+              <a:buSzPts val="300"/>
+              <a:buFont typeface="Calibri"/>
+              <a:buNone/>
+            </a:pPr>
+            <a:r>
+              <a:t/>
+            </a:r>
+            <a:endParaRPr b="0" i="0" sz="1200" u="none" cap="none" strike="noStrike">
+              <a:solidFill>
+                <a:schemeClr val="dk1"/>
+              </a:solidFill>
+              <a:latin typeface="Calibri"/>
+              <a:ea typeface="Calibri"/>
+              <a:cs typeface="Calibri"/>
+              <a:sym typeface="Calibri"/>
+            </a:endParaRPr>
+          </a:p>
+        </p:txBody>
+      </p:sp>
+      <p:sp>
+        <p:nvSpPr>
+          <p:cNvPr id="199" name="Google Shape;199;p18:notes"/>
           <p:cNvSpPr txBox="1"/>
           <p:nvPr>
             <p:ph idx="12" type="sldNum"/>
@@ -3349,7 +3536,7 @@
         <p:spPr>
           <a:xfrm>
             <a:off x="685800" y="4343400"/>
-            <a:ext cx="5486399" cy="4114800"/>
+            <a:ext cx="5486400" cy="4114800"/>
           </a:xfrm>
           <a:prstGeom prst="rect">
             <a:avLst/>
@@ -3721,7 +3908,7 @@
         <p:spPr>
           <a:xfrm>
             <a:off x="685800" y="4343400"/>
-            <a:ext cx="5486399" cy="4114800"/>
+            <a:ext cx="5486400" cy="4114800"/>
           </a:xfrm>
           <a:prstGeom prst="rect">
             <a:avLst/>
@@ -3907,7 +4094,7 @@
         <p:spPr>
           <a:xfrm>
             <a:off x="685800" y="4343400"/>
-            <a:ext cx="5486399" cy="4114800"/>
+            <a:ext cx="5486400" cy="4114800"/>
           </a:xfrm>
           <a:prstGeom prst="rect">
             <a:avLst/>
@@ -4093,7 +4280,7 @@
         <p:spPr>
           <a:xfrm>
             <a:off x="685800" y="4343400"/>
-            <a:ext cx="5486399" cy="4114800"/>
+            <a:ext cx="5486400" cy="4114800"/>
           </a:xfrm>
           <a:prstGeom prst="rect">
             <a:avLst/>
@@ -4279,7 +4466,7 @@
         <p:spPr>
           <a:xfrm>
             <a:off x="685800" y="4343400"/>
-            <a:ext cx="5486399" cy="4114800"/>
+            <a:ext cx="5486400" cy="4114800"/>
           </a:xfrm>
           <a:prstGeom prst="rect">
             <a:avLst/>
@@ -4465,7 +4652,7 @@
         <p:spPr>
           <a:xfrm>
             <a:off x="685800" y="4343400"/>
-            <a:ext cx="5486399" cy="4114800"/>
+            <a:ext cx="5486400" cy="4114800"/>
           </a:xfrm>
           <a:prstGeom prst="rect">
             <a:avLst/>
@@ -4651,7 +4838,7 @@
         <p:spPr>
           <a:xfrm>
             <a:off x="685800" y="4343400"/>
-            <a:ext cx="5486399" cy="4114800"/>
+            <a:ext cx="5486400" cy="4114800"/>
           </a:xfrm>
           <a:prstGeom prst="rect">
             <a:avLst/>
@@ -10732,7 +10919,7 @@
               <a:buNone/>
             </a:pPr>
             <a:r>
-              <a:rPr b="1" i="0" lang="en-US" sz="4400" u="none" cap="none" strike="noStrike">
+              <a:rPr b="1" i="0" lang="en-US" sz="3900" u="none" cap="none" strike="noStrike">
                 <a:solidFill>
                   <a:srgbClr val="000000"/>
                 </a:solidFill>
@@ -10741,9 +10928,21 @@
                 <a:cs typeface="Open Sans"/>
                 <a:sym typeface="Open Sans"/>
               </a:rPr>
-              <a:t>Sessão 13 - O Desenho das Instituições </a:t>
-            </a:r>
-            <a:endParaRPr b="1">
+              <a:t>Sessão </a:t>
+            </a:r>
+            <a:r>
+              <a:rPr b="1" lang="en-US" sz="3900">
+                <a:solidFill>
+                  <a:srgbClr val="000000"/>
+                </a:solidFill>
+                <a:latin typeface="Open Sans"/>
+                <a:ea typeface="Open Sans"/>
+                <a:cs typeface="Open Sans"/>
+                <a:sym typeface="Open Sans"/>
+              </a:rPr>
+              <a:t>13 - Instituições no Terceiro Mundo e o Caso Islâmico</a:t>
+            </a:r>
+            <a:endParaRPr b="1" sz="3900">
               <a:latin typeface="Open Sans"/>
               <a:ea typeface="Open Sans"/>
               <a:cs typeface="Open Sans"/>
@@ -10775,7 +10974,7 @@
         </p:spPr>
         <p:txBody>
           <a:bodyPr anchorCtr="0" anchor="t" bIns="45700" lIns="91425" spcFirstLastPara="1" rIns="91425" wrap="square" tIns="45700">
-            <a:normAutofit fontScale="92500" lnSpcReduction="20000"/>
+            <a:normAutofit/>
           </a:bodyPr>
           <a:lstStyle/>
           <a:p>
@@ -10792,12 +10991,46 @@
               <a:buClr>
                 <a:schemeClr val="dk1"/>
               </a:buClr>
-              <a:buSzPts val="555"/>
+              <a:buSzPts val="600"/>
               <a:buFont typeface="Arial"/>
               <a:buNone/>
             </a:pPr>
             <a:r>
-              <a:rPr i="0" lang="en-US" sz="2400" u="none" cap="none" strike="noStrike">
+              <a:t/>
+            </a:r>
+            <a:endParaRPr sz="2400">
+              <a:solidFill>
+                <a:srgbClr val="24292E"/>
+              </a:solidFill>
+              <a:highlight>
+                <a:srgbClr val="FFFFFF"/>
+              </a:highlight>
+              <a:latin typeface="Open Sans"/>
+              <a:ea typeface="Open Sans"/>
+              <a:cs typeface="Open Sans"/>
+              <a:sym typeface="Open Sans"/>
+            </a:endParaRPr>
+          </a:p>
+          <a:p>
+            <a:pPr indent="0" lvl="0" marL="0" marR="0" rtl="0" algn="ctr">
+              <a:lnSpc>
+                <a:spcPct val="100000"/>
+              </a:lnSpc>
+              <a:spcBef>
+                <a:spcPts val="0"/>
+              </a:spcBef>
+              <a:spcAft>
+                <a:spcPts val="0"/>
+              </a:spcAft>
+              <a:buClr>
+                <a:schemeClr val="dk1"/>
+              </a:buClr>
+              <a:buSzPts val="600"/>
+              <a:buFont typeface="Arial"/>
+              <a:buNone/>
+            </a:pPr>
+            <a:r>
+              <a:rPr lang="en-US" sz="2400">
                 <a:solidFill>
                   <a:srgbClr val="24292E"/>
                 </a:solidFill>
@@ -10809,83 +11042,9 @@
                 <a:cs typeface="Open Sans"/>
                 <a:sym typeface="Open Sans"/>
               </a:rPr>
-              <a:t>Mancur Olson - Dictatorship, Democracy</a:t>
+              <a:t>Hernando de Soto - The Mystery of Capital</a:t>
             </a:r>
             <a:endParaRPr>
-              <a:latin typeface="Open Sans"/>
-              <a:ea typeface="Open Sans"/>
-              <a:cs typeface="Open Sans"/>
-              <a:sym typeface="Open Sans"/>
-            </a:endParaRPr>
-          </a:p>
-          <a:p>
-            <a:pPr indent="0" lvl="0" marL="0" marR="0" rtl="0" algn="ctr">
-              <a:lnSpc>
-                <a:spcPct val="100000"/>
-              </a:lnSpc>
-              <a:spcBef>
-                <a:spcPts val="0"/>
-              </a:spcBef>
-              <a:spcAft>
-                <a:spcPts val="0"/>
-              </a:spcAft>
-              <a:buClr>
-                <a:schemeClr val="dk1"/>
-              </a:buClr>
-              <a:buSzPts val="555"/>
-              <a:buFont typeface="Arial"/>
-              <a:buNone/>
-            </a:pPr>
-            <a:r>
-              <a:rPr i="0" lang="en-US" sz="2400" u="none" cap="none" strike="noStrike">
-                <a:solidFill>
-                  <a:srgbClr val="24292E"/>
-                </a:solidFill>
-                <a:highlight>
-                  <a:srgbClr val="FFFFFF"/>
-                </a:highlight>
-                <a:latin typeface="Open Sans"/>
-                <a:ea typeface="Open Sans"/>
-                <a:cs typeface="Open Sans"/>
-                <a:sym typeface="Open Sans"/>
-              </a:rPr>
-              <a:t> and Development</a:t>
-            </a:r>
-            <a:endParaRPr>
-              <a:latin typeface="Open Sans"/>
-              <a:ea typeface="Open Sans"/>
-              <a:cs typeface="Open Sans"/>
-              <a:sym typeface="Open Sans"/>
-            </a:endParaRPr>
-          </a:p>
-          <a:p>
-            <a:pPr indent="0" lvl="0" marL="0" marR="0" rtl="0" algn="l">
-              <a:lnSpc>
-                <a:spcPct val="100000"/>
-              </a:lnSpc>
-              <a:spcBef>
-                <a:spcPts val="0"/>
-              </a:spcBef>
-              <a:spcAft>
-                <a:spcPts val="0"/>
-              </a:spcAft>
-              <a:buClr>
-                <a:schemeClr val="dk1"/>
-              </a:buClr>
-              <a:buSzPts val="555"/>
-              <a:buFont typeface="Arial"/>
-              <a:buNone/>
-            </a:pPr>
-            <a:r>
-              <a:t/>
-            </a:r>
-            <a:endParaRPr i="0" sz="2400" u="none" cap="none" strike="noStrike">
-              <a:solidFill>
-                <a:srgbClr val="24292E"/>
-              </a:solidFill>
-              <a:highlight>
-                <a:srgbClr val="FFFFFF"/>
-              </a:highlight>
               <a:latin typeface="Open Sans"/>
               <a:ea typeface="Open Sans"/>
               <a:cs typeface="Open Sans"/>
@@ -10910,8 +11069,8 @@
         </p:blipFill>
         <p:spPr>
           <a:xfrm>
-            <a:off x="152400" y="6080299"/>
-            <a:ext cx="2083148" cy="625301"/>
+            <a:off x="152400" y="6055824"/>
+            <a:ext cx="2164649" cy="649775"/>
           </a:xfrm>
           <a:prstGeom prst="rect">
             <a:avLst/>
@@ -10976,69 +11135,29 @@
           <a:p>
             <a:pPr indent="0" lvl="0" marL="0" marR="0" rtl="0" algn="ctr">
               <a:lnSpc>
-                <a:spcPct val="125000"/>
-              </a:lnSpc>
-              <a:spcBef>
-                <a:spcPts val="0"/>
-              </a:spcBef>
-              <a:spcAft>
-                <a:spcPts val="0"/>
-              </a:spcAft>
-              <a:buClr>
-                <a:srgbClr val="000000"/>
+                <a:spcPct val="100000"/>
+              </a:lnSpc>
+              <a:spcBef>
+                <a:spcPts val="0"/>
+              </a:spcBef>
+              <a:spcAft>
+                <a:spcPts val="0"/>
+              </a:spcAft>
+              <a:buClr>
+                <a:schemeClr val="dk1"/>
               </a:buClr>
               <a:buSzPts val="810"/>
-              <a:buFont typeface="Arial"/>
-              <a:buNone/>
-            </a:pPr>
-            <a:r>
-              <a:rPr b="1" i="0" lang="en-US" sz="3600" u="none" cap="none" strike="noStrike">
-                <a:solidFill>
-                  <a:schemeClr val="dk1"/>
-                </a:solidFill>
+              <a:buFont typeface="Calibri"/>
+              <a:buNone/>
+            </a:pPr>
+            <a:r>
+              <a:rPr b="1" lang="en-US" sz="3600">
                 <a:latin typeface="Open Sans"/>
                 <a:ea typeface="Open Sans"/>
                 <a:cs typeface="Open Sans"/>
                 <a:sym typeface="Open Sans"/>
               </a:rPr>
-              <a:t>Dictatorship, Democracy</a:t>
-            </a:r>
-            <a:endParaRPr>
-              <a:latin typeface="Open Sans"/>
-              <a:ea typeface="Open Sans"/>
-              <a:cs typeface="Open Sans"/>
-              <a:sym typeface="Open Sans"/>
-            </a:endParaRPr>
-          </a:p>
-          <a:p>
-            <a:pPr indent="0" lvl="0" marL="0" marR="0" rtl="0" algn="ctr">
-              <a:lnSpc>
-                <a:spcPct val="125000"/>
-              </a:lnSpc>
-              <a:spcBef>
-                <a:spcPts val="0"/>
-              </a:spcBef>
-              <a:spcAft>
-                <a:spcPts val="0"/>
-              </a:spcAft>
-              <a:buClr>
-                <a:srgbClr val="000000"/>
-              </a:buClr>
-              <a:buSzPts val="810"/>
-              <a:buFont typeface="Arial"/>
-              <a:buNone/>
-            </a:pPr>
-            <a:r>
-              <a:rPr b="1" i="0" lang="en-US" sz="3600" u="none" cap="none" strike="noStrike">
-                <a:solidFill>
-                  <a:schemeClr val="dk1"/>
-                </a:solidFill>
-                <a:latin typeface="Open Sans"/>
-                <a:ea typeface="Open Sans"/>
-                <a:cs typeface="Open Sans"/>
-                <a:sym typeface="Open Sans"/>
-              </a:rPr>
-              <a:t> and Development</a:t>
+              <a:t>The Mystery of Missing Information</a:t>
             </a:r>
             <a:endParaRPr>
               <a:latin typeface="Open Sans"/>
@@ -11072,13 +11191,13 @@
         </p:spPr>
         <p:txBody>
           <a:bodyPr anchorCtr="0" anchor="t" bIns="91425" lIns="91425" spcFirstLastPara="1" rIns="91425" wrap="square" tIns="91425">
-            <a:normAutofit fontScale="85000" lnSpcReduction="20000"/>
+            <a:normAutofit fontScale="85000" lnSpcReduction="10000"/>
           </a:bodyPr>
           <a:lstStyle/>
           <a:p>
-            <a:pPr indent="-358140" lvl="0" marL="457200" marR="0" rtl="0" algn="l">
-              <a:lnSpc>
-                <a:spcPct val="150000"/>
+            <a:pPr indent="-358140" lvl="0" marL="457200" rtl="0" algn="l">
+              <a:lnSpc>
+                <a:spcPct val="115000"/>
               </a:lnSpc>
               <a:spcBef>
                 <a:spcPts val="0"/>
@@ -11094,42 +11213,31 @@
               <a:buChar char="•"/>
             </a:pPr>
             <a:r>
-              <a:rPr i="0" lang="en-US" sz="2400" u="none" cap="none" strike="noStrike">
-                <a:solidFill>
-                  <a:schemeClr val="dk1"/>
-                </a:solidFill>
+              <a:rPr lang="en-US" sz="2400">
                 <a:latin typeface="Open Sans"/>
                 <a:ea typeface="Open Sans"/>
                 <a:cs typeface="Open Sans"/>
                 <a:sym typeface="Open Sans"/>
               </a:rPr>
-              <a:t>Ainda com a extração de renda monopolista, Olson afirma que usar a metáfora do “estado como extração de recursos” é falsa, pois diminui a diferença da segurança como bem público se comparada à anarquia (hobbesiana)</a:t>
-            </a:r>
-            <a:endParaRPr i="0" sz="2400" u="none" cap="none" strike="noStrike">
-              <a:solidFill>
-                <a:schemeClr val="dk1"/>
-              </a:solidFill>
-              <a:latin typeface="Open Sans"/>
-              <a:ea typeface="Open Sans"/>
-              <a:cs typeface="Open Sans"/>
-              <a:sym typeface="Open Sans"/>
-            </a:endParaRPr>
-          </a:p>
-          <a:p>
-            <a:pPr indent="0" lvl="0" marL="609600" marR="0" rtl="0" algn="l">
-              <a:lnSpc>
-                <a:spcPct val="150000"/>
-              </a:lnSpc>
-              <a:spcBef>
-                <a:spcPts val="0"/>
-              </a:spcBef>
-              <a:spcAft>
-                <a:spcPts val="0"/>
-              </a:spcAft>
-              <a:buNone/>
-            </a:pPr>
-            <a:r>
-              <a:t/>
+              <a:t>Entretanto, boa parte destes recursos são </a:t>
+            </a:r>
+            <a:r>
+              <a:rPr i="1" lang="en-US" sz="2400">
+                <a:latin typeface="Open Sans"/>
+                <a:ea typeface="Open Sans"/>
+                <a:cs typeface="Open Sans"/>
+                <a:sym typeface="Open Sans"/>
+              </a:rPr>
+              <a:t>dead capital</a:t>
+            </a:r>
+            <a:r>
+              <a:rPr lang="en-US" sz="2400">
+                <a:latin typeface="Open Sans"/>
+                <a:ea typeface="Open Sans"/>
+                <a:cs typeface="Open Sans"/>
+                <a:sym typeface="Open Sans"/>
+              </a:rPr>
+              <a:t>: capital que existe mas que não pode ser mobilizado se necessário</a:t>
             </a:r>
             <a:endParaRPr sz="2400">
               <a:latin typeface="Open Sans"/>
@@ -11139,49 +11247,9 @@
             </a:endParaRPr>
           </a:p>
           <a:p>
-            <a:pPr indent="-358140" lvl="0" marL="457200" marR="0" rtl="0" algn="l">
-              <a:lnSpc>
-                <a:spcPct val="150000"/>
-              </a:lnSpc>
-              <a:spcBef>
-                <a:spcPts val="0"/>
-              </a:spcBef>
-              <a:spcAft>
-                <a:spcPts val="0"/>
-              </a:spcAft>
-              <a:buClr>
-                <a:schemeClr val="dk1"/>
-              </a:buClr>
-              <a:buSzPct val="100000"/>
-              <a:buFont typeface="Open Sans"/>
-              <a:buChar char="•"/>
-            </a:pPr>
-            <a:r>
-              <a:rPr i="0" lang="en-US" sz="2400" u="none" cap="none" strike="noStrike">
-                <a:solidFill>
-                  <a:schemeClr val="dk1"/>
-                </a:solidFill>
-                <a:latin typeface="Open Sans"/>
-                <a:ea typeface="Open Sans"/>
-                <a:cs typeface="Open Sans"/>
-                <a:sym typeface="Open Sans"/>
-              </a:rPr>
-              <a:t>Mas ainda assim, súditos que vivem em uma autocracia ainda pagam altos impostos, estão sujeitos a terem suas posses expropriadas, etc</a:t>
-            </a:r>
-            <a:endParaRPr i="0" sz="2400" u="none" cap="none" strike="noStrike">
-              <a:solidFill>
-                <a:schemeClr val="dk1"/>
-              </a:solidFill>
-              <a:latin typeface="Open Sans"/>
-              <a:ea typeface="Open Sans"/>
-              <a:cs typeface="Open Sans"/>
-              <a:sym typeface="Open Sans"/>
-            </a:endParaRPr>
-          </a:p>
-          <a:p>
-            <a:pPr indent="0" lvl="0" marL="609600" marR="0" rtl="0" algn="l">
-              <a:lnSpc>
-                <a:spcPct val="150000"/>
+            <a:pPr indent="0" lvl="0" marL="406400" rtl="0" algn="l">
+              <a:lnSpc>
+                <a:spcPct val="115000"/>
               </a:lnSpc>
               <a:spcBef>
                 <a:spcPts val="0"/>
@@ -11202,9 +11270,9 @@
             </a:endParaRPr>
           </a:p>
           <a:p>
-            <a:pPr indent="-358140" lvl="0" marL="457200" marR="0" rtl="0" algn="l">
-              <a:lnSpc>
-                <a:spcPct val="150000"/>
+            <a:pPr indent="-358140" lvl="0" marL="457200" rtl="0" algn="l">
+              <a:lnSpc>
+                <a:spcPct val="115000"/>
               </a:lnSpc>
               <a:spcBef>
                 <a:spcPts val="0"/>
@@ -11220,16 +11288,127 @@
               <a:buChar char="•"/>
             </a:pPr>
             <a:r>
-              <a:rPr i="0" lang="en-US" sz="2400" u="none" cap="none" strike="noStrike">
-                <a:solidFill>
-                  <a:schemeClr val="dk1"/>
-                </a:solidFill>
+              <a:rPr lang="en-US" sz="2400">
                 <a:latin typeface="Open Sans"/>
                 <a:ea typeface="Open Sans"/>
                 <a:cs typeface="Open Sans"/>
                 <a:sym typeface="Open Sans"/>
               </a:rPr>
-              <a:t>Como garantir o lucro no longo prazo?</a:t>
+              <a:t>Este não é um caso particular dos países pobres do final do século XX: por muitas décadas, os EUA também foram um país com direito de propriedade bastante incerto</a:t>
+            </a:r>
+            <a:endParaRPr sz="2400">
+              <a:latin typeface="Open Sans"/>
+              <a:ea typeface="Open Sans"/>
+              <a:cs typeface="Open Sans"/>
+              <a:sym typeface="Open Sans"/>
+            </a:endParaRPr>
+          </a:p>
+          <a:p>
+            <a:pPr indent="0" lvl="0" marL="406400" rtl="0" algn="l">
+              <a:lnSpc>
+                <a:spcPct val="115000"/>
+              </a:lnSpc>
+              <a:spcBef>
+                <a:spcPts val="0"/>
+              </a:spcBef>
+              <a:spcAft>
+                <a:spcPts val="0"/>
+              </a:spcAft>
+              <a:buNone/>
+            </a:pPr>
+            <a:r>
+              <a:t/>
+            </a:r>
+            <a:endParaRPr sz="2400">
+              <a:latin typeface="Open Sans"/>
+              <a:ea typeface="Open Sans"/>
+              <a:cs typeface="Open Sans"/>
+              <a:sym typeface="Open Sans"/>
+            </a:endParaRPr>
+          </a:p>
+          <a:p>
+            <a:pPr indent="-358140" lvl="0" marL="457200" rtl="0" algn="l">
+              <a:lnSpc>
+                <a:spcPct val="115000"/>
+              </a:lnSpc>
+              <a:spcBef>
+                <a:spcPts val="0"/>
+              </a:spcBef>
+              <a:spcAft>
+                <a:spcPts val="0"/>
+              </a:spcAft>
+              <a:buClr>
+                <a:schemeClr val="dk1"/>
+              </a:buClr>
+              <a:buSzPct val="100000"/>
+              <a:buFont typeface="Open Sans"/>
+              <a:buChar char="•"/>
+            </a:pPr>
+            <a:r>
+              <a:rPr lang="en-US" sz="2400">
+                <a:latin typeface="Open Sans"/>
+                <a:ea typeface="Open Sans"/>
+                <a:cs typeface="Open Sans"/>
+                <a:sym typeface="Open Sans"/>
+              </a:rPr>
+              <a:t>A expansão para o Leste foi feita basicamente por pioneiros, sem grande ajuda estatal</a:t>
+            </a:r>
+            <a:endParaRPr sz="2400">
+              <a:latin typeface="Open Sans"/>
+              <a:ea typeface="Open Sans"/>
+              <a:cs typeface="Open Sans"/>
+              <a:sym typeface="Open Sans"/>
+            </a:endParaRPr>
+          </a:p>
+          <a:p>
+            <a:pPr indent="0" lvl="0" marL="406400" rtl="0" algn="l">
+              <a:lnSpc>
+                <a:spcPct val="115000"/>
+              </a:lnSpc>
+              <a:spcBef>
+                <a:spcPts val="0"/>
+              </a:spcBef>
+              <a:spcAft>
+                <a:spcPts val="0"/>
+              </a:spcAft>
+              <a:buNone/>
+            </a:pPr>
+            <a:r>
+              <a:t/>
+            </a:r>
+            <a:endParaRPr sz="2400">
+              <a:latin typeface="Open Sans"/>
+              <a:ea typeface="Open Sans"/>
+              <a:cs typeface="Open Sans"/>
+              <a:sym typeface="Open Sans"/>
+            </a:endParaRPr>
+          </a:p>
+          <a:p>
+            <a:pPr indent="-358140" lvl="0" marL="457200" rtl="0" algn="l">
+              <a:lnSpc>
+                <a:spcPct val="115000"/>
+              </a:lnSpc>
+              <a:spcBef>
+                <a:spcPts val="0"/>
+              </a:spcBef>
+              <a:spcAft>
+                <a:spcPts val="0"/>
+              </a:spcAft>
+              <a:buClr>
+                <a:schemeClr val="dk1"/>
+              </a:buClr>
+              <a:buSzPct val="100000"/>
+              <a:buFont typeface="Open Sans"/>
+              <a:buChar char="•"/>
+            </a:pPr>
+            <a:r>
+              <a:rPr lang="en-US" sz="2400">
+                <a:latin typeface="Open Sans"/>
+                <a:ea typeface="Open Sans"/>
+                <a:cs typeface="Open Sans"/>
+                <a:sym typeface="Open Sans"/>
+              </a:rPr>
+              <a:t>Assim, faltavam tribunais, policiais e outros instrumentos de manutenção de lei, ordem e propriedade</a:t>
             </a:r>
             <a:endParaRPr>
               <a:latin typeface="Open Sans"/>
@@ -11256,8 +11435,8 @@
         </p:blipFill>
         <p:spPr>
           <a:xfrm>
-            <a:off x="152400" y="6080299"/>
-            <a:ext cx="2083148" cy="625301"/>
+            <a:off x="152400" y="6055824"/>
+            <a:ext cx="2164649" cy="649775"/>
           </a:xfrm>
           <a:prstGeom prst="rect">
             <a:avLst/>
@@ -11322,69 +11501,29 @@
           <a:p>
             <a:pPr indent="0" lvl="0" marL="0" marR="0" rtl="0" algn="ctr">
               <a:lnSpc>
-                <a:spcPct val="125000"/>
-              </a:lnSpc>
-              <a:spcBef>
-                <a:spcPts val="0"/>
-              </a:spcBef>
-              <a:spcAft>
-                <a:spcPts val="0"/>
-              </a:spcAft>
-              <a:buClr>
-                <a:srgbClr val="000000"/>
+                <a:spcPct val="100000"/>
+              </a:lnSpc>
+              <a:spcBef>
+                <a:spcPts val="0"/>
+              </a:spcBef>
+              <a:spcAft>
+                <a:spcPts val="0"/>
+              </a:spcAft>
+              <a:buClr>
+                <a:schemeClr val="dk1"/>
               </a:buClr>
               <a:buSzPts val="810"/>
-              <a:buFont typeface="Arial"/>
-              <a:buNone/>
-            </a:pPr>
-            <a:r>
-              <a:rPr b="1" i="0" lang="en-US" sz="3600" u="none" cap="none" strike="noStrike">
-                <a:solidFill>
-                  <a:schemeClr val="dk1"/>
-                </a:solidFill>
+              <a:buFont typeface="Calibri"/>
+              <a:buNone/>
+            </a:pPr>
+            <a:r>
+              <a:rPr b="1" lang="en-US" sz="3600">
                 <a:latin typeface="Open Sans"/>
                 <a:ea typeface="Open Sans"/>
                 <a:cs typeface="Open Sans"/>
                 <a:sym typeface="Open Sans"/>
               </a:rPr>
-              <a:t>Dictatorship, Democracy</a:t>
-            </a:r>
-            <a:endParaRPr>
-              <a:latin typeface="Open Sans"/>
-              <a:ea typeface="Open Sans"/>
-              <a:cs typeface="Open Sans"/>
-              <a:sym typeface="Open Sans"/>
-            </a:endParaRPr>
-          </a:p>
-          <a:p>
-            <a:pPr indent="0" lvl="0" marL="0" marR="0" rtl="0" algn="ctr">
-              <a:lnSpc>
-                <a:spcPct val="125000"/>
-              </a:lnSpc>
-              <a:spcBef>
-                <a:spcPts val="0"/>
-              </a:spcBef>
-              <a:spcAft>
-                <a:spcPts val="0"/>
-              </a:spcAft>
-              <a:buClr>
-                <a:srgbClr val="000000"/>
-              </a:buClr>
-              <a:buSzPts val="810"/>
-              <a:buFont typeface="Arial"/>
-              <a:buNone/>
-            </a:pPr>
-            <a:r>
-              <a:rPr b="1" i="0" lang="en-US" sz="3600" u="none" cap="none" strike="noStrike">
-                <a:solidFill>
-                  <a:schemeClr val="dk1"/>
-                </a:solidFill>
-                <a:latin typeface="Open Sans"/>
-                <a:ea typeface="Open Sans"/>
-                <a:cs typeface="Open Sans"/>
-                <a:sym typeface="Open Sans"/>
-              </a:rPr>
-              <a:t> and Development</a:t>
+              <a:t>The Mystery of Missing Information</a:t>
             </a:r>
             <a:endParaRPr>
               <a:latin typeface="Open Sans"/>
@@ -11422,9 +11561,9 @@
           </a:bodyPr>
           <a:lstStyle/>
           <a:p>
-            <a:pPr indent="-358140" lvl="0" marL="457200" marR="0" rtl="0" algn="l">
-              <a:lnSpc>
-                <a:spcPct val="150000"/>
+            <a:pPr indent="-358140" lvl="0" marL="457200" rtl="0" algn="l">
+              <a:lnSpc>
+                <a:spcPct val="115000"/>
               </a:lnSpc>
               <a:spcBef>
                 <a:spcPts val="0"/>
@@ -11440,66 +11579,13 @@
               <a:buChar char="•"/>
             </a:pPr>
             <a:r>
-              <a:rPr i="0" lang="en-US" sz="2400" u="none" cap="none" strike="noStrike">
-                <a:solidFill>
-                  <a:schemeClr val="dk1"/>
-                </a:solidFill>
+              <a:rPr lang="en-US" sz="2400">
                 <a:latin typeface="Open Sans"/>
                 <a:ea typeface="Open Sans"/>
                 <a:cs typeface="Open Sans"/>
                 <a:sym typeface="Open Sans"/>
               </a:rPr>
-              <a:t>Este problema, o lucro monopolista do </a:t>
-            </a:r>
-            <a:r>
-              <a:rPr i="1" lang="en-US" sz="2400" u="none" cap="none" strike="noStrike">
-                <a:solidFill>
-                  <a:schemeClr val="dk1"/>
-                </a:solidFill>
-                <a:latin typeface="Open Sans"/>
-                <a:ea typeface="Open Sans"/>
-                <a:cs typeface="Open Sans"/>
-                <a:sym typeface="Open Sans"/>
-              </a:rPr>
-              <a:t>stationary bandit</a:t>
-            </a:r>
-            <a:r>
-              <a:rPr i="0" lang="en-US" sz="2400" u="none" cap="none" strike="noStrike">
-                <a:solidFill>
-                  <a:schemeClr val="dk1"/>
-                </a:solidFill>
-                <a:latin typeface="Open Sans"/>
-                <a:ea typeface="Open Sans"/>
-                <a:cs typeface="Open Sans"/>
-                <a:sym typeface="Open Sans"/>
-              </a:rPr>
-              <a:t>, não tende a ocorrer em democracias</a:t>
-            </a:r>
-            <a:endParaRPr i="0" sz="2400" u="none" cap="none" strike="noStrike">
-              <a:solidFill>
-                <a:schemeClr val="dk1"/>
-              </a:solidFill>
-              <a:latin typeface="Open Sans"/>
-              <a:ea typeface="Open Sans"/>
-              <a:cs typeface="Open Sans"/>
-              <a:sym typeface="Open Sans"/>
-            </a:endParaRPr>
-          </a:p>
-          <a:p>
-            <a:pPr indent="0" lvl="0" marL="609600" marR="0" rtl="0" algn="l">
-              <a:lnSpc>
-                <a:spcPct val="150000"/>
-              </a:lnSpc>
-              <a:spcBef>
-                <a:spcPts val="0"/>
-              </a:spcBef>
-              <a:spcAft>
-                <a:spcPts val="0"/>
-              </a:spcAft>
-              <a:buNone/>
-            </a:pPr>
-            <a:r>
-              <a:t/>
+              <a:t>A necessidade de se trazer títulos de propriedade para os países de Terceiro Mundo é a mesma que motivou os EUA no final do século XIX</a:t>
             </a:r>
             <a:endParaRPr sz="2400">
               <a:latin typeface="Open Sans"/>
@@ -11509,49 +11595,9 @@
             </a:endParaRPr>
           </a:p>
           <a:p>
-            <a:pPr indent="-358140" lvl="0" marL="457200" marR="0" rtl="0" algn="l">
-              <a:lnSpc>
-                <a:spcPct val="150000"/>
-              </a:lnSpc>
-              <a:spcBef>
-                <a:spcPts val="0"/>
-              </a:spcBef>
-              <a:spcAft>
-                <a:spcPts val="0"/>
-              </a:spcAft>
-              <a:buClr>
-                <a:schemeClr val="dk1"/>
-              </a:buClr>
-              <a:buSzPct val="100000"/>
-              <a:buFont typeface="Open Sans"/>
-              <a:buChar char="•"/>
-            </a:pPr>
-            <a:r>
-              <a:rPr i="0" lang="en-US" sz="2400" u="none" cap="none" strike="noStrike">
-                <a:solidFill>
-                  <a:schemeClr val="dk1"/>
-                </a:solidFill>
-                <a:latin typeface="Open Sans"/>
-                <a:ea typeface="Open Sans"/>
-                <a:cs typeface="Open Sans"/>
-                <a:sym typeface="Open Sans"/>
-              </a:rPr>
-              <a:t>Um dos motivos é que em uma democracia com dois partidos o governante precisa convencer o eleitor mediano (50%+1) para votar em sua plataforma</a:t>
-            </a:r>
-            <a:endParaRPr i="0" sz="2400" u="none" cap="none" strike="noStrike">
-              <a:solidFill>
-                <a:schemeClr val="dk1"/>
-              </a:solidFill>
-              <a:latin typeface="Open Sans"/>
-              <a:ea typeface="Open Sans"/>
-              <a:cs typeface="Open Sans"/>
-              <a:sym typeface="Open Sans"/>
-            </a:endParaRPr>
-          </a:p>
-          <a:p>
-            <a:pPr indent="0" lvl="0" marL="609600" marR="0" rtl="0" algn="l">
-              <a:lnSpc>
-                <a:spcPct val="150000"/>
+            <a:pPr indent="0" lvl="0" marL="406400" rtl="0" algn="l">
+              <a:lnSpc>
+                <a:spcPct val="115000"/>
               </a:lnSpc>
               <a:spcBef>
                 <a:spcPts val="0"/>
@@ -11572,9 +11618,9 @@
             </a:endParaRPr>
           </a:p>
           <a:p>
-            <a:pPr indent="-358140" lvl="0" marL="457200" marR="0" rtl="0" algn="l">
-              <a:lnSpc>
-                <a:spcPct val="150000"/>
+            <a:pPr indent="-358140" lvl="0" marL="457200" rtl="0" algn="l">
+              <a:lnSpc>
+                <a:spcPct val="115000"/>
               </a:lnSpc>
               <a:spcBef>
                 <a:spcPts val="0"/>
@@ -11590,16 +11636,127 @@
               <a:buChar char="•"/>
             </a:pPr>
             <a:r>
-              <a:rPr i="0" lang="en-US" sz="2400" u="none" cap="none" strike="noStrike">
-                <a:solidFill>
-                  <a:schemeClr val="dk1"/>
-                </a:solidFill>
+              <a:rPr lang="en-US" sz="2400">
                 <a:latin typeface="Open Sans"/>
                 <a:ea typeface="Open Sans"/>
                 <a:cs typeface="Open Sans"/>
                 <a:sym typeface="Open Sans"/>
               </a:rPr>
-              <a:t>Este, em geral, é avesso ao aumento da carga de impostos, assim o governante democrático tem menos lucros do que o ponto ótimo do monopolista</a:t>
+              <a:t>Com a modernização da sociedade a transformação da economia de agrária para urbana, as estruturas tradicionais de direito fundiário passaram se tornar inadequadas</a:t>
+            </a:r>
+            <a:endParaRPr sz="2400">
+              <a:latin typeface="Open Sans"/>
+              <a:ea typeface="Open Sans"/>
+              <a:cs typeface="Open Sans"/>
+              <a:sym typeface="Open Sans"/>
+            </a:endParaRPr>
+          </a:p>
+          <a:p>
+            <a:pPr indent="0" lvl="0" marL="406400" rtl="0" algn="l">
+              <a:lnSpc>
+                <a:spcPct val="115000"/>
+              </a:lnSpc>
+              <a:spcBef>
+                <a:spcPts val="0"/>
+              </a:spcBef>
+              <a:spcAft>
+                <a:spcPts val="0"/>
+              </a:spcAft>
+              <a:buNone/>
+            </a:pPr>
+            <a:r>
+              <a:t/>
+            </a:r>
+            <a:endParaRPr sz="2400">
+              <a:latin typeface="Open Sans"/>
+              <a:ea typeface="Open Sans"/>
+              <a:cs typeface="Open Sans"/>
+              <a:sym typeface="Open Sans"/>
+            </a:endParaRPr>
+          </a:p>
+          <a:p>
+            <a:pPr indent="-358140" lvl="0" marL="457200" rtl="0" algn="l">
+              <a:lnSpc>
+                <a:spcPct val="115000"/>
+              </a:lnSpc>
+              <a:spcBef>
+                <a:spcPts val="0"/>
+              </a:spcBef>
+              <a:spcAft>
+                <a:spcPts val="0"/>
+              </a:spcAft>
+              <a:buClr>
+                <a:schemeClr val="dk1"/>
+              </a:buClr>
+              <a:buSzPct val="100000"/>
+              <a:buFont typeface="Open Sans"/>
+              <a:buChar char="•"/>
+            </a:pPr>
+            <a:r>
+              <a:rPr lang="en-US" sz="2400">
+                <a:latin typeface="Open Sans"/>
+                <a:ea typeface="Open Sans"/>
+                <a:cs typeface="Open Sans"/>
+                <a:sym typeface="Open Sans"/>
+              </a:rPr>
+              <a:t>Uma das dificuldades para a transformação da sociedade rural em urbana são os obstáculos governamentais e o excesso de regulação das pequenas atividades comerciais</a:t>
+            </a:r>
+            <a:endParaRPr sz="2400">
+              <a:latin typeface="Open Sans"/>
+              <a:ea typeface="Open Sans"/>
+              <a:cs typeface="Open Sans"/>
+              <a:sym typeface="Open Sans"/>
+            </a:endParaRPr>
+          </a:p>
+          <a:p>
+            <a:pPr indent="0" lvl="0" marL="406400" rtl="0" algn="l">
+              <a:lnSpc>
+                <a:spcPct val="115000"/>
+              </a:lnSpc>
+              <a:spcBef>
+                <a:spcPts val="0"/>
+              </a:spcBef>
+              <a:spcAft>
+                <a:spcPts val="0"/>
+              </a:spcAft>
+              <a:buNone/>
+            </a:pPr>
+            <a:r>
+              <a:t/>
+            </a:r>
+            <a:endParaRPr sz="2400">
+              <a:latin typeface="Open Sans"/>
+              <a:ea typeface="Open Sans"/>
+              <a:cs typeface="Open Sans"/>
+              <a:sym typeface="Open Sans"/>
+            </a:endParaRPr>
+          </a:p>
+          <a:p>
+            <a:pPr indent="-358140" lvl="0" marL="457200" rtl="0" algn="l">
+              <a:lnSpc>
+                <a:spcPct val="115000"/>
+              </a:lnSpc>
+              <a:spcBef>
+                <a:spcPts val="0"/>
+              </a:spcBef>
+              <a:spcAft>
+                <a:spcPts val="0"/>
+              </a:spcAft>
+              <a:buClr>
+                <a:schemeClr val="dk1"/>
+              </a:buClr>
+              <a:buSzPct val="100000"/>
+              <a:buFont typeface="Open Sans"/>
+              <a:buChar char="•"/>
+            </a:pPr>
+            <a:r>
+              <a:rPr lang="en-US" sz="2400">
+                <a:latin typeface="Open Sans"/>
+                <a:ea typeface="Open Sans"/>
+                <a:cs typeface="Open Sans"/>
+                <a:sym typeface="Open Sans"/>
+              </a:rPr>
+              <a:t>31x o salário mínimo do Peru para abrir uma empresa</a:t>
             </a:r>
             <a:endParaRPr>
               <a:latin typeface="Open Sans"/>
@@ -11626,8 +11783,8 @@
         </p:blipFill>
         <p:spPr>
           <a:xfrm>
-            <a:off x="152400" y="6080299"/>
-            <a:ext cx="2083148" cy="625301"/>
+            <a:off x="152400" y="6055824"/>
+            <a:ext cx="2164649" cy="649775"/>
           </a:xfrm>
           <a:prstGeom prst="rect">
             <a:avLst/>
@@ -11692,69 +11849,29 @@
           <a:p>
             <a:pPr indent="0" lvl="0" marL="0" marR="0" rtl="0" algn="ctr">
               <a:lnSpc>
-                <a:spcPct val="125000"/>
-              </a:lnSpc>
-              <a:spcBef>
-                <a:spcPts val="0"/>
-              </a:spcBef>
-              <a:spcAft>
-                <a:spcPts val="0"/>
-              </a:spcAft>
-              <a:buClr>
-                <a:srgbClr val="000000"/>
+                <a:spcPct val="100000"/>
+              </a:lnSpc>
+              <a:spcBef>
+                <a:spcPts val="0"/>
+              </a:spcBef>
+              <a:spcAft>
+                <a:spcPts val="0"/>
+              </a:spcAft>
+              <a:buClr>
+                <a:schemeClr val="dk1"/>
               </a:buClr>
               <a:buSzPts val="810"/>
-              <a:buFont typeface="Arial"/>
-              <a:buNone/>
-            </a:pPr>
-            <a:r>
-              <a:rPr b="1" i="0" lang="en-US" sz="3600" u="none" cap="none" strike="noStrike">
-                <a:solidFill>
-                  <a:schemeClr val="dk1"/>
-                </a:solidFill>
+              <a:buFont typeface="Calibri"/>
+              <a:buNone/>
+            </a:pPr>
+            <a:r>
+              <a:rPr b="1" lang="en-US" sz="3600">
                 <a:latin typeface="Open Sans"/>
                 <a:ea typeface="Open Sans"/>
                 <a:cs typeface="Open Sans"/>
                 <a:sym typeface="Open Sans"/>
               </a:rPr>
-              <a:t>Dictatorship, Democracy</a:t>
-            </a:r>
-            <a:endParaRPr>
-              <a:latin typeface="Open Sans"/>
-              <a:ea typeface="Open Sans"/>
-              <a:cs typeface="Open Sans"/>
-              <a:sym typeface="Open Sans"/>
-            </a:endParaRPr>
-          </a:p>
-          <a:p>
-            <a:pPr indent="0" lvl="0" marL="0" marR="0" rtl="0" algn="ctr">
-              <a:lnSpc>
-                <a:spcPct val="125000"/>
-              </a:lnSpc>
-              <a:spcBef>
-                <a:spcPts val="0"/>
-              </a:spcBef>
-              <a:spcAft>
-                <a:spcPts val="0"/>
-              </a:spcAft>
-              <a:buClr>
-                <a:srgbClr val="000000"/>
-              </a:buClr>
-              <a:buSzPts val="810"/>
-              <a:buFont typeface="Arial"/>
-              <a:buNone/>
-            </a:pPr>
-            <a:r>
-              <a:rPr b="1" i="0" lang="en-US" sz="3600" u="none" cap="none" strike="noStrike">
-                <a:solidFill>
-                  <a:schemeClr val="dk1"/>
-                </a:solidFill>
-                <a:latin typeface="Open Sans"/>
-                <a:ea typeface="Open Sans"/>
-                <a:cs typeface="Open Sans"/>
-                <a:sym typeface="Open Sans"/>
-              </a:rPr>
-              <a:t> and Development</a:t>
+              <a:t>The Mystery of Missing Information</a:t>
             </a:r>
             <a:endParaRPr>
               <a:latin typeface="Open Sans"/>
@@ -11788,13 +11905,13 @@
         </p:spPr>
         <p:txBody>
           <a:bodyPr anchorCtr="0" anchor="t" bIns="91425" lIns="91425" spcFirstLastPara="1" rIns="91425" wrap="square" tIns="91425">
-            <a:normAutofit fontScale="85000" lnSpcReduction="20000"/>
+            <a:normAutofit fontScale="85000" lnSpcReduction="10000"/>
           </a:bodyPr>
           <a:lstStyle/>
           <a:p>
-            <a:pPr indent="-358140" lvl="0" marL="457200" marR="0" rtl="0" algn="l">
-              <a:lnSpc>
-                <a:spcPct val="150000"/>
+            <a:pPr indent="-358140" lvl="0" marL="457200" rtl="0" algn="l">
+              <a:lnSpc>
+                <a:spcPct val="115000"/>
               </a:lnSpc>
               <a:spcBef>
                 <a:spcPts val="0"/>
@@ -11810,42 +11927,13 @@
               <a:buChar char="•"/>
             </a:pPr>
             <a:r>
-              <a:rPr i="0" lang="en-US" sz="2400" u="none" cap="none" strike="noStrike">
-                <a:solidFill>
-                  <a:schemeClr val="dk1"/>
-                </a:solidFill>
+              <a:rPr lang="en-US" sz="2400">
                 <a:latin typeface="Open Sans"/>
                 <a:ea typeface="Open Sans"/>
                 <a:cs typeface="Open Sans"/>
                 <a:sym typeface="Open Sans"/>
               </a:rPr>
-              <a:t>O aumento de renda via mercado também é maior nas democracias, o que reduz ainda mais o incentivo do governante aumentar a riqueza por via de extração</a:t>
-            </a:r>
-            <a:endParaRPr i="0" sz="2400" u="none" cap="none" strike="noStrike">
-              <a:solidFill>
-                <a:schemeClr val="dk1"/>
-              </a:solidFill>
-              <a:latin typeface="Open Sans"/>
-              <a:ea typeface="Open Sans"/>
-              <a:cs typeface="Open Sans"/>
-              <a:sym typeface="Open Sans"/>
-            </a:endParaRPr>
-          </a:p>
-          <a:p>
-            <a:pPr indent="0" lvl="0" marL="609600" marR="0" rtl="0" algn="l">
-              <a:lnSpc>
-                <a:spcPct val="150000"/>
-              </a:lnSpc>
-              <a:spcBef>
-                <a:spcPts val="0"/>
-              </a:spcBef>
-              <a:spcAft>
-                <a:spcPts val="0"/>
-              </a:spcAft>
-              <a:buNone/>
-            </a:pPr>
-            <a:r>
-              <a:t/>
+              <a:t>A legalização fundiária também é um processo longo e oneroso em vários países do mundo</a:t>
             </a:r>
             <a:endParaRPr sz="2400">
               <a:latin typeface="Open Sans"/>
@@ -11855,49 +11943,9 @@
             </a:endParaRPr>
           </a:p>
           <a:p>
-            <a:pPr indent="-358140" lvl="0" marL="457200" marR="0" rtl="0" algn="l">
-              <a:lnSpc>
-                <a:spcPct val="150000"/>
-              </a:lnSpc>
-              <a:spcBef>
-                <a:spcPts val="0"/>
-              </a:spcBef>
-              <a:spcAft>
-                <a:spcPts val="0"/>
-              </a:spcAft>
-              <a:buClr>
-                <a:schemeClr val="dk1"/>
-              </a:buClr>
-              <a:buSzPct val="100000"/>
-              <a:buFont typeface="Open Sans"/>
-              <a:buChar char="•"/>
-            </a:pPr>
-            <a:r>
-              <a:rPr i="0" lang="en-US" sz="2400" u="none" cap="none" strike="noStrike">
-                <a:solidFill>
-                  <a:schemeClr val="dk1"/>
-                </a:solidFill>
-                <a:latin typeface="Open Sans"/>
-                <a:ea typeface="Open Sans"/>
-                <a:cs typeface="Open Sans"/>
-                <a:sym typeface="Open Sans"/>
-              </a:rPr>
-              <a:t>A democracia, entretanto, não irá distribuir esta renda adicional igualmente entre todos os cidadãos</a:t>
-            </a:r>
-            <a:endParaRPr i="0" sz="2400" u="none" cap="none" strike="noStrike">
-              <a:solidFill>
-                <a:schemeClr val="dk1"/>
-              </a:solidFill>
-              <a:latin typeface="Open Sans"/>
-              <a:ea typeface="Open Sans"/>
-              <a:cs typeface="Open Sans"/>
-              <a:sym typeface="Open Sans"/>
-            </a:endParaRPr>
-          </a:p>
-          <a:p>
-            <a:pPr indent="0" lvl="0" marL="609600" marR="0" rtl="0" algn="l">
-              <a:lnSpc>
-                <a:spcPct val="150000"/>
+            <a:pPr indent="0" lvl="0" marL="406400" rtl="0" algn="l">
+              <a:lnSpc>
+                <a:spcPct val="115000"/>
               </a:lnSpc>
               <a:spcBef>
                 <a:spcPts val="0"/>
@@ -11918,9 +11966,9 @@
             </a:endParaRPr>
           </a:p>
           <a:p>
-            <a:pPr indent="-358140" lvl="0" marL="457200" marR="0" rtl="0" algn="l">
-              <a:lnSpc>
-                <a:spcPct val="150000"/>
+            <a:pPr indent="-358140" lvl="0" marL="457200" rtl="0" algn="l">
+              <a:lnSpc>
+                <a:spcPct val="115000"/>
               </a:lnSpc>
               <a:spcBef>
                 <a:spcPts val="0"/>
@@ -11936,40 +11984,127 @@
               <a:buChar char="•"/>
             </a:pPr>
             <a:r>
-              <a:rPr i="0" lang="en-US" sz="2400" u="none" cap="none" strike="noStrike">
-                <a:solidFill>
-                  <a:schemeClr val="dk1"/>
-                </a:solidFill>
+              <a:rPr lang="en-US" sz="2400">
                 <a:latin typeface="Open Sans"/>
                 <a:ea typeface="Open Sans"/>
                 <a:cs typeface="Open Sans"/>
                 <a:sym typeface="Open Sans"/>
               </a:rPr>
-              <a:t>Lobistas, os quais investem pesadamente em </a:t>
-            </a:r>
-            <a:r>
-              <a:rPr i="1" lang="en-US" sz="2400" u="none" cap="none" strike="noStrike">
-                <a:solidFill>
-                  <a:schemeClr val="dk1"/>
-                </a:solidFill>
+              <a:t>No Egito, era necessário passar por 77 etapas burocráticas até conseguir obter a regularização de seu terreno</a:t>
+            </a:r>
+            <a:endParaRPr sz="2400">
+              <a:latin typeface="Open Sans"/>
+              <a:ea typeface="Open Sans"/>
+              <a:cs typeface="Open Sans"/>
+              <a:sym typeface="Open Sans"/>
+            </a:endParaRPr>
+          </a:p>
+          <a:p>
+            <a:pPr indent="0" lvl="0" marL="406400" rtl="0" algn="l">
+              <a:lnSpc>
+                <a:spcPct val="115000"/>
+              </a:lnSpc>
+              <a:spcBef>
+                <a:spcPts val="0"/>
+              </a:spcBef>
+              <a:spcAft>
+                <a:spcPts val="0"/>
+              </a:spcAft>
+              <a:buNone/>
+            </a:pPr>
+            <a:r>
+              <a:t/>
+            </a:r>
+            <a:endParaRPr sz="2400">
+              <a:latin typeface="Open Sans"/>
+              <a:ea typeface="Open Sans"/>
+              <a:cs typeface="Open Sans"/>
+              <a:sym typeface="Open Sans"/>
+            </a:endParaRPr>
+          </a:p>
+          <a:p>
+            <a:pPr indent="-358140" lvl="0" marL="457200" rtl="0" algn="l">
+              <a:lnSpc>
+                <a:spcPct val="115000"/>
+              </a:lnSpc>
+              <a:spcBef>
+                <a:spcPts val="0"/>
+              </a:spcBef>
+              <a:spcAft>
+                <a:spcPts val="0"/>
+              </a:spcAft>
+              <a:buClr>
+                <a:schemeClr val="dk1"/>
+              </a:buClr>
+              <a:buSzPct val="100000"/>
+              <a:buFont typeface="Open Sans"/>
+              <a:buChar char="•"/>
+            </a:pPr>
+            <a:r>
+              <a:rPr lang="en-US" sz="2400">
                 <a:latin typeface="Open Sans"/>
                 <a:ea typeface="Open Sans"/>
                 <a:cs typeface="Open Sans"/>
                 <a:sym typeface="Open Sans"/>
               </a:rPr>
-              <a:t>rent-seeking</a:t>
-            </a:r>
-            <a:r>
-              <a:rPr i="0" lang="en-US" sz="2400" u="none" cap="none" strike="noStrike">
-                <a:solidFill>
-                  <a:schemeClr val="dk1"/>
-                </a:solidFill>
+              <a:t>No Haiti, eram necessários cerca de 19 anos até que uma pessoa conseguisse a permissão para ser rendatário e depois tomar posse de um terreno no Port au Prince</a:t>
+            </a:r>
+            <a:endParaRPr sz="2400">
+              <a:latin typeface="Open Sans"/>
+              <a:ea typeface="Open Sans"/>
+              <a:cs typeface="Open Sans"/>
+              <a:sym typeface="Open Sans"/>
+            </a:endParaRPr>
+          </a:p>
+          <a:p>
+            <a:pPr indent="0" lvl="0" marL="406400" rtl="0" algn="l">
+              <a:lnSpc>
+                <a:spcPct val="115000"/>
+              </a:lnSpc>
+              <a:spcBef>
+                <a:spcPts val="0"/>
+              </a:spcBef>
+              <a:spcAft>
+                <a:spcPts val="0"/>
+              </a:spcAft>
+              <a:buNone/>
+            </a:pPr>
+            <a:r>
+              <a:t/>
+            </a:r>
+            <a:endParaRPr sz="2400">
+              <a:latin typeface="Open Sans"/>
+              <a:ea typeface="Open Sans"/>
+              <a:cs typeface="Open Sans"/>
+              <a:sym typeface="Open Sans"/>
+            </a:endParaRPr>
+          </a:p>
+          <a:p>
+            <a:pPr indent="-358140" lvl="0" marL="457200" rtl="0" algn="l">
+              <a:lnSpc>
+                <a:spcPct val="115000"/>
+              </a:lnSpc>
+              <a:spcBef>
+                <a:spcPts val="0"/>
+              </a:spcBef>
+              <a:spcAft>
+                <a:spcPts val="0"/>
+              </a:spcAft>
+              <a:buClr>
+                <a:schemeClr val="dk1"/>
+              </a:buClr>
+              <a:buSzPct val="100000"/>
+              <a:buFont typeface="Open Sans"/>
+              <a:buChar char="•"/>
+            </a:pPr>
+            <a:r>
+              <a:rPr lang="en-US" sz="2400">
                 <a:latin typeface="Open Sans"/>
                 <a:ea typeface="Open Sans"/>
                 <a:cs typeface="Open Sans"/>
                 <a:sym typeface="Open Sans"/>
               </a:rPr>
-              <a:t>, tendem a ter lucros proporcionalmente maiores. Mas ainda assim há mais redistribuição do que em ditadura</a:t>
+              <a:t>No Brasil, parte desta dificuldade em se obter terrenos reflete-se no grande aumento das favelas nos anos 50-90</a:t>
             </a:r>
             <a:endParaRPr>
               <a:latin typeface="Open Sans"/>
@@ -11996,8 +12131,8 @@
         </p:blipFill>
         <p:spPr>
           <a:xfrm>
-            <a:off x="152400" y="6080299"/>
-            <a:ext cx="2083148" cy="625301"/>
+            <a:off x="152400" y="6055824"/>
+            <a:ext cx="2164649" cy="649775"/>
           </a:xfrm>
           <a:prstGeom prst="rect">
             <a:avLst/>
@@ -12062,69 +12197,29 @@
           <a:p>
             <a:pPr indent="0" lvl="0" marL="0" marR="0" rtl="0" algn="ctr">
               <a:lnSpc>
-                <a:spcPct val="125000"/>
-              </a:lnSpc>
-              <a:spcBef>
-                <a:spcPts val="0"/>
-              </a:spcBef>
-              <a:spcAft>
-                <a:spcPts val="0"/>
-              </a:spcAft>
-              <a:buClr>
-                <a:srgbClr val="000000"/>
+                <a:spcPct val="100000"/>
+              </a:lnSpc>
+              <a:spcBef>
+                <a:spcPts val="0"/>
+              </a:spcBef>
+              <a:spcAft>
+                <a:spcPts val="0"/>
+              </a:spcAft>
+              <a:buClr>
+                <a:schemeClr val="dk1"/>
               </a:buClr>
               <a:buSzPts val="810"/>
-              <a:buFont typeface="Arial"/>
-              <a:buNone/>
-            </a:pPr>
-            <a:r>
-              <a:rPr b="1" i="0" lang="en-US" sz="3600" u="none" cap="none" strike="noStrike">
-                <a:solidFill>
-                  <a:schemeClr val="dk1"/>
-                </a:solidFill>
+              <a:buFont typeface="Calibri"/>
+              <a:buNone/>
+            </a:pPr>
+            <a:r>
+              <a:rPr b="1" lang="en-US" sz="3600">
                 <a:latin typeface="Open Sans"/>
                 <a:ea typeface="Open Sans"/>
                 <a:cs typeface="Open Sans"/>
                 <a:sym typeface="Open Sans"/>
               </a:rPr>
-              <a:t>Dictatorship, Democracy</a:t>
-            </a:r>
-            <a:endParaRPr>
-              <a:latin typeface="Open Sans"/>
-              <a:ea typeface="Open Sans"/>
-              <a:cs typeface="Open Sans"/>
-              <a:sym typeface="Open Sans"/>
-            </a:endParaRPr>
-          </a:p>
-          <a:p>
-            <a:pPr indent="0" lvl="0" marL="0" marR="0" rtl="0" algn="ctr">
-              <a:lnSpc>
-                <a:spcPct val="125000"/>
-              </a:lnSpc>
-              <a:spcBef>
-                <a:spcPts val="0"/>
-              </a:spcBef>
-              <a:spcAft>
-                <a:spcPts val="0"/>
-              </a:spcAft>
-              <a:buClr>
-                <a:srgbClr val="000000"/>
-              </a:buClr>
-              <a:buSzPts val="810"/>
-              <a:buFont typeface="Arial"/>
-              <a:buNone/>
-            </a:pPr>
-            <a:r>
-              <a:rPr b="1" i="0" lang="en-US" sz="3600" u="none" cap="none" strike="noStrike">
-                <a:solidFill>
-                  <a:schemeClr val="dk1"/>
-                </a:solidFill>
-                <a:latin typeface="Open Sans"/>
-                <a:ea typeface="Open Sans"/>
-                <a:cs typeface="Open Sans"/>
-                <a:sym typeface="Open Sans"/>
-              </a:rPr>
-              <a:t> and Development</a:t>
+              <a:t>The Mystery of Missing Information</a:t>
             </a:r>
             <a:endParaRPr>
               <a:latin typeface="Open Sans"/>
@@ -12162,9 +12257,9 @@
           </a:bodyPr>
           <a:lstStyle/>
           <a:p>
-            <a:pPr indent="-358140" lvl="0" marL="457200" marR="0" rtl="0" algn="l">
-              <a:lnSpc>
-                <a:spcPct val="150000"/>
+            <a:pPr indent="-358140" lvl="0" marL="457200" rtl="0" algn="l">
+              <a:lnSpc>
+                <a:spcPct val="115000"/>
               </a:lnSpc>
               <a:spcBef>
                 <a:spcPts val="0"/>
@@ -12180,21 +12275,24 @@
               <a:buChar char="•"/>
             </a:pPr>
             <a:r>
-              <a:rPr i="0" lang="en-US" sz="2400" u="none" cap="none" strike="noStrike">
-                <a:solidFill>
-                  <a:schemeClr val="dk1"/>
-                </a:solidFill>
+              <a:rPr lang="en-US" sz="2400">
                 <a:latin typeface="Open Sans"/>
                 <a:ea typeface="Open Sans"/>
                 <a:cs typeface="Open Sans"/>
                 <a:sym typeface="Open Sans"/>
               </a:rPr>
-              <a:t>E como mudar o comportamento de um ditador para que ele se torne menos opressor contra o povo?</a:t>
-            </a:r>
-            <a:endParaRPr i="0" sz="2400" u="none" cap="none" strike="noStrike">
-              <a:solidFill>
-                <a:schemeClr val="dk1"/>
-              </a:solidFill>
+              <a:t>Entretanto, há uma enorme gama de serviços ofertados </a:t>
+            </a:r>
+            <a:r>
+              <a:rPr i="1" lang="en-US" sz="2400">
+                <a:latin typeface="Open Sans"/>
+                <a:ea typeface="Open Sans"/>
+                <a:cs typeface="Open Sans"/>
+                <a:sym typeface="Open Sans"/>
+              </a:rPr>
+              <a:t>dos pobres para os pobres</a:t>
+            </a:r>
+            <a:endParaRPr i="1" sz="2400">
               <a:latin typeface="Open Sans"/>
               <a:ea typeface="Open Sans"/>
               <a:cs typeface="Open Sans"/>
@@ -12202,9 +12300,9 @@
             </a:endParaRPr>
           </a:p>
           <a:p>
-            <a:pPr indent="0" lvl="0" marL="609600" marR="0" rtl="0" algn="l">
-              <a:lnSpc>
-                <a:spcPct val="150000"/>
+            <a:pPr indent="0" lvl="0" marL="406400" rtl="0" algn="l">
+              <a:lnSpc>
+                <a:spcPct val="115000"/>
               </a:lnSpc>
               <a:spcBef>
                 <a:spcPts val="0"/>
@@ -12216,6 +12314,40 @@
             </a:pPr>
             <a:r>
               <a:t/>
+            </a:r>
+            <a:endParaRPr i="1" sz="2400">
+              <a:latin typeface="Open Sans"/>
+              <a:ea typeface="Open Sans"/>
+              <a:cs typeface="Open Sans"/>
+              <a:sym typeface="Open Sans"/>
+            </a:endParaRPr>
+          </a:p>
+          <a:p>
+            <a:pPr indent="-358140" lvl="0" marL="457200" rtl="0" algn="l">
+              <a:lnSpc>
+                <a:spcPct val="115000"/>
+              </a:lnSpc>
+              <a:spcBef>
+                <a:spcPts val="0"/>
+              </a:spcBef>
+              <a:spcAft>
+                <a:spcPts val="0"/>
+              </a:spcAft>
+              <a:buClr>
+                <a:schemeClr val="dk1"/>
+              </a:buClr>
+              <a:buSzPct val="100000"/>
+              <a:buFont typeface="Open Sans"/>
+              <a:buChar char="•"/>
+            </a:pPr>
+            <a:r>
+              <a:rPr lang="en-US" sz="2400">
+                <a:latin typeface="Open Sans"/>
+                <a:ea typeface="Open Sans"/>
+                <a:cs typeface="Open Sans"/>
+                <a:sym typeface="Open Sans"/>
+              </a:rPr>
+              <a:t>Exemplos brasileiros recentes: franquias de manicures, diaristas, mototaxis, assistência técnica para celulares, LAN houses, vans clandestinas, etc</a:t>
             </a:r>
             <a:endParaRPr sz="2400">
               <a:latin typeface="Open Sans"/>
@@ -12225,49 +12357,9 @@
             </a:endParaRPr>
           </a:p>
           <a:p>
-            <a:pPr indent="-358140" lvl="0" marL="457200" marR="0" rtl="0" algn="l">
-              <a:lnSpc>
-                <a:spcPct val="150000"/>
-              </a:lnSpc>
-              <a:spcBef>
-                <a:spcPts val="0"/>
-              </a:spcBef>
-              <a:spcAft>
-                <a:spcPts val="0"/>
-              </a:spcAft>
-              <a:buClr>
-                <a:schemeClr val="dk1"/>
-              </a:buClr>
-              <a:buSzPct val="100000"/>
-              <a:buFont typeface="Open Sans"/>
-              <a:buChar char="•"/>
-            </a:pPr>
-            <a:r>
-              <a:rPr i="0" lang="en-US" sz="2400" u="none" cap="none" strike="noStrike">
-                <a:solidFill>
-                  <a:schemeClr val="dk1"/>
-                </a:solidFill>
-                <a:latin typeface="Open Sans"/>
-                <a:ea typeface="Open Sans"/>
-                <a:cs typeface="Open Sans"/>
-                <a:sym typeface="Open Sans"/>
-              </a:rPr>
-              <a:t>Uma boa resposta está nos horizontes para cooperação</a:t>
-            </a:r>
-            <a:endParaRPr i="0" sz="2400" u="none" cap="none" strike="noStrike">
-              <a:solidFill>
-                <a:schemeClr val="dk1"/>
-              </a:solidFill>
-              <a:latin typeface="Open Sans"/>
-              <a:ea typeface="Open Sans"/>
-              <a:cs typeface="Open Sans"/>
-              <a:sym typeface="Open Sans"/>
-            </a:endParaRPr>
-          </a:p>
-          <a:p>
-            <a:pPr indent="0" lvl="0" marL="609600" marR="0" rtl="0" algn="l">
-              <a:lnSpc>
-                <a:spcPct val="150000"/>
+            <a:pPr indent="0" lvl="0" marL="406400" rtl="0" algn="l">
+              <a:lnSpc>
+                <a:spcPct val="115000"/>
               </a:lnSpc>
               <a:spcBef>
                 <a:spcPts val="0"/>
@@ -12288,9 +12380,9 @@
             </a:endParaRPr>
           </a:p>
           <a:p>
-            <a:pPr indent="-358140" lvl="0" marL="457200" marR="0" rtl="0" algn="l">
-              <a:lnSpc>
-                <a:spcPct val="150000"/>
+            <a:pPr indent="-358140" lvl="0" marL="457200" rtl="0" algn="l">
+              <a:lnSpc>
+                <a:spcPct val="115000"/>
               </a:lnSpc>
               <a:spcBef>
                 <a:spcPts val="0"/>
@@ -12306,16 +12398,70 @@
               <a:buChar char="•"/>
             </a:pPr>
             <a:r>
-              <a:rPr i="0" lang="en-US" sz="2400" u="none" cap="none" strike="noStrike">
-                <a:solidFill>
-                  <a:schemeClr val="dk1"/>
-                </a:solidFill>
+              <a:rPr lang="en-US" sz="2400">
                 <a:latin typeface="Open Sans"/>
                 <a:ea typeface="Open Sans"/>
                 <a:cs typeface="Open Sans"/>
                 <a:sym typeface="Open Sans"/>
               </a:rPr>
-              <a:t>Se o governante absoluto imagina que seu tempo de governo será curto, provavelmente por problemas de sucessão, ele ou ela terá incentivos para extrair o maior montante de renda possível. O oposto é verdadeiro: se o horizonte é longo, é racional ser comedido na taxação dos indivíduos</a:t>
+              <a:t>Esta riqueza também está nos imóveis: embora fora dos registros oficiais, há uma enorme gama de tipos de propriedade imobiliária na mão dos mais pobres no mundo</a:t>
+            </a:r>
+            <a:endParaRPr sz="2400">
+              <a:latin typeface="Open Sans"/>
+              <a:ea typeface="Open Sans"/>
+              <a:cs typeface="Open Sans"/>
+              <a:sym typeface="Open Sans"/>
+            </a:endParaRPr>
+          </a:p>
+          <a:p>
+            <a:pPr indent="0" lvl="0" marL="406400" rtl="0" algn="l">
+              <a:lnSpc>
+                <a:spcPct val="115000"/>
+              </a:lnSpc>
+              <a:spcBef>
+                <a:spcPts val="0"/>
+              </a:spcBef>
+              <a:spcAft>
+                <a:spcPts val="0"/>
+              </a:spcAft>
+              <a:buNone/>
+            </a:pPr>
+            <a:r>
+              <a:t/>
+            </a:r>
+            <a:endParaRPr sz="2400">
+              <a:latin typeface="Open Sans"/>
+              <a:ea typeface="Open Sans"/>
+              <a:cs typeface="Open Sans"/>
+              <a:sym typeface="Open Sans"/>
+            </a:endParaRPr>
+          </a:p>
+          <a:p>
+            <a:pPr indent="-358140" lvl="0" marL="457200" rtl="0" algn="l">
+              <a:lnSpc>
+                <a:spcPct val="115000"/>
+              </a:lnSpc>
+              <a:spcBef>
+                <a:spcPts val="0"/>
+              </a:spcBef>
+              <a:spcAft>
+                <a:spcPts val="0"/>
+              </a:spcAft>
+              <a:buClr>
+                <a:schemeClr val="dk1"/>
+              </a:buClr>
+              <a:buSzPct val="100000"/>
+              <a:buFont typeface="Open Sans"/>
+              <a:buChar char="•"/>
+            </a:pPr>
+            <a:r>
+              <a:rPr lang="en-US" sz="2400">
+                <a:latin typeface="Open Sans"/>
+                <a:ea typeface="Open Sans"/>
+                <a:cs typeface="Open Sans"/>
+                <a:sym typeface="Open Sans"/>
+              </a:rPr>
+              <a:t>50-60% das pessoas nas 5 cidades visitadas vivem em moradias extralegais</a:t>
             </a:r>
             <a:endParaRPr>
               <a:latin typeface="Open Sans"/>
@@ -12342,8 +12488,8 @@
         </p:blipFill>
         <p:spPr>
           <a:xfrm>
-            <a:off x="152400" y="6080299"/>
-            <a:ext cx="2083148" cy="625301"/>
+            <a:off x="152400" y="6055824"/>
+            <a:ext cx="2164649" cy="649775"/>
           </a:xfrm>
           <a:prstGeom prst="rect">
             <a:avLst/>
@@ -12408,69 +12554,29 @@
           <a:p>
             <a:pPr indent="0" lvl="0" marL="0" marR="0" rtl="0" algn="ctr">
               <a:lnSpc>
-                <a:spcPct val="125000"/>
-              </a:lnSpc>
-              <a:spcBef>
-                <a:spcPts val="0"/>
-              </a:spcBef>
-              <a:spcAft>
-                <a:spcPts val="0"/>
-              </a:spcAft>
-              <a:buClr>
-                <a:srgbClr val="000000"/>
+                <a:spcPct val="100000"/>
+              </a:lnSpc>
+              <a:spcBef>
+                <a:spcPts val="0"/>
+              </a:spcBef>
+              <a:spcAft>
+                <a:spcPts val="0"/>
+              </a:spcAft>
+              <a:buClr>
+                <a:schemeClr val="dk1"/>
               </a:buClr>
               <a:buSzPts val="810"/>
-              <a:buFont typeface="Arial"/>
-              <a:buNone/>
-            </a:pPr>
-            <a:r>
-              <a:rPr b="1" i="0" lang="en-US" sz="3600" u="none" cap="none" strike="noStrike">
-                <a:solidFill>
-                  <a:schemeClr val="dk1"/>
-                </a:solidFill>
+              <a:buFont typeface="Calibri"/>
+              <a:buNone/>
+            </a:pPr>
+            <a:r>
+              <a:rPr b="1" lang="en-US" sz="3600">
                 <a:latin typeface="Open Sans"/>
                 <a:ea typeface="Open Sans"/>
                 <a:cs typeface="Open Sans"/>
                 <a:sym typeface="Open Sans"/>
               </a:rPr>
-              <a:t>Dictatorship, Democracy</a:t>
-            </a:r>
-            <a:endParaRPr>
-              <a:latin typeface="Open Sans"/>
-              <a:ea typeface="Open Sans"/>
-              <a:cs typeface="Open Sans"/>
-              <a:sym typeface="Open Sans"/>
-            </a:endParaRPr>
-          </a:p>
-          <a:p>
-            <a:pPr indent="0" lvl="0" marL="0" marR="0" rtl="0" algn="ctr">
-              <a:lnSpc>
-                <a:spcPct val="125000"/>
-              </a:lnSpc>
-              <a:spcBef>
-                <a:spcPts val="0"/>
-              </a:spcBef>
-              <a:spcAft>
-                <a:spcPts val="0"/>
-              </a:spcAft>
-              <a:buClr>
-                <a:srgbClr val="000000"/>
-              </a:buClr>
-              <a:buSzPts val="810"/>
-              <a:buFont typeface="Arial"/>
-              <a:buNone/>
-            </a:pPr>
-            <a:r>
-              <a:rPr b="1" i="0" lang="en-US" sz="3600" u="none" cap="none" strike="noStrike">
-                <a:solidFill>
-                  <a:schemeClr val="dk1"/>
-                </a:solidFill>
-                <a:latin typeface="Open Sans"/>
-                <a:ea typeface="Open Sans"/>
-                <a:cs typeface="Open Sans"/>
-                <a:sym typeface="Open Sans"/>
-              </a:rPr>
-              <a:t> and Development</a:t>
+              <a:t>The Mystery of Missing Information</a:t>
             </a:r>
             <a:endParaRPr>
               <a:latin typeface="Open Sans"/>
@@ -12504,13 +12610,13 @@
         </p:spPr>
         <p:txBody>
           <a:bodyPr anchorCtr="0" anchor="t" bIns="91425" lIns="91425" spcFirstLastPara="1" rIns="91425" wrap="square" tIns="91425">
-            <a:normAutofit fontScale="77500" lnSpcReduction="20000"/>
+            <a:normAutofit fontScale="85000" lnSpcReduction="10000"/>
           </a:bodyPr>
           <a:lstStyle/>
           <a:p>
-            <a:pPr indent="-346710" lvl="0" marL="457200" marR="0" rtl="0" algn="l">
-              <a:lnSpc>
-                <a:spcPct val="150000"/>
+            <a:pPr indent="-358140" lvl="0" marL="457200" rtl="0" algn="l">
+              <a:lnSpc>
+                <a:spcPct val="115000"/>
               </a:lnSpc>
               <a:spcBef>
                 <a:spcPts val="0"/>
@@ -12526,42 +12632,13 @@
               <a:buChar char="•"/>
             </a:pPr>
             <a:r>
-              <a:rPr i="0" lang="en-US" sz="2400" u="none" cap="none" strike="noStrike">
-                <a:solidFill>
-                  <a:schemeClr val="dk1"/>
-                </a:solidFill>
+              <a:rPr lang="en-US" sz="2400">
                 <a:latin typeface="Open Sans"/>
                 <a:ea typeface="Open Sans"/>
                 <a:cs typeface="Open Sans"/>
                 <a:sym typeface="Open Sans"/>
               </a:rPr>
-              <a:t>Explicar a origem do estado é tarefa mais fácil do que a transição de ditadura para democracia</a:t>
-            </a:r>
-            <a:endParaRPr i="0" sz="2400" u="none" cap="none" strike="noStrike">
-              <a:solidFill>
-                <a:schemeClr val="dk1"/>
-              </a:solidFill>
-              <a:latin typeface="Open Sans"/>
-              <a:ea typeface="Open Sans"/>
-              <a:cs typeface="Open Sans"/>
-              <a:sym typeface="Open Sans"/>
-            </a:endParaRPr>
-          </a:p>
-          <a:p>
-            <a:pPr indent="0" lvl="0" marL="609600" marR="0" rtl="0" algn="l">
-              <a:lnSpc>
-                <a:spcPct val="150000"/>
-              </a:lnSpc>
-              <a:spcBef>
-                <a:spcPts val="0"/>
-              </a:spcBef>
-              <a:spcAft>
-                <a:spcPts val="0"/>
-              </a:spcAft>
-              <a:buNone/>
-            </a:pPr>
-            <a:r>
-              <a:t/>
+              <a:t>Apenas no Peru, o valor estimado das moradias irregulares em 1998 era de 74 bilhões de dólares, ou cinco vezes o valor total da Bolsa de Valores de Lima à época</a:t>
             </a:r>
             <a:endParaRPr sz="2400">
               <a:latin typeface="Open Sans"/>
@@ -12571,49 +12648,9 @@
             </a:endParaRPr>
           </a:p>
           <a:p>
-            <a:pPr indent="-346710" lvl="0" marL="457200" marR="0" rtl="0" algn="l">
-              <a:lnSpc>
-                <a:spcPct val="150000"/>
-              </a:lnSpc>
-              <a:spcBef>
-                <a:spcPts val="0"/>
-              </a:spcBef>
-              <a:spcAft>
-                <a:spcPts val="0"/>
-              </a:spcAft>
-              <a:buClr>
-                <a:schemeClr val="dk1"/>
-              </a:buClr>
-              <a:buSzPct val="100000"/>
-              <a:buFont typeface="Open Sans"/>
-              <a:buChar char="•"/>
-            </a:pPr>
-            <a:r>
-              <a:rPr i="0" lang="en-US" sz="2400" u="none" cap="none" strike="noStrike">
-                <a:solidFill>
-                  <a:schemeClr val="dk1"/>
-                </a:solidFill>
-                <a:latin typeface="Open Sans"/>
-                <a:ea typeface="Open Sans"/>
-                <a:cs typeface="Open Sans"/>
-                <a:sym typeface="Open Sans"/>
-              </a:rPr>
-              <a:t>Não basta vontade popular para que um governante autoritário abandone o posto</a:t>
-            </a:r>
-            <a:endParaRPr i="0" sz="2400" u="none" cap="none" strike="noStrike">
-              <a:solidFill>
-                <a:schemeClr val="dk1"/>
-              </a:solidFill>
-              <a:latin typeface="Open Sans"/>
-              <a:ea typeface="Open Sans"/>
-              <a:cs typeface="Open Sans"/>
-              <a:sym typeface="Open Sans"/>
-            </a:endParaRPr>
-          </a:p>
-          <a:p>
-            <a:pPr indent="0" lvl="0" marL="609600" marR="0" rtl="0" algn="l">
-              <a:lnSpc>
-                <a:spcPct val="150000"/>
+            <a:pPr indent="0" lvl="0" marL="406400" rtl="0" algn="l">
+              <a:lnSpc>
+                <a:spcPct val="115000"/>
               </a:lnSpc>
               <a:spcBef>
                 <a:spcPts val="0"/>
@@ -12634,9 +12671,9 @@
             </a:endParaRPr>
           </a:p>
           <a:p>
-            <a:pPr indent="-346710" lvl="0" marL="457200" marR="0" rtl="0" algn="l">
-              <a:lnSpc>
-                <a:spcPct val="150000"/>
+            <a:pPr indent="-358140" lvl="0" marL="457200" rtl="0" algn="l">
+              <a:lnSpc>
+                <a:spcPct val="115000"/>
               </a:lnSpc>
               <a:spcBef>
                 <a:spcPts val="0"/>
@@ -12652,42 +12689,13 @@
               <a:buChar char="•"/>
             </a:pPr>
             <a:r>
-              <a:rPr i="0" lang="en-US" sz="2400" u="none" cap="none" strike="noStrike">
-                <a:solidFill>
-                  <a:schemeClr val="dk1"/>
-                </a:solidFill>
+              <a:rPr lang="en-US" sz="2400">
                 <a:latin typeface="Open Sans"/>
                 <a:ea typeface="Open Sans"/>
                 <a:cs typeface="Open Sans"/>
                 <a:sym typeface="Open Sans"/>
               </a:rPr>
-              <a:t>Como dito pelo próprio Olson anteriormente, há enormes problemas de ação coletiva em populações diversas</a:t>
-            </a:r>
-            <a:endParaRPr i="0" sz="2400" u="none" cap="none" strike="noStrike">
-              <a:solidFill>
-                <a:schemeClr val="dk1"/>
-              </a:solidFill>
-              <a:latin typeface="Open Sans"/>
-              <a:ea typeface="Open Sans"/>
-              <a:cs typeface="Open Sans"/>
-              <a:sym typeface="Open Sans"/>
-            </a:endParaRPr>
-          </a:p>
-          <a:p>
-            <a:pPr indent="0" lvl="0" marL="609600" marR="0" rtl="0" algn="l">
-              <a:lnSpc>
-                <a:spcPct val="150000"/>
-              </a:lnSpc>
-              <a:spcBef>
-                <a:spcPts val="0"/>
-              </a:spcBef>
-              <a:spcAft>
-                <a:spcPts val="0"/>
-              </a:spcAft>
-              <a:buNone/>
-            </a:pPr>
-            <a:r>
-              <a:t/>
+              <a:t>No Egito, o valor poderia chegar a 250 bilhões, ou 55 vezes (!) o valor das empresas listadas na Bolsa do Cairo</a:t>
             </a:r>
             <a:endParaRPr sz="2400">
               <a:latin typeface="Open Sans"/>
@@ -12697,9 +12705,32 @@
             </a:endParaRPr>
           </a:p>
           <a:p>
-            <a:pPr indent="-346710" lvl="0" marL="457200" marR="0" rtl="0" algn="l">
-              <a:lnSpc>
-                <a:spcPct val="150000"/>
+            <a:pPr indent="0" lvl="0" marL="406400" rtl="0" algn="l">
+              <a:lnSpc>
+                <a:spcPct val="115000"/>
+              </a:lnSpc>
+              <a:spcBef>
+                <a:spcPts val="0"/>
+              </a:spcBef>
+              <a:spcAft>
+                <a:spcPts val="0"/>
+              </a:spcAft>
+              <a:buNone/>
+            </a:pPr>
+            <a:r>
+              <a:t/>
+            </a:r>
+            <a:endParaRPr sz="2400">
+              <a:latin typeface="Open Sans"/>
+              <a:ea typeface="Open Sans"/>
+              <a:cs typeface="Open Sans"/>
+              <a:sym typeface="Open Sans"/>
+            </a:endParaRPr>
+          </a:p>
+          <a:p>
+            <a:pPr indent="-358140" lvl="0" marL="457200" rtl="0" algn="l">
+              <a:lnSpc>
+                <a:spcPct val="115000"/>
               </a:lnSpc>
               <a:spcBef>
                 <a:spcPts val="0"/>
@@ -12715,28 +12746,79 @@
               <a:buChar char="•"/>
             </a:pPr>
             <a:r>
-              <a:rPr i="0" lang="en-US" sz="2400" u="none" cap="none" strike="noStrike">
-                <a:solidFill>
-                  <a:schemeClr val="dk1"/>
-                </a:solidFill>
+              <a:rPr lang="en-US" sz="2400">
                 <a:latin typeface="Open Sans"/>
                 <a:ea typeface="Open Sans"/>
                 <a:cs typeface="Open Sans"/>
                 <a:sym typeface="Open Sans"/>
               </a:rPr>
-              <a:t>A resposta está então na </a:t>
-            </a:r>
-            <a:r>
-              <a:rPr i="1" lang="en-US" sz="2400" u="none" cap="none" strike="noStrike">
-                <a:solidFill>
-                  <a:schemeClr val="dk1"/>
-                </a:solidFill>
+              <a:t>O número total no mundo, dizem De Soto e seus colegas, poderia chegar a 9.3 trilhões, ou o dobro da economia americana no final dos anos 1990</a:t>
+            </a:r>
+            <a:endParaRPr sz="2400">
+              <a:latin typeface="Open Sans"/>
+              <a:ea typeface="Open Sans"/>
+              <a:cs typeface="Open Sans"/>
+              <a:sym typeface="Open Sans"/>
+            </a:endParaRPr>
+          </a:p>
+          <a:p>
+            <a:pPr indent="0" lvl="0" marL="406400" rtl="0" algn="l">
+              <a:lnSpc>
+                <a:spcPct val="115000"/>
+              </a:lnSpc>
+              <a:spcBef>
+                <a:spcPts val="0"/>
+              </a:spcBef>
+              <a:spcAft>
+                <a:spcPts val="0"/>
+              </a:spcAft>
+              <a:buNone/>
+            </a:pPr>
+            <a:r>
+              <a:t/>
+            </a:r>
+            <a:endParaRPr sz="2400">
+              <a:latin typeface="Open Sans"/>
+              <a:ea typeface="Open Sans"/>
+              <a:cs typeface="Open Sans"/>
+              <a:sym typeface="Open Sans"/>
+            </a:endParaRPr>
+          </a:p>
+          <a:p>
+            <a:pPr indent="-358140" lvl="0" marL="457200" rtl="0" algn="l">
+              <a:lnSpc>
+                <a:spcPct val="115000"/>
+              </a:lnSpc>
+              <a:spcBef>
+                <a:spcPts val="0"/>
+              </a:spcBef>
+              <a:spcAft>
+                <a:spcPts val="0"/>
+              </a:spcAft>
+              <a:buClr>
+                <a:schemeClr val="dk1"/>
+              </a:buClr>
+              <a:buSzPct val="100000"/>
+              <a:buFont typeface="Open Sans"/>
+              <a:buChar char="•"/>
+            </a:pPr>
+            <a:r>
+              <a:rPr lang="en-US" sz="2400">
                 <a:latin typeface="Open Sans"/>
                 <a:ea typeface="Open Sans"/>
                 <a:cs typeface="Open Sans"/>
                 <a:sym typeface="Open Sans"/>
               </a:rPr>
-              <a:t>ausência de condições para o surgimento do governo autoritário</a:t>
+              <a:t>Assim, </a:t>
+            </a:r>
+            <a:r>
+              <a:rPr i="1" lang="en-US" sz="2400">
+                <a:latin typeface="Open Sans"/>
+                <a:ea typeface="Open Sans"/>
+                <a:cs typeface="Open Sans"/>
+                <a:sym typeface="Open Sans"/>
+              </a:rPr>
+              <a:t>os pobres não são o problema, são a solução</a:t>
             </a:r>
             <a:endParaRPr>
               <a:latin typeface="Open Sans"/>
@@ -12763,8 +12845,8 @@
         </p:blipFill>
         <p:spPr>
           <a:xfrm>
-            <a:off x="152400" y="6080299"/>
-            <a:ext cx="2083148" cy="625301"/>
+            <a:off x="152400" y="6055824"/>
+            <a:ext cx="2164649" cy="649775"/>
           </a:xfrm>
           <a:prstGeom prst="rect">
             <a:avLst/>
@@ -12823,75 +12905,35 @@
         </p:spPr>
         <p:txBody>
           <a:bodyPr anchorCtr="0" anchor="ctr" bIns="91425" lIns="91425" spcFirstLastPara="1" rIns="91425" wrap="square" tIns="91425">
-            <a:normAutofit fontScale="90000"/>
+            <a:normAutofit/>
           </a:bodyPr>
           <a:lstStyle/>
           <a:p>
             <a:pPr indent="0" lvl="0" marL="0" marR="0" rtl="0" algn="ctr">
               <a:lnSpc>
-                <a:spcPct val="125000"/>
-              </a:lnSpc>
-              <a:spcBef>
-                <a:spcPts val="0"/>
-              </a:spcBef>
-              <a:spcAft>
-                <a:spcPts val="0"/>
-              </a:spcAft>
-              <a:buClr>
-                <a:srgbClr val="000000"/>
-              </a:buClr>
-              <a:buSzPts val="810"/>
-              <a:buFont typeface="Arial"/>
-              <a:buNone/>
-            </a:pPr>
-            <a:r>
-              <a:rPr b="1" i="0" lang="en-US" sz="3600" u="none" cap="none" strike="noStrike">
-                <a:solidFill>
-                  <a:schemeClr val="dk1"/>
-                </a:solidFill>
+                <a:spcPct val="100000"/>
+              </a:lnSpc>
+              <a:spcBef>
+                <a:spcPts val="0"/>
+              </a:spcBef>
+              <a:spcAft>
+                <a:spcPts val="0"/>
+              </a:spcAft>
+              <a:buClr>
+                <a:schemeClr val="dk1"/>
+              </a:buClr>
+              <a:buSzPts val="900"/>
+              <a:buFont typeface="Calibri"/>
+              <a:buNone/>
+            </a:pPr>
+            <a:r>
+              <a:rPr b="1" lang="en-US" sz="3600">
                 <a:latin typeface="Open Sans"/>
                 <a:ea typeface="Open Sans"/>
                 <a:cs typeface="Open Sans"/>
                 <a:sym typeface="Open Sans"/>
               </a:rPr>
-              <a:t>Dictatorship, Democracy</a:t>
-            </a:r>
-            <a:endParaRPr>
-              <a:latin typeface="Open Sans"/>
-              <a:ea typeface="Open Sans"/>
-              <a:cs typeface="Open Sans"/>
-              <a:sym typeface="Open Sans"/>
-            </a:endParaRPr>
-          </a:p>
-          <a:p>
-            <a:pPr indent="0" lvl="0" marL="0" marR="0" rtl="0" algn="ctr">
-              <a:lnSpc>
-                <a:spcPct val="125000"/>
-              </a:lnSpc>
-              <a:spcBef>
-                <a:spcPts val="0"/>
-              </a:spcBef>
-              <a:spcAft>
-                <a:spcPts val="0"/>
-              </a:spcAft>
-              <a:buClr>
-                <a:srgbClr val="000000"/>
-              </a:buClr>
-              <a:buSzPts val="810"/>
-              <a:buFont typeface="Arial"/>
-              <a:buNone/>
-            </a:pPr>
-            <a:r>
-              <a:rPr b="1" i="0" lang="en-US" sz="3600" u="none" cap="none" strike="noStrike">
-                <a:solidFill>
-                  <a:schemeClr val="dk1"/>
-                </a:solidFill>
-                <a:latin typeface="Open Sans"/>
-                <a:ea typeface="Open Sans"/>
-                <a:cs typeface="Open Sans"/>
-                <a:sym typeface="Open Sans"/>
-              </a:rPr>
-              <a:t> and Development</a:t>
+              <a:t>The Mystery of Capital</a:t>
             </a:r>
             <a:endParaRPr>
               <a:latin typeface="Open Sans"/>
@@ -12925,88 +12967,53 @@
         </p:spPr>
         <p:txBody>
           <a:bodyPr anchorCtr="0" anchor="t" bIns="91425" lIns="91425" spcFirstLastPara="1" rIns="91425" wrap="square" tIns="91425">
-            <a:normAutofit fontScale="85000" lnSpcReduction="20000"/>
+            <a:normAutofit lnSpcReduction="20000"/>
           </a:bodyPr>
           <a:lstStyle/>
           <a:p>
-            <a:pPr indent="-358140" lvl="0" marL="457200" marR="0" rtl="0" algn="l">
-              <a:lnSpc>
-                <a:spcPct val="150000"/>
-              </a:lnSpc>
-              <a:spcBef>
-                <a:spcPts val="0"/>
-              </a:spcBef>
-              <a:spcAft>
-                <a:spcPts val="0"/>
-              </a:spcAft>
-              <a:buClr>
-                <a:schemeClr val="dk1"/>
-              </a:buClr>
-              <a:buSzPct val="100000"/>
+            <a:pPr indent="-381000" lvl="0" marL="457200" rtl="0" algn="l">
+              <a:lnSpc>
+                <a:spcPct val="115000"/>
+              </a:lnSpc>
+              <a:spcBef>
+                <a:spcPts val="0"/>
+              </a:spcBef>
+              <a:spcAft>
+                <a:spcPts val="0"/>
+              </a:spcAft>
+              <a:buClr>
+                <a:schemeClr val="dk1"/>
+              </a:buClr>
+              <a:buSzPts val="2400"/>
               <a:buFont typeface="Open Sans"/>
               <a:buChar char="•"/>
             </a:pPr>
             <a:r>
-              <a:rPr i="0" lang="en-US" sz="2400" u="none" cap="none" strike="noStrike">
-                <a:solidFill>
-                  <a:schemeClr val="dk1"/>
-                </a:solidFill>
+              <a:rPr lang="en-US" sz="2400">
                 <a:latin typeface="Open Sans"/>
                 <a:ea typeface="Open Sans"/>
                 <a:cs typeface="Open Sans"/>
                 <a:sym typeface="Open Sans"/>
               </a:rPr>
-              <a:t>A resposta de Olson está na </a:t>
-            </a:r>
-            <a:r>
-              <a:rPr i="1" lang="en-US" sz="2400" u="none" cap="none" strike="noStrike">
-                <a:solidFill>
-                  <a:schemeClr val="dk1"/>
-                </a:solidFill>
+              <a:t>Converter </a:t>
+            </a:r>
+            <a:r>
+              <a:rPr i="1" lang="en-US" sz="2400">
                 <a:latin typeface="Open Sans"/>
                 <a:ea typeface="Open Sans"/>
                 <a:cs typeface="Open Sans"/>
                 <a:sym typeface="Open Sans"/>
               </a:rPr>
-              <a:t>divisão de poder</a:t>
-            </a:r>
-            <a:r>
-              <a:rPr i="0" lang="en-US" sz="2400" u="none" cap="none" strike="noStrike">
-                <a:solidFill>
-                  <a:schemeClr val="dk1"/>
-                </a:solidFill>
+              <a:t>capital morto</a:t>
+            </a:r>
+            <a:r>
+              <a:rPr lang="en-US" sz="2400">
                 <a:latin typeface="Open Sans"/>
                 <a:ea typeface="Open Sans"/>
                 <a:cs typeface="Open Sans"/>
                 <a:sym typeface="Open Sans"/>
               </a:rPr>
-              <a:t>: se há fragmentação do poder em diversos centros, há pouca tendência do governo torna-se autoritário</a:t>
-            </a:r>
-            <a:endParaRPr i="0" sz="2400" u="none" cap="none" strike="noStrike">
-              <a:solidFill>
-                <a:schemeClr val="dk1"/>
-              </a:solidFill>
-              <a:latin typeface="Open Sans"/>
-              <a:ea typeface="Open Sans"/>
-              <a:cs typeface="Open Sans"/>
-              <a:sym typeface="Open Sans"/>
-            </a:endParaRPr>
-          </a:p>
-          <a:p>
-            <a:pPr indent="0" lvl="0" marL="609600" marR="0" rtl="0" algn="l">
-              <a:lnSpc>
-                <a:spcPct val="150000"/>
-              </a:lnSpc>
-              <a:spcBef>
-                <a:spcPts val="0"/>
-              </a:spcBef>
-              <a:spcAft>
-                <a:spcPts val="0"/>
-              </a:spcAft>
-              <a:buNone/>
-            </a:pPr>
-            <a:r>
-              <a:t/>
+              <a:t> em capital ativo requer enormes custos, mas talvez possa ser feito</a:t>
             </a:r>
             <a:endParaRPr sz="2400">
               <a:latin typeface="Open Sans"/>
@@ -13016,49 +13023,9 @@
             </a:endParaRPr>
           </a:p>
           <a:p>
-            <a:pPr indent="-358140" lvl="0" marL="457200" marR="0" rtl="0" algn="l">
-              <a:lnSpc>
-                <a:spcPct val="150000"/>
-              </a:lnSpc>
-              <a:spcBef>
-                <a:spcPts val="0"/>
-              </a:spcBef>
-              <a:spcAft>
-                <a:spcPts val="0"/>
-              </a:spcAft>
-              <a:buClr>
-                <a:schemeClr val="dk1"/>
-              </a:buClr>
-              <a:buSzPct val="100000"/>
-              <a:buFont typeface="Open Sans"/>
-              <a:buChar char="•"/>
-            </a:pPr>
-            <a:r>
-              <a:rPr i="0" lang="en-US" sz="2400" u="none" cap="none" strike="noStrike">
-                <a:solidFill>
-                  <a:schemeClr val="dk1"/>
-                </a:solidFill>
-                <a:latin typeface="Open Sans"/>
-                <a:ea typeface="Open Sans"/>
-                <a:cs typeface="Open Sans"/>
-                <a:sym typeface="Open Sans"/>
-              </a:rPr>
-              <a:t>Em suma, é o argumento clássico que se encontra desde Montesquieu, no qual a divisão do poder é o principal mecanismo de sustentação da democracia</a:t>
-            </a:r>
-            <a:endParaRPr i="0" sz="2400" u="none" cap="none" strike="noStrike">
-              <a:solidFill>
-                <a:schemeClr val="dk1"/>
-              </a:solidFill>
-              <a:latin typeface="Open Sans"/>
-              <a:ea typeface="Open Sans"/>
-              <a:cs typeface="Open Sans"/>
-              <a:sym typeface="Open Sans"/>
-            </a:endParaRPr>
-          </a:p>
-          <a:p>
-            <a:pPr indent="0" lvl="0" marL="609600" marR="0" rtl="0" algn="l">
-              <a:lnSpc>
-                <a:spcPct val="150000"/>
+            <a:pPr indent="0" lvl="0" marL="406400" rtl="0" algn="l">
+              <a:lnSpc>
+                <a:spcPct val="115000"/>
               </a:lnSpc>
               <a:spcBef>
                 <a:spcPts val="0"/>
@@ -13079,34 +13046,115 @@
             </a:endParaRPr>
           </a:p>
           <a:p>
-            <a:pPr indent="-358140" lvl="0" marL="457200" marR="0" rtl="0" algn="l">
-              <a:lnSpc>
-                <a:spcPct val="150000"/>
-              </a:lnSpc>
-              <a:spcBef>
-                <a:spcPts val="0"/>
-              </a:spcBef>
-              <a:spcAft>
-                <a:spcPts val="0"/>
-              </a:spcAft>
-              <a:buClr>
-                <a:schemeClr val="dk1"/>
-              </a:buClr>
-              <a:buSzPct val="100000"/>
+            <a:pPr indent="-381000" lvl="0" marL="457200" rtl="0" algn="l">
+              <a:lnSpc>
+                <a:spcPct val="115000"/>
+              </a:lnSpc>
+              <a:spcBef>
+                <a:spcPts val="0"/>
+              </a:spcBef>
+              <a:spcAft>
+                <a:spcPts val="0"/>
+              </a:spcAft>
+              <a:buClr>
+                <a:schemeClr val="dk1"/>
+              </a:buClr>
+              <a:buSzPts val="2400"/>
               <a:buFont typeface="Open Sans"/>
               <a:buChar char="•"/>
             </a:pPr>
             <a:r>
-              <a:rPr i="0" lang="en-US" sz="2400" u="none" cap="none" strike="noStrike">
-                <a:solidFill>
-                  <a:schemeClr val="dk1"/>
-                </a:solidFill>
+              <a:rPr lang="en-US" sz="2400">
                 <a:latin typeface="Open Sans"/>
                 <a:ea typeface="Open Sans"/>
                 <a:cs typeface="Open Sans"/>
                 <a:sym typeface="Open Sans"/>
               </a:rPr>
-              <a:t>Se há uma série de “mini-déspotas” locais, a melhor solução é uma trégua entre eles (contrato hobbesiano de 2o grau?)</a:t>
+              <a:t>De Soto então passa a discutir o que seria o capital: em uma leitura de Smith, De Soto afirma que capital não é o acumulado de bens, mas </a:t>
+            </a:r>
+            <a:r>
+              <a:rPr i="1" lang="en-US" sz="2400">
+                <a:latin typeface="Open Sans"/>
+                <a:ea typeface="Open Sans"/>
+                <a:cs typeface="Open Sans"/>
+                <a:sym typeface="Open Sans"/>
+              </a:rPr>
+              <a:t>o potencial que tal acumulação pode gerar no futuro</a:t>
+            </a:r>
+            <a:endParaRPr i="1" sz="2400">
+              <a:latin typeface="Open Sans"/>
+              <a:ea typeface="Open Sans"/>
+              <a:cs typeface="Open Sans"/>
+              <a:sym typeface="Open Sans"/>
+            </a:endParaRPr>
+          </a:p>
+          <a:p>
+            <a:pPr indent="0" lvl="0" marL="406400" rtl="0" algn="l">
+              <a:lnSpc>
+                <a:spcPct val="115000"/>
+              </a:lnSpc>
+              <a:spcBef>
+                <a:spcPts val="0"/>
+              </a:spcBef>
+              <a:spcAft>
+                <a:spcPts val="0"/>
+              </a:spcAft>
+              <a:buNone/>
+            </a:pPr>
+            <a:r>
+              <a:t/>
+            </a:r>
+            <a:endParaRPr i="1" sz="2400">
+              <a:latin typeface="Open Sans"/>
+              <a:ea typeface="Open Sans"/>
+              <a:cs typeface="Open Sans"/>
+              <a:sym typeface="Open Sans"/>
+            </a:endParaRPr>
+          </a:p>
+          <a:p>
+            <a:pPr indent="-381000" lvl="0" marL="457200" rtl="0" algn="l">
+              <a:lnSpc>
+                <a:spcPct val="115000"/>
+              </a:lnSpc>
+              <a:spcBef>
+                <a:spcPts val="0"/>
+              </a:spcBef>
+              <a:spcAft>
+                <a:spcPts val="0"/>
+              </a:spcAft>
+              <a:buClr>
+                <a:schemeClr val="dk1"/>
+              </a:buClr>
+              <a:buSzPts val="2400"/>
+              <a:buFont typeface="Open Sans"/>
+              <a:buChar char="•"/>
+            </a:pPr>
+            <a:r>
+              <a:rPr lang="en-US" sz="2400">
+                <a:latin typeface="Open Sans"/>
+                <a:ea typeface="Open Sans"/>
+                <a:cs typeface="Open Sans"/>
+                <a:sym typeface="Open Sans"/>
+              </a:rPr>
+              <a:t>Capital, com efeito, </a:t>
+            </a:r>
+            <a:r>
+              <a:rPr i="1" lang="en-US" sz="2400">
+                <a:latin typeface="Open Sans"/>
+                <a:ea typeface="Open Sans"/>
+                <a:cs typeface="Open Sans"/>
+                <a:sym typeface="Open Sans"/>
+              </a:rPr>
+              <a:t>não é sinônimo de dinheiro</a:t>
+            </a:r>
+            <a:r>
+              <a:rPr lang="en-US" sz="2400">
+                <a:latin typeface="Open Sans"/>
+                <a:ea typeface="Open Sans"/>
+                <a:cs typeface="Open Sans"/>
+                <a:sym typeface="Open Sans"/>
+              </a:rPr>
+              <a:t>, mas muito maior do que ele: é um ativo que, em termos marxistas, pode reproduzir a si mesmo</a:t>
             </a:r>
             <a:endParaRPr>
               <a:latin typeface="Open Sans"/>
@@ -13133,8 +13181,8 @@
         </p:blipFill>
         <p:spPr>
           <a:xfrm>
-            <a:off x="152400" y="6080299"/>
-            <a:ext cx="2083148" cy="625301"/>
+            <a:off x="152400" y="6055824"/>
+            <a:ext cx="2164649" cy="649775"/>
           </a:xfrm>
           <a:prstGeom prst="rect">
             <a:avLst/>
@@ -13193,75 +13241,35 @@
         </p:spPr>
         <p:txBody>
           <a:bodyPr anchorCtr="0" anchor="ctr" bIns="91425" lIns="91425" spcFirstLastPara="1" rIns="91425" wrap="square" tIns="91425">
-            <a:normAutofit fontScale="90000"/>
+            <a:normAutofit/>
           </a:bodyPr>
           <a:lstStyle/>
           <a:p>
             <a:pPr indent="0" lvl="0" marL="0" marR="0" rtl="0" algn="ctr">
               <a:lnSpc>
-                <a:spcPct val="125000"/>
-              </a:lnSpc>
-              <a:spcBef>
-                <a:spcPts val="0"/>
-              </a:spcBef>
-              <a:spcAft>
-                <a:spcPts val="0"/>
-              </a:spcAft>
-              <a:buClr>
-                <a:srgbClr val="000000"/>
-              </a:buClr>
-              <a:buSzPts val="810"/>
-              <a:buFont typeface="Arial"/>
-              <a:buNone/>
-            </a:pPr>
-            <a:r>
-              <a:rPr b="1" i="0" lang="en-US" sz="3600" u="none" cap="none" strike="noStrike">
-                <a:solidFill>
-                  <a:schemeClr val="dk1"/>
-                </a:solidFill>
+                <a:spcPct val="100000"/>
+              </a:lnSpc>
+              <a:spcBef>
+                <a:spcPts val="0"/>
+              </a:spcBef>
+              <a:spcAft>
+                <a:spcPts val="0"/>
+              </a:spcAft>
+              <a:buClr>
+                <a:schemeClr val="dk1"/>
+              </a:buClr>
+              <a:buSzPts val="900"/>
+              <a:buFont typeface="Calibri"/>
+              <a:buNone/>
+            </a:pPr>
+            <a:r>
+              <a:rPr b="1" lang="en-US" sz="3600">
                 <a:latin typeface="Open Sans"/>
                 <a:ea typeface="Open Sans"/>
                 <a:cs typeface="Open Sans"/>
                 <a:sym typeface="Open Sans"/>
               </a:rPr>
-              <a:t>Dictatorship, Democracy</a:t>
-            </a:r>
-            <a:endParaRPr>
-              <a:latin typeface="Open Sans"/>
-              <a:ea typeface="Open Sans"/>
-              <a:cs typeface="Open Sans"/>
-              <a:sym typeface="Open Sans"/>
-            </a:endParaRPr>
-          </a:p>
-          <a:p>
-            <a:pPr indent="0" lvl="0" marL="0" marR="0" rtl="0" algn="ctr">
-              <a:lnSpc>
-                <a:spcPct val="125000"/>
-              </a:lnSpc>
-              <a:spcBef>
-                <a:spcPts val="0"/>
-              </a:spcBef>
-              <a:spcAft>
-                <a:spcPts val="0"/>
-              </a:spcAft>
-              <a:buClr>
-                <a:srgbClr val="000000"/>
-              </a:buClr>
-              <a:buSzPts val="810"/>
-              <a:buFont typeface="Arial"/>
-              <a:buNone/>
-            </a:pPr>
-            <a:r>
-              <a:rPr b="1" i="0" lang="en-US" sz="3600" u="none" cap="none" strike="noStrike">
-                <a:solidFill>
-                  <a:schemeClr val="dk1"/>
-                </a:solidFill>
-                <a:latin typeface="Open Sans"/>
-                <a:ea typeface="Open Sans"/>
-                <a:cs typeface="Open Sans"/>
-                <a:sym typeface="Open Sans"/>
-              </a:rPr>
-              <a:t> and Development</a:t>
+              <a:t>The Mystery of Capital</a:t>
             </a:r>
             <a:endParaRPr>
               <a:latin typeface="Open Sans"/>
@@ -13295,13 +13303,13 @@
         </p:spPr>
         <p:txBody>
           <a:bodyPr anchorCtr="0" anchor="t" bIns="91425" lIns="91425" spcFirstLastPara="1" rIns="91425" wrap="square" tIns="91425">
-            <a:normAutofit fontScale="92500" lnSpcReduction="10000"/>
+            <a:normAutofit fontScale="77500" lnSpcReduction="20000"/>
           </a:bodyPr>
           <a:lstStyle/>
           <a:p>
-            <a:pPr indent="-369570" lvl="0" marL="457200" marR="0" rtl="0" algn="l">
-              <a:lnSpc>
-                <a:spcPct val="150000"/>
+            <a:pPr indent="-346710" lvl="0" marL="457200" rtl="0" algn="l">
+              <a:lnSpc>
+                <a:spcPct val="115000"/>
               </a:lnSpc>
               <a:spcBef>
                 <a:spcPts val="0"/>
@@ -13317,42 +13325,13 @@
               <a:buChar char="•"/>
             </a:pPr>
             <a:r>
-              <a:rPr i="0" lang="en-US" sz="2400" u="none" cap="none" strike="noStrike">
-                <a:solidFill>
-                  <a:schemeClr val="dk1"/>
-                </a:solidFill>
+              <a:rPr lang="en-US" sz="2400">
                 <a:latin typeface="Open Sans"/>
                 <a:ea typeface="Open Sans"/>
                 <a:cs typeface="Open Sans"/>
                 <a:sym typeface="Open Sans"/>
               </a:rPr>
-              <a:t>Por fim, Olson ressalta a correlação entre democracia e desenvolvimento econômico: países livres são, em média, mais ricos do que os autoritários, e assim cria-se mais incentivos para que os governantes sigam as normas e não maximizem diretamente seus ganhos</a:t>
-            </a:r>
-            <a:endParaRPr i="0" sz="2400" u="none" cap="none" strike="noStrike">
-              <a:solidFill>
-                <a:schemeClr val="dk1"/>
-              </a:solidFill>
-              <a:latin typeface="Open Sans"/>
-              <a:ea typeface="Open Sans"/>
-              <a:cs typeface="Open Sans"/>
-              <a:sym typeface="Open Sans"/>
-            </a:endParaRPr>
-          </a:p>
-          <a:p>
-            <a:pPr indent="0" lvl="0" marL="609600" marR="0" rtl="0" algn="l">
-              <a:lnSpc>
-                <a:spcPct val="150000"/>
-              </a:lnSpc>
-              <a:spcBef>
-                <a:spcPts val="0"/>
-              </a:spcBef>
-              <a:spcAft>
-                <a:spcPts val="0"/>
-              </a:spcAft>
-              <a:buNone/>
-            </a:pPr>
-            <a:r>
-              <a:t/>
+              <a:t>Se capital não é apenas dinheiro, talvez outras formas de valor também possam ser convertidas em capital</a:t>
             </a:r>
             <a:endParaRPr sz="2400">
               <a:latin typeface="Open Sans"/>
@@ -13362,9 +13341,32 @@
             </a:endParaRPr>
           </a:p>
           <a:p>
-            <a:pPr indent="-369570" lvl="0" marL="457200" marR="0" rtl="0" algn="l">
-              <a:lnSpc>
-                <a:spcPct val="150000"/>
+            <a:pPr indent="0" lvl="0" marL="406400" rtl="0" algn="l">
+              <a:lnSpc>
+                <a:spcPct val="115000"/>
+              </a:lnSpc>
+              <a:spcBef>
+                <a:spcPts val="0"/>
+              </a:spcBef>
+              <a:spcAft>
+                <a:spcPts val="0"/>
+              </a:spcAft>
+              <a:buNone/>
+            </a:pPr>
+            <a:r>
+              <a:t/>
+            </a:r>
+            <a:endParaRPr sz="2400">
+              <a:latin typeface="Open Sans"/>
+              <a:ea typeface="Open Sans"/>
+              <a:cs typeface="Open Sans"/>
+              <a:sym typeface="Open Sans"/>
+            </a:endParaRPr>
+          </a:p>
+          <a:p>
+            <a:pPr indent="-346710" lvl="0" marL="457200" rtl="0" algn="l">
+              <a:lnSpc>
+                <a:spcPct val="115000"/>
               </a:lnSpc>
               <a:spcBef>
                 <a:spcPts val="0"/>
@@ -13380,16 +13382,259 @@
               <a:buChar char="•"/>
             </a:pPr>
             <a:r>
-              <a:rPr i="0" lang="en-US" sz="2400" u="none" cap="none" strike="noStrike">
-                <a:solidFill>
-                  <a:schemeClr val="dk1"/>
-                </a:solidFill>
+              <a:rPr lang="en-US" sz="2400">
                 <a:latin typeface="Open Sans"/>
                 <a:ea typeface="Open Sans"/>
                 <a:cs typeface="Open Sans"/>
                 <a:sym typeface="Open Sans"/>
               </a:rPr>
-              <a:t>Esta lição pode servir para diversos países em transição, pois à época muito se debatia a viabilidade do regime democrático nas antigas repúblicas socialistas</a:t>
+              <a:t>Daí vem o </a:t>
+            </a:r>
+            <a:r>
+              <a:rPr i="1" lang="en-US" sz="2400">
+                <a:latin typeface="Open Sans"/>
+                <a:ea typeface="Open Sans"/>
+                <a:cs typeface="Open Sans"/>
+                <a:sym typeface="Open Sans"/>
+              </a:rPr>
+              <a:t>insight</a:t>
+            </a:r>
+            <a:r>
+              <a:rPr lang="en-US" sz="2400">
+                <a:latin typeface="Open Sans"/>
+                <a:ea typeface="Open Sans"/>
+                <a:cs typeface="Open Sans"/>
+                <a:sym typeface="Open Sans"/>
+              </a:rPr>
+              <a:t> maior de De Soto: a conversão de capital se daria pela regulamentação de propriedade dos mais pobres</a:t>
+            </a:r>
+            <a:endParaRPr sz="2400">
+              <a:latin typeface="Open Sans"/>
+              <a:ea typeface="Open Sans"/>
+              <a:cs typeface="Open Sans"/>
+              <a:sym typeface="Open Sans"/>
+            </a:endParaRPr>
+          </a:p>
+          <a:p>
+            <a:pPr indent="0" lvl="0" marL="406400" rtl="0" algn="l">
+              <a:lnSpc>
+                <a:spcPct val="115000"/>
+              </a:lnSpc>
+              <a:spcBef>
+                <a:spcPts val="0"/>
+              </a:spcBef>
+              <a:spcAft>
+                <a:spcPts val="0"/>
+              </a:spcAft>
+              <a:buNone/>
+            </a:pPr>
+            <a:r>
+              <a:t/>
+            </a:r>
+            <a:endParaRPr sz="2400">
+              <a:latin typeface="Open Sans"/>
+              <a:ea typeface="Open Sans"/>
+              <a:cs typeface="Open Sans"/>
+              <a:sym typeface="Open Sans"/>
+            </a:endParaRPr>
+          </a:p>
+          <a:p>
+            <a:pPr indent="-346710" lvl="0" marL="457200" rtl="0" algn="l">
+              <a:lnSpc>
+                <a:spcPct val="115000"/>
+              </a:lnSpc>
+              <a:spcBef>
+                <a:spcPts val="0"/>
+              </a:spcBef>
+              <a:spcAft>
+                <a:spcPts val="0"/>
+              </a:spcAft>
+              <a:buClr>
+                <a:schemeClr val="dk1"/>
+              </a:buClr>
+              <a:buSzPct val="100000"/>
+              <a:buFont typeface="Open Sans"/>
+              <a:buChar char="•"/>
+            </a:pPr>
+            <a:r>
+              <a:rPr lang="en-US" sz="2400">
+                <a:latin typeface="Open Sans"/>
+                <a:ea typeface="Open Sans"/>
+                <a:cs typeface="Open Sans"/>
+                <a:sym typeface="Open Sans"/>
+              </a:rPr>
+              <a:t>A regulamentação traria vantagens consideráveis:</a:t>
+            </a:r>
+            <a:endParaRPr sz="2400">
+              <a:latin typeface="Open Sans"/>
+              <a:ea typeface="Open Sans"/>
+              <a:cs typeface="Open Sans"/>
+              <a:sym typeface="Open Sans"/>
+            </a:endParaRPr>
+          </a:p>
+          <a:p>
+            <a:pPr indent="0" lvl="0" marL="406400" rtl="0" algn="l">
+              <a:lnSpc>
+                <a:spcPct val="115000"/>
+              </a:lnSpc>
+              <a:spcBef>
+                <a:spcPts val="0"/>
+              </a:spcBef>
+              <a:spcAft>
+                <a:spcPts val="0"/>
+              </a:spcAft>
+              <a:buNone/>
+            </a:pPr>
+            <a:r>
+              <a:t/>
+            </a:r>
+            <a:endParaRPr sz="2400">
+              <a:latin typeface="Open Sans"/>
+              <a:ea typeface="Open Sans"/>
+              <a:cs typeface="Open Sans"/>
+              <a:sym typeface="Open Sans"/>
+            </a:endParaRPr>
+          </a:p>
+          <a:p>
+            <a:pPr indent="-346710" lvl="0" marL="457200" rtl="0" algn="l">
+              <a:lnSpc>
+                <a:spcPct val="115000"/>
+              </a:lnSpc>
+              <a:spcBef>
+                <a:spcPts val="0"/>
+              </a:spcBef>
+              <a:spcAft>
+                <a:spcPts val="0"/>
+              </a:spcAft>
+              <a:buClr>
+                <a:schemeClr val="dk1"/>
+              </a:buClr>
+              <a:buSzPct val="100000"/>
+              <a:buFont typeface="Open Sans"/>
+              <a:buChar char="•"/>
+            </a:pPr>
+            <a:r>
+              <a:rPr lang="en-US" sz="2400">
+                <a:latin typeface="Open Sans"/>
+                <a:ea typeface="Open Sans"/>
+                <a:cs typeface="Open Sans"/>
+                <a:sym typeface="Open Sans"/>
+              </a:rPr>
+              <a:t>Realiza o potencial econômico dos bens;</a:t>
+            </a:r>
+            <a:endParaRPr sz="2400">
+              <a:latin typeface="Open Sans"/>
+              <a:ea typeface="Open Sans"/>
+              <a:cs typeface="Open Sans"/>
+              <a:sym typeface="Open Sans"/>
+            </a:endParaRPr>
+          </a:p>
+          <a:p>
+            <a:pPr indent="0" lvl="0" marL="406400" rtl="0" algn="l">
+              <a:lnSpc>
+                <a:spcPct val="115000"/>
+              </a:lnSpc>
+              <a:spcBef>
+                <a:spcPts val="0"/>
+              </a:spcBef>
+              <a:spcAft>
+                <a:spcPts val="0"/>
+              </a:spcAft>
+              <a:buNone/>
+            </a:pPr>
+            <a:r>
+              <a:t/>
+            </a:r>
+            <a:endParaRPr sz="2400">
+              <a:latin typeface="Open Sans"/>
+              <a:ea typeface="Open Sans"/>
+              <a:cs typeface="Open Sans"/>
+              <a:sym typeface="Open Sans"/>
+            </a:endParaRPr>
+          </a:p>
+          <a:p>
+            <a:pPr indent="-346710" lvl="0" marL="457200" rtl="0" algn="l">
+              <a:lnSpc>
+                <a:spcPct val="115000"/>
+              </a:lnSpc>
+              <a:spcBef>
+                <a:spcPts val="0"/>
+              </a:spcBef>
+              <a:spcAft>
+                <a:spcPts val="0"/>
+              </a:spcAft>
+              <a:buClr>
+                <a:schemeClr val="dk1"/>
+              </a:buClr>
+              <a:buSzPct val="100000"/>
+              <a:buFont typeface="Open Sans"/>
+              <a:buChar char="•"/>
+            </a:pPr>
+            <a:r>
+              <a:rPr lang="en-US" sz="2400">
+                <a:latin typeface="Open Sans"/>
+                <a:ea typeface="Open Sans"/>
+                <a:cs typeface="Open Sans"/>
+                <a:sym typeface="Open Sans"/>
+              </a:rPr>
+              <a:t>Resolve o problema de informação contábil, pois seria possível estimar o total da riqueza dos pobres;</a:t>
+            </a:r>
+            <a:endParaRPr sz="2400">
+              <a:latin typeface="Open Sans"/>
+              <a:ea typeface="Open Sans"/>
+              <a:cs typeface="Open Sans"/>
+              <a:sym typeface="Open Sans"/>
+            </a:endParaRPr>
+          </a:p>
+          <a:p>
+            <a:pPr indent="0" lvl="0" marL="406400" rtl="0" algn="l">
+              <a:lnSpc>
+                <a:spcPct val="115000"/>
+              </a:lnSpc>
+              <a:spcBef>
+                <a:spcPts val="0"/>
+              </a:spcBef>
+              <a:spcAft>
+                <a:spcPts val="0"/>
+              </a:spcAft>
+              <a:buNone/>
+            </a:pPr>
+            <a:r>
+              <a:t/>
+            </a:r>
+            <a:endParaRPr sz="2400">
+              <a:latin typeface="Open Sans"/>
+              <a:ea typeface="Open Sans"/>
+              <a:cs typeface="Open Sans"/>
+              <a:sym typeface="Open Sans"/>
+            </a:endParaRPr>
+          </a:p>
+          <a:p>
+            <a:pPr indent="-346710" lvl="0" marL="457200" rtl="0" algn="l">
+              <a:lnSpc>
+                <a:spcPct val="115000"/>
+              </a:lnSpc>
+              <a:spcBef>
+                <a:spcPts val="0"/>
+              </a:spcBef>
+              <a:spcAft>
+                <a:spcPts val="0"/>
+              </a:spcAft>
+              <a:buClr>
+                <a:schemeClr val="dk1"/>
+              </a:buClr>
+              <a:buSzPct val="100000"/>
+              <a:buFont typeface="Open Sans"/>
+              <a:buChar char="•"/>
+            </a:pPr>
+            <a:r>
+              <a:rPr lang="en-US" sz="2400">
+                <a:latin typeface="Open Sans"/>
+                <a:ea typeface="Open Sans"/>
+                <a:cs typeface="Open Sans"/>
+                <a:sym typeface="Open Sans"/>
+              </a:rPr>
+              <a:t>Aumenta a segurança nas transações por poder responsabilizar as pessoas</a:t>
             </a:r>
             <a:endParaRPr>
               <a:latin typeface="Open Sans"/>
@@ -13416,8 +13661,8 @@
         </p:blipFill>
         <p:spPr>
           <a:xfrm>
-            <a:off x="152400" y="6080299"/>
-            <a:ext cx="2083148" cy="625301"/>
+            <a:off x="152400" y="6055824"/>
+            <a:ext cx="2164649" cy="649775"/>
           </a:xfrm>
           <a:prstGeom prst="rect">
             <a:avLst/>
@@ -13498,16 +13743,13 @@
               <a:buNone/>
             </a:pPr>
             <a:r>
-              <a:rPr b="1" i="0" lang="en-US" sz="3600" u="none" cap="none" strike="noStrike">
-                <a:solidFill>
-                  <a:schemeClr val="dk1"/>
-                </a:solidFill>
+              <a:rPr b="1" lang="en-US" sz="3600">
                 <a:latin typeface="Open Sans"/>
                 <a:ea typeface="Open Sans"/>
                 <a:cs typeface="Open Sans"/>
                 <a:sym typeface="Open Sans"/>
               </a:rPr>
-              <a:t>Questões</a:t>
+              <a:t>The Mystery of Capital</a:t>
             </a:r>
             <a:endParaRPr>
               <a:latin typeface="Open Sans"/>
@@ -13545,9 +13787,9 @@
           </a:bodyPr>
           <a:lstStyle/>
           <a:p>
-            <a:pPr indent="-369570" lvl="0" marL="457200" marR="0" rtl="0" algn="l">
-              <a:lnSpc>
-                <a:spcPct val="150000"/>
+            <a:pPr indent="-369570" lvl="0" marL="457200" rtl="0" algn="l">
+              <a:lnSpc>
+                <a:spcPct val="115000"/>
               </a:lnSpc>
               <a:spcBef>
                 <a:spcPts val="0"/>
@@ -13563,42 +13805,13 @@
               <a:buChar char="•"/>
             </a:pPr>
             <a:r>
-              <a:rPr i="0" lang="en-US" sz="2400" u="none" cap="none" strike="noStrike">
-                <a:solidFill>
-                  <a:schemeClr val="dk1"/>
-                </a:solidFill>
+              <a:rPr lang="en-US" sz="2400">
                 <a:latin typeface="Open Sans"/>
                 <a:ea typeface="Open Sans"/>
                 <a:cs typeface="Open Sans"/>
                 <a:sym typeface="Open Sans"/>
               </a:rPr>
-              <a:t>Outro interessante ponto de Olson é a ligação entre riqueza material e democracia. Ela é bastante clara na literatura, mas o eixo de causalidade ainda é controverso para vários autores. É a democracia que causa crescimento econômico, ou crescimento que gera excedente e possibilita o cidadão a exigir mais direitos?</a:t>
-            </a:r>
-            <a:endParaRPr i="0" sz="2400" u="none" cap="none" strike="noStrike">
-              <a:solidFill>
-                <a:schemeClr val="dk1"/>
-              </a:solidFill>
-              <a:latin typeface="Open Sans"/>
-              <a:ea typeface="Open Sans"/>
-              <a:cs typeface="Open Sans"/>
-              <a:sym typeface="Open Sans"/>
-            </a:endParaRPr>
-          </a:p>
-          <a:p>
-            <a:pPr indent="0" lvl="0" marL="609600" marR="0" rtl="0" algn="l">
-              <a:lnSpc>
-                <a:spcPct val="150000"/>
-              </a:lnSpc>
-              <a:spcBef>
-                <a:spcPts val="0"/>
-              </a:spcBef>
-              <a:spcAft>
-                <a:spcPts val="0"/>
-              </a:spcAft>
-              <a:buNone/>
-            </a:pPr>
-            <a:r>
-              <a:t/>
+              <a:t>Transforma os bens em ativos tangíveis, que podem ser divididos, empregados em novas maneiras, ou utilizados para fins diversos do original (uma casa como garantia de empréstimos, por exemplo)</a:t>
             </a:r>
             <a:endParaRPr sz="2400">
               <a:latin typeface="Open Sans"/>
@@ -13608,9 +13821,32 @@
             </a:endParaRPr>
           </a:p>
           <a:p>
-            <a:pPr indent="-369570" lvl="0" marL="457200" marR="0" rtl="0" algn="l">
-              <a:lnSpc>
-                <a:spcPct val="150000"/>
+            <a:pPr indent="0" lvl="0" marL="406400" rtl="0" algn="l">
+              <a:lnSpc>
+                <a:spcPct val="115000"/>
+              </a:lnSpc>
+              <a:spcBef>
+                <a:spcPts val="0"/>
+              </a:spcBef>
+              <a:spcAft>
+                <a:spcPts val="0"/>
+              </a:spcAft>
+              <a:buNone/>
+            </a:pPr>
+            <a:r>
+              <a:t/>
+            </a:r>
+            <a:endParaRPr sz="2400">
+              <a:latin typeface="Open Sans"/>
+              <a:ea typeface="Open Sans"/>
+              <a:cs typeface="Open Sans"/>
+              <a:sym typeface="Open Sans"/>
+            </a:endParaRPr>
+          </a:p>
+          <a:p>
+            <a:pPr indent="-369570" lvl="0" marL="457200" rtl="0" algn="l">
+              <a:lnSpc>
+                <a:spcPct val="115000"/>
               </a:lnSpc>
               <a:spcBef>
                 <a:spcPts val="0"/>
@@ -13626,16 +13862,70 @@
               <a:buChar char="•"/>
             </a:pPr>
             <a:r>
-              <a:rPr i="0" lang="en-US" sz="2400" u="none" cap="none" strike="noStrike">
-                <a:solidFill>
-                  <a:schemeClr val="dk1"/>
-                </a:solidFill>
+              <a:rPr lang="en-US" sz="2400">
                 <a:latin typeface="Open Sans"/>
                 <a:ea typeface="Open Sans"/>
                 <a:cs typeface="Open Sans"/>
                 <a:sym typeface="Open Sans"/>
               </a:rPr>
-              <a:t>Como evitar a tirania da maioria dentro da teoria esboçada por Olson?</a:t>
+              <a:t>Aumenta a rede de contatos dos indivíduos, pois eles passam a fazer parte de novas redes sociais e comerciais</a:t>
+            </a:r>
+            <a:endParaRPr sz="2400">
+              <a:latin typeface="Open Sans"/>
+              <a:ea typeface="Open Sans"/>
+              <a:cs typeface="Open Sans"/>
+              <a:sym typeface="Open Sans"/>
+            </a:endParaRPr>
+          </a:p>
+          <a:p>
+            <a:pPr indent="0" lvl="0" marL="406400" rtl="0" algn="l">
+              <a:lnSpc>
+                <a:spcPct val="115000"/>
+              </a:lnSpc>
+              <a:spcBef>
+                <a:spcPts val="0"/>
+              </a:spcBef>
+              <a:spcAft>
+                <a:spcPts val="0"/>
+              </a:spcAft>
+              <a:buNone/>
+            </a:pPr>
+            <a:r>
+              <a:t/>
+            </a:r>
+            <a:endParaRPr sz="2400">
+              <a:latin typeface="Open Sans"/>
+              <a:ea typeface="Open Sans"/>
+              <a:cs typeface="Open Sans"/>
+              <a:sym typeface="Open Sans"/>
+            </a:endParaRPr>
+          </a:p>
+          <a:p>
+            <a:pPr indent="-369570" lvl="0" marL="457200" rtl="0" algn="l">
+              <a:lnSpc>
+                <a:spcPct val="115000"/>
+              </a:lnSpc>
+              <a:spcBef>
+                <a:spcPts val="0"/>
+              </a:spcBef>
+              <a:spcAft>
+                <a:spcPts val="0"/>
+              </a:spcAft>
+              <a:buClr>
+                <a:schemeClr val="dk1"/>
+              </a:buClr>
+              <a:buSzPct val="100000"/>
+              <a:buFont typeface="Open Sans"/>
+              <a:buChar char="•"/>
+            </a:pPr>
+            <a:r>
+              <a:rPr lang="en-US" sz="2400">
+                <a:latin typeface="Open Sans"/>
+                <a:ea typeface="Open Sans"/>
+                <a:cs typeface="Open Sans"/>
+                <a:sym typeface="Open Sans"/>
+              </a:rPr>
+              <a:t>Protege as transações, pois dá maior garantia aos que emprestam, o que permite maior capilarização dos fundos</a:t>
             </a:r>
             <a:endParaRPr>
               <a:latin typeface="Open Sans"/>
@@ -13662,8 +13952,281 @@
         </p:blipFill>
         <p:spPr>
           <a:xfrm>
-            <a:off x="152400" y="6080299"/>
-            <a:ext cx="2083148" cy="625301"/>
+            <a:off x="152400" y="6055824"/>
+            <a:ext cx="2164649" cy="649775"/>
+          </a:xfrm>
+          <a:prstGeom prst="rect">
+            <a:avLst/>
+          </a:prstGeom>
+          <a:noFill/>
+          <a:ln>
+            <a:noFill/>
+          </a:ln>
+        </p:spPr>
+      </p:pic>
+    </p:spTree>
+  </p:cSld>
+  <p:clrMapOvr>
+    <a:masterClrMapping/>
+  </p:clrMapOvr>
+</p:sld>
+</file>
+
+<file path=ppt/slides/slide18.xml><?xml version="1.0" encoding="utf-8"?>
+<p:sld xmlns:a="http://schemas.openxmlformats.org/drawingml/2006/main" xmlns:r="http://schemas.openxmlformats.org/officeDocument/2006/relationships" xmlns:mc="http://schemas.openxmlformats.org/markup-compatibility/2006" xmlns:mv="urn:schemas-microsoft-com:mac:vml" xmlns:p="http://schemas.openxmlformats.org/presentationml/2006/main" xmlns:c="http://schemas.openxmlformats.org/drawingml/2006/chart" xmlns:dgm="http://schemas.openxmlformats.org/drawingml/2006/diagram" xmlns:o="urn:schemas-microsoft-com:office:office" xmlns:v="urn:schemas-microsoft-com:vml" xmlns:pvml="urn:schemas-microsoft-com:office:powerpoint" xmlns:com="http://schemas.openxmlformats.org/drawingml/2006/compatibility" xmlns:p14="http://schemas.microsoft.com/office/powerpoint/2010/main" xmlns:p15="http://schemas.microsoft.com/office/powerpoint/2012/main" xmlns:ahyp="http://schemas.microsoft.com/office/drawing/2018/hyperlinkcolor">
+  <p:cSld>
+    <p:spTree>
+      <p:nvGrpSpPr>
+        <p:cNvPr id="200" name="Shape 200"/>
+        <p:cNvGrpSpPr/>
+        <p:nvPr/>
+      </p:nvGrpSpPr>
+      <p:grpSpPr>
+        <a:xfrm>
+          <a:off x="0" y="0"/>
+          <a:ext cx="0" cy="0"/>
+          <a:chOff x="0" y="0"/>
+          <a:chExt cx="0" cy="0"/>
+        </a:xfrm>
+      </p:grpSpPr>
+      <p:sp>
+        <p:nvSpPr>
+          <p:cNvPr id="201" name="Google Shape;201;p31"/>
+          <p:cNvSpPr txBox="1"/>
+          <p:nvPr>
+            <p:ph type="title"/>
+          </p:nvPr>
+        </p:nvSpPr>
+        <p:spPr>
+          <a:xfrm>
+            <a:off x="457200" y="274637"/>
+            <a:ext cx="8229600" cy="1143000"/>
+          </a:xfrm>
+          <a:prstGeom prst="rect">
+            <a:avLst/>
+          </a:prstGeom>
+          <a:noFill/>
+          <a:ln>
+            <a:noFill/>
+          </a:ln>
+        </p:spPr>
+        <p:txBody>
+          <a:bodyPr anchorCtr="0" anchor="ctr" bIns="91425" lIns="91425" spcFirstLastPara="1" rIns="91425" wrap="square" tIns="91425">
+            <a:normAutofit/>
+          </a:bodyPr>
+          <a:lstStyle/>
+          <a:p>
+            <a:pPr indent="0" lvl="0" marL="0" marR="0" rtl="0" algn="ctr">
+              <a:lnSpc>
+                <a:spcPct val="100000"/>
+              </a:lnSpc>
+              <a:spcBef>
+                <a:spcPts val="0"/>
+              </a:spcBef>
+              <a:spcAft>
+                <a:spcPts val="0"/>
+              </a:spcAft>
+              <a:buClr>
+                <a:schemeClr val="dk1"/>
+              </a:buClr>
+              <a:buSzPts val="900"/>
+              <a:buFont typeface="Calibri"/>
+              <a:buNone/>
+            </a:pPr>
+            <a:r>
+              <a:rPr b="1" i="0" lang="en-US" sz="3600" u="none" cap="none" strike="noStrike">
+                <a:solidFill>
+                  <a:schemeClr val="dk1"/>
+                </a:solidFill>
+                <a:latin typeface="Open Sans"/>
+                <a:ea typeface="Open Sans"/>
+                <a:cs typeface="Open Sans"/>
+                <a:sym typeface="Open Sans"/>
+              </a:rPr>
+              <a:t>Questões</a:t>
+            </a:r>
+            <a:endParaRPr>
+              <a:latin typeface="Open Sans"/>
+              <a:ea typeface="Open Sans"/>
+              <a:cs typeface="Open Sans"/>
+              <a:sym typeface="Open Sans"/>
+            </a:endParaRPr>
+          </a:p>
+        </p:txBody>
+      </p:sp>
+      <p:sp>
+        <p:nvSpPr>
+          <p:cNvPr id="202" name="Google Shape;202;p31"/>
+          <p:cNvSpPr txBox="1"/>
+          <p:nvPr>
+            <p:ph idx="1" type="body"/>
+          </p:nvPr>
+        </p:nvSpPr>
+        <p:spPr>
+          <a:xfrm>
+            <a:off x="457200" y="1665725"/>
+            <a:ext cx="8229600" cy="4336800"/>
+          </a:xfrm>
+          <a:prstGeom prst="rect">
+            <a:avLst/>
+          </a:prstGeom>
+          <a:noFill/>
+          <a:ln>
+            <a:noFill/>
+          </a:ln>
+        </p:spPr>
+        <p:txBody>
+          <a:bodyPr anchorCtr="0" anchor="t" bIns="91425" lIns="91425" spcFirstLastPara="1" rIns="91425" wrap="square" tIns="91425">
+            <a:normAutofit lnSpcReduction="10000"/>
+          </a:bodyPr>
+          <a:lstStyle/>
+          <a:p>
+            <a:pPr indent="-381000" lvl="0" marL="457200" rtl="0" algn="l">
+              <a:lnSpc>
+                <a:spcPct val="100000"/>
+              </a:lnSpc>
+              <a:spcBef>
+                <a:spcPts val="0"/>
+              </a:spcBef>
+              <a:spcAft>
+                <a:spcPts val="0"/>
+              </a:spcAft>
+              <a:buClr>
+                <a:schemeClr val="dk1"/>
+              </a:buClr>
+              <a:buSzPts val="2400"/>
+              <a:buFont typeface="Open Sans"/>
+              <a:buChar char="•"/>
+            </a:pPr>
+            <a:r>
+              <a:rPr lang="en-US" sz="2400">
+                <a:latin typeface="Open Sans"/>
+                <a:ea typeface="Open Sans"/>
+                <a:cs typeface="Open Sans"/>
+                <a:sym typeface="Open Sans"/>
+              </a:rPr>
+              <a:t>De Soto deixa implícito o argumento que apenas o estado pode garantir a propriedade. Intuitivamente esta posição faz sentido. Vocês poderiam dar exemplos </a:t>
+            </a:r>
+            <a:r>
+              <a:rPr i="1" lang="en-US" sz="2400">
+                <a:latin typeface="Open Sans"/>
+                <a:ea typeface="Open Sans"/>
+                <a:cs typeface="Open Sans"/>
+                <a:sym typeface="Open Sans"/>
+              </a:rPr>
+              <a:t>práticos</a:t>
+            </a:r>
+            <a:r>
+              <a:rPr lang="en-US" sz="2400">
+                <a:latin typeface="Open Sans"/>
+                <a:ea typeface="Open Sans"/>
+                <a:cs typeface="Open Sans"/>
+                <a:sym typeface="Open Sans"/>
+              </a:rPr>
+              <a:t> onde a propriedade privada é mantida por arranjos não estatais?</a:t>
+            </a:r>
+            <a:endParaRPr sz="2400">
+              <a:latin typeface="Open Sans"/>
+              <a:ea typeface="Open Sans"/>
+              <a:cs typeface="Open Sans"/>
+              <a:sym typeface="Open Sans"/>
+            </a:endParaRPr>
+          </a:p>
+          <a:p>
+            <a:pPr indent="0" lvl="0" marL="406400" rtl="0" algn="l">
+              <a:lnSpc>
+                <a:spcPct val="100000"/>
+              </a:lnSpc>
+              <a:spcBef>
+                <a:spcPts val="0"/>
+              </a:spcBef>
+              <a:spcAft>
+                <a:spcPts val="0"/>
+              </a:spcAft>
+              <a:buNone/>
+            </a:pPr>
+            <a:r>
+              <a:t/>
+            </a:r>
+            <a:endParaRPr sz="2400">
+              <a:latin typeface="Open Sans"/>
+              <a:ea typeface="Open Sans"/>
+              <a:cs typeface="Open Sans"/>
+              <a:sym typeface="Open Sans"/>
+            </a:endParaRPr>
+          </a:p>
+          <a:p>
+            <a:pPr indent="-381000" lvl="0" marL="457200" rtl="0" algn="l">
+              <a:lnSpc>
+                <a:spcPct val="100000"/>
+              </a:lnSpc>
+              <a:spcBef>
+                <a:spcPts val="0"/>
+              </a:spcBef>
+              <a:spcAft>
+                <a:spcPts val="0"/>
+              </a:spcAft>
+              <a:buClr>
+                <a:schemeClr val="dk1"/>
+              </a:buClr>
+              <a:buSzPts val="2400"/>
+              <a:buFont typeface="Open Sans"/>
+              <a:buChar char="•"/>
+            </a:pPr>
+            <a:r>
+              <a:rPr lang="en-US" sz="2400">
+                <a:latin typeface="Open Sans"/>
+                <a:ea typeface="Open Sans"/>
+                <a:cs typeface="Open Sans"/>
+                <a:sym typeface="Open Sans"/>
+              </a:rPr>
+              <a:t>A regulamentação fundiária individual da pequena propriedade é o melhor modelo para isso? Ela não deixaria os indivíduos vulneráveis à especulação? Qual a vantagem, se é que há, da regulamentação das terras como propriedades </a:t>
+            </a:r>
+            <a:r>
+              <a:rPr i="1" lang="en-US" sz="2400">
+                <a:latin typeface="Open Sans"/>
+                <a:ea typeface="Open Sans"/>
+                <a:cs typeface="Open Sans"/>
+                <a:sym typeface="Open Sans"/>
+              </a:rPr>
+              <a:t>coletivas</a:t>
+            </a:r>
+            <a:r>
+              <a:rPr lang="en-US" sz="2400">
+                <a:latin typeface="Open Sans"/>
+                <a:ea typeface="Open Sans"/>
+                <a:cs typeface="Open Sans"/>
+                <a:sym typeface="Open Sans"/>
+              </a:rPr>
+              <a:t>? E quais as desvantagens, se existem?</a:t>
+            </a:r>
+            <a:endParaRPr>
+              <a:latin typeface="Open Sans"/>
+              <a:ea typeface="Open Sans"/>
+              <a:cs typeface="Open Sans"/>
+              <a:sym typeface="Open Sans"/>
+            </a:endParaRPr>
+          </a:p>
+        </p:txBody>
+      </p:sp>
+      <p:pic>
+        <p:nvPicPr>
+          <p:cNvPr id="203" name="Google Shape;203;p31"/>
+          <p:cNvPicPr preferRelativeResize="0"/>
+          <p:nvPr/>
+        </p:nvPicPr>
+        <p:blipFill>
+          <a:blip r:embed="rId3">
+            <a:alphaModFix/>
+          </a:blip>
+          <a:stretch>
+            <a:fillRect/>
+          </a:stretch>
+        </p:blipFill>
+        <p:spPr>
+          <a:xfrm>
+            <a:off x="152400" y="6055824"/>
+            <a:ext cx="2164649" cy="649775"/>
           </a:xfrm>
           <a:prstGeom prst="rect">
             <a:avLst/>
@@ -13744,16 +14307,13 @@
               <a:buNone/>
             </a:pPr>
             <a:r>
-              <a:rPr b="1" i="0" lang="en-US" sz="3600" u="none" cap="none" strike="noStrike">
-                <a:solidFill>
-                  <a:schemeClr val="dk1"/>
-                </a:solidFill>
+              <a:rPr b="1" lang="en-US" sz="3600">
                 <a:latin typeface="Open Sans"/>
                 <a:ea typeface="Open Sans"/>
                 <a:cs typeface="Open Sans"/>
                 <a:sym typeface="Open Sans"/>
               </a:rPr>
-              <a:t>Mancur Olson</a:t>
+              <a:t>Hernando de Soto</a:t>
             </a:r>
             <a:endParaRPr>
               <a:latin typeface="Open Sans"/>
@@ -13787,279 +14347,214 @@
         </p:spPr>
         <p:txBody>
           <a:bodyPr anchorCtr="0" anchor="t" bIns="91425" lIns="91425" spcFirstLastPara="1" rIns="91425" wrap="square" tIns="91425">
-            <a:normAutofit fontScale="92500" lnSpcReduction="20000"/>
+            <a:normAutofit/>
           </a:bodyPr>
           <a:lstStyle/>
           <a:p>
-            <a:pPr indent="-369570" lvl="0" marL="457200" marR="0" rtl="0" algn="l">
-              <a:lnSpc>
-                <a:spcPct val="200000"/>
-              </a:lnSpc>
-              <a:spcBef>
-                <a:spcPts val="0"/>
-              </a:spcBef>
-              <a:spcAft>
-                <a:spcPts val="0"/>
-              </a:spcAft>
-              <a:buClr>
-                <a:schemeClr val="dk1"/>
-              </a:buClr>
-              <a:buSzPct val="100000"/>
+            <a:pPr indent="-368300" lvl="0" marL="457200" marR="0" rtl="0" algn="l">
+              <a:lnSpc>
+                <a:spcPct val="180000"/>
+              </a:lnSpc>
+              <a:spcBef>
+                <a:spcPts val="0"/>
+              </a:spcBef>
+              <a:spcAft>
+                <a:spcPts val="0"/>
+              </a:spcAft>
+              <a:buSzPts val="2200"/>
               <a:buFont typeface="Open Sans"/>
               <a:buChar char="•"/>
             </a:pPr>
             <a:r>
-              <a:rPr i="0" lang="en-US" sz="2400" u="none" cap="none" strike="noStrike">
+              <a:rPr lang="en-US" sz="2200">
+                <a:latin typeface="Open Sans"/>
+                <a:ea typeface="Open Sans"/>
+                <a:cs typeface="Open Sans"/>
+                <a:sym typeface="Open Sans"/>
+              </a:rPr>
+              <a:t>Economista peruano (1941)</a:t>
+            </a:r>
+            <a:endParaRPr sz="3000">
+              <a:latin typeface="Open Sans"/>
+              <a:ea typeface="Open Sans"/>
+              <a:cs typeface="Open Sans"/>
+              <a:sym typeface="Open Sans"/>
+            </a:endParaRPr>
+          </a:p>
+          <a:p>
+            <a:pPr indent="-368300" lvl="0" marL="457200" marR="0" rtl="0" algn="l">
+              <a:lnSpc>
+                <a:spcPct val="180000"/>
+              </a:lnSpc>
+              <a:spcBef>
+                <a:spcPts val="0"/>
+              </a:spcBef>
+              <a:spcAft>
+                <a:spcPts val="0"/>
+              </a:spcAft>
+              <a:buSzPts val="2200"/>
+              <a:buFont typeface="Open Sans"/>
+              <a:buChar char="•"/>
+            </a:pPr>
+            <a:r>
+              <a:rPr lang="en-US" sz="2200">
+                <a:latin typeface="Open Sans"/>
+                <a:ea typeface="Open Sans"/>
+                <a:cs typeface="Open Sans"/>
+                <a:sym typeface="Open Sans"/>
+              </a:rPr>
+              <a:t>Analista da economia informal na AL</a:t>
+            </a:r>
+            <a:endParaRPr sz="3000">
+              <a:latin typeface="Open Sans"/>
+              <a:ea typeface="Open Sans"/>
+              <a:cs typeface="Open Sans"/>
+              <a:sym typeface="Open Sans"/>
+            </a:endParaRPr>
+          </a:p>
+          <a:p>
+            <a:pPr indent="-368300" lvl="0" marL="457200" marR="0" rtl="0" algn="l">
+              <a:lnSpc>
+                <a:spcPct val="180000"/>
+              </a:lnSpc>
+              <a:spcBef>
+                <a:spcPts val="0"/>
+              </a:spcBef>
+              <a:spcAft>
+                <a:spcPts val="0"/>
+              </a:spcAft>
+              <a:buSzPts val="2200"/>
+              <a:buFont typeface="Open Sans"/>
+              <a:buChar char="•"/>
+            </a:pPr>
+            <a:r>
+              <a:rPr lang="en-US" sz="2200">
+                <a:latin typeface="Open Sans"/>
+                <a:ea typeface="Open Sans"/>
+                <a:cs typeface="Open Sans"/>
+                <a:sym typeface="Open Sans"/>
+              </a:rPr>
+              <a:t>Famoso por </a:t>
+            </a:r>
+            <a:r>
+              <a:rPr i="1" lang="en-US" sz="2200">
+                <a:latin typeface="Open Sans"/>
+                <a:ea typeface="Open Sans"/>
+                <a:cs typeface="Open Sans"/>
+                <a:sym typeface="Open Sans"/>
+              </a:rPr>
+              <a:t>The Mystery of Capital</a:t>
+            </a:r>
+            <a:r>
+              <a:rPr lang="en-US" sz="2200">
+                <a:latin typeface="Open Sans"/>
+                <a:ea typeface="Open Sans"/>
+                <a:cs typeface="Open Sans"/>
+                <a:sym typeface="Open Sans"/>
+              </a:rPr>
+              <a:t> (2000)</a:t>
+            </a:r>
+            <a:endParaRPr sz="3000">
+              <a:latin typeface="Open Sans"/>
+              <a:ea typeface="Open Sans"/>
+              <a:cs typeface="Open Sans"/>
+              <a:sym typeface="Open Sans"/>
+            </a:endParaRPr>
+          </a:p>
+          <a:p>
+            <a:pPr indent="-368300" lvl="0" marL="457200" marR="0" rtl="0" algn="l">
+              <a:lnSpc>
+                <a:spcPct val="180000"/>
+              </a:lnSpc>
+              <a:spcBef>
+                <a:spcPts val="0"/>
+              </a:spcBef>
+              <a:spcAft>
+                <a:spcPts val="0"/>
+              </a:spcAft>
+              <a:buSzPts val="2200"/>
+              <a:buFont typeface="Open Sans"/>
+              <a:buChar char="•"/>
+            </a:pPr>
+            <a:r>
+              <a:rPr lang="en-US" sz="2200">
+                <a:latin typeface="Open Sans"/>
+                <a:ea typeface="Open Sans"/>
+                <a:cs typeface="Open Sans"/>
+                <a:sym typeface="Open Sans"/>
+              </a:rPr>
+              <a:t>Ênfase no direito de propriedade</a:t>
+            </a:r>
+            <a:endParaRPr sz="3000">
+              <a:latin typeface="Open Sans"/>
+              <a:ea typeface="Open Sans"/>
+              <a:cs typeface="Open Sans"/>
+              <a:sym typeface="Open Sans"/>
+            </a:endParaRPr>
+          </a:p>
+          <a:p>
+            <a:pPr indent="-368300" lvl="0" marL="457200" marR="0" rtl="0" algn="l">
+              <a:lnSpc>
+                <a:spcPct val="180000"/>
+              </a:lnSpc>
+              <a:spcBef>
+                <a:spcPts val="0"/>
+              </a:spcBef>
+              <a:spcAft>
+                <a:spcPts val="0"/>
+              </a:spcAft>
+              <a:buSzPts val="2200"/>
+              <a:buFont typeface="Open Sans"/>
+              <a:buChar char="•"/>
+            </a:pPr>
+            <a:r>
+              <a:rPr lang="en-US" sz="2200">
+                <a:latin typeface="Open Sans"/>
+                <a:ea typeface="Open Sans"/>
+                <a:cs typeface="Open Sans"/>
+                <a:sym typeface="Open Sans"/>
+              </a:rPr>
+              <a:t>Criador do Institute for Liberty and Democracy: </a:t>
+            </a:r>
+            <a:r>
+              <a:rPr lang="en-US" sz="2200" u="sng">
                 <a:solidFill>
-                  <a:schemeClr val="dk1"/>
+                  <a:schemeClr val="hlink"/>
                 </a:solidFill>
                 <a:latin typeface="Open Sans"/>
                 <a:ea typeface="Open Sans"/>
                 <a:cs typeface="Open Sans"/>
                 <a:sym typeface="Open Sans"/>
+                <a:hlinkClick r:id="rId3"/>
               </a:rPr>
-              <a:t>Economista americano (1932-1998)</a:t>
-            </a:r>
-            <a:endParaRPr>
+              <a:t>http://www.ild.org.pe/</a:t>
+            </a:r>
+            <a:r>
+              <a:rPr lang="en-US" sz="2200">
+                <a:latin typeface="Open Sans"/>
+                <a:ea typeface="Open Sans"/>
+                <a:cs typeface="Open Sans"/>
+                <a:sym typeface="Open Sans"/>
+              </a:rPr>
+              <a:t> </a:t>
+            </a:r>
+            <a:endParaRPr sz="3000">
               <a:latin typeface="Open Sans"/>
               <a:ea typeface="Open Sans"/>
               <a:cs typeface="Open Sans"/>
               <a:sym typeface="Open Sans"/>
             </a:endParaRPr>
           </a:p>
-          <a:p>
-            <a:pPr indent="-369570" lvl="0" marL="457200" marR="0" rtl="0" algn="l">
-              <a:lnSpc>
-                <a:spcPct val="200000"/>
-              </a:lnSpc>
-              <a:spcBef>
-                <a:spcPts val="0"/>
-              </a:spcBef>
-              <a:spcAft>
-                <a:spcPts val="0"/>
-              </a:spcAft>
-              <a:buClr>
-                <a:schemeClr val="dk1"/>
-              </a:buClr>
-              <a:buSzPct val="100000"/>
-              <a:buFont typeface="Open Sans"/>
-              <a:buChar char="•"/>
-            </a:pPr>
-            <a:r>
-              <a:rPr i="1" lang="en-US" sz="2400" u="none" cap="none" strike="noStrike">
-                <a:solidFill>
-                  <a:schemeClr val="dk1"/>
-                </a:solidFill>
-                <a:latin typeface="Open Sans"/>
-                <a:ea typeface="Open Sans"/>
-                <a:cs typeface="Open Sans"/>
-                <a:sym typeface="Open Sans"/>
-              </a:rPr>
-              <a:t>The Logic of Collective Action </a:t>
-            </a:r>
-            <a:r>
-              <a:rPr i="0" lang="en-US" sz="2400" u="none" cap="none" strike="noStrike">
-                <a:solidFill>
-                  <a:schemeClr val="dk1"/>
-                </a:solidFill>
-                <a:latin typeface="Open Sans"/>
-                <a:ea typeface="Open Sans"/>
-                <a:cs typeface="Open Sans"/>
-                <a:sym typeface="Open Sans"/>
-              </a:rPr>
-              <a:t>(1965)</a:t>
-            </a:r>
-            <a:endParaRPr>
-              <a:latin typeface="Open Sans"/>
-              <a:ea typeface="Open Sans"/>
-              <a:cs typeface="Open Sans"/>
-              <a:sym typeface="Open Sans"/>
-            </a:endParaRPr>
-          </a:p>
-          <a:p>
-            <a:pPr indent="-369570" lvl="0" marL="457200" marR="0" rtl="0" algn="l">
-              <a:lnSpc>
-                <a:spcPct val="200000"/>
-              </a:lnSpc>
-              <a:spcBef>
-                <a:spcPts val="0"/>
-              </a:spcBef>
-              <a:spcAft>
-                <a:spcPts val="0"/>
-              </a:spcAft>
-              <a:buClr>
-                <a:schemeClr val="dk1"/>
-              </a:buClr>
-              <a:buSzPct val="100000"/>
-              <a:buFont typeface="Open Sans"/>
-              <a:buChar char="•"/>
-            </a:pPr>
-            <a:r>
-              <a:rPr i="1" lang="en-US" sz="2400" u="none" cap="none" strike="noStrike">
-                <a:solidFill>
-                  <a:schemeClr val="dk1"/>
-                </a:solidFill>
-                <a:latin typeface="Open Sans"/>
-                <a:ea typeface="Open Sans"/>
-                <a:cs typeface="Open Sans"/>
-                <a:sym typeface="Open Sans"/>
-              </a:rPr>
-              <a:t>Extremamente</a:t>
-            </a:r>
-            <a:r>
-              <a:rPr i="0" lang="en-US" sz="2400" u="none" cap="none" strike="noStrike">
-                <a:solidFill>
-                  <a:schemeClr val="dk1"/>
-                </a:solidFill>
-                <a:latin typeface="Open Sans"/>
-                <a:ea typeface="Open Sans"/>
-                <a:cs typeface="Open Sans"/>
-                <a:sym typeface="Open Sans"/>
-              </a:rPr>
-              <a:t> influente</a:t>
-            </a:r>
-            <a:endParaRPr>
-              <a:latin typeface="Open Sans"/>
-              <a:ea typeface="Open Sans"/>
-              <a:cs typeface="Open Sans"/>
-              <a:sym typeface="Open Sans"/>
-            </a:endParaRPr>
-          </a:p>
-          <a:p>
-            <a:pPr indent="-369570" lvl="0" marL="457200" marR="0" rtl="0" algn="l">
-              <a:lnSpc>
-                <a:spcPct val="200000"/>
-              </a:lnSpc>
-              <a:spcBef>
-                <a:spcPts val="0"/>
-              </a:spcBef>
-              <a:spcAft>
-                <a:spcPts val="0"/>
-              </a:spcAft>
-              <a:buClr>
-                <a:schemeClr val="dk1"/>
-              </a:buClr>
-              <a:buSzPct val="100000"/>
-              <a:buFont typeface="Open Sans"/>
-              <a:buChar char="•"/>
-            </a:pPr>
-            <a:r>
-              <a:rPr i="0" lang="en-US" sz="2400" u="none" cap="none" strike="noStrike">
-                <a:solidFill>
-                  <a:schemeClr val="dk1"/>
-                </a:solidFill>
-                <a:latin typeface="Open Sans"/>
-                <a:ea typeface="Open Sans"/>
-                <a:cs typeface="Open Sans"/>
-                <a:sym typeface="Open Sans"/>
-              </a:rPr>
-              <a:t>Muito citado por autores da </a:t>
-            </a:r>
-            <a:r>
-              <a:rPr i="1" lang="en-US" sz="2400" u="none" cap="none" strike="noStrike">
-                <a:solidFill>
-                  <a:schemeClr val="dk1"/>
-                </a:solidFill>
-                <a:latin typeface="Open Sans"/>
-                <a:ea typeface="Open Sans"/>
-                <a:cs typeface="Open Sans"/>
-                <a:sym typeface="Open Sans"/>
-              </a:rPr>
-              <a:t>public choice</a:t>
-            </a:r>
-            <a:endParaRPr>
-              <a:latin typeface="Open Sans"/>
-              <a:ea typeface="Open Sans"/>
-              <a:cs typeface="Open Sans"/>
-              <a:sym typeface="Open Sans"/>
-            </a:endParaRPr>
-          </a:p>
-          <a:p>
-            <a:pPr indent="-369570" lvl="0" marL="457200" marR="0" rtl="0" algn="l">
-              <a:lnSpc>
-                <a:spcPct val="200000"/>
-              </a:lnSpc>
-              <a:spcBef>
-                <a:spcPts val="0"/>
-              </a:spcBef>
-              <a:spcAft>
-                <a:spcPts val="0"/>
-              </a:spcAft>
-              <a:buClr>
-                <a:schemeClr val="dk1"/>
-              </a:buClr>
-              <a:buSzPct val="100000"/>
-              <a:buFont typeface="Open Sans"/>
-              <a:buChar char="•"/>
-            </a:pPr>
-            <a:r>
-              <a:rPr i="0" lang="en-US" sz="2400" u="none" cap="none" strike="noStrike">
-                <a:solidFill>
-                  <a:schemeClr val="dk1"/>
-                </a:solidFill>
-                <a:latin typeface="Open Sans"/>
-                <a:ea typeface="Open Sans"/>
-                <a:cs typeface="Open Sans"/>
-                <a:sym typeface="Open Sans"/>
-              </a:rPr>
-              <a:t>Também importante por seu trabalho como </a:t>
-            </a:r>
-            <a:r>
-              <a:rPr i="1" lang="en-US" sz="2400" u="none" cap="none" strike="noStrike">
-                <a:solidFill>
-                  <a:schemeClr val="dk1"/>
-                </a:solidFill>
-                <a:latin typeface="Open Sans"/>
-                <a:ea typeface="Open Sans"/>
-                <a:cs typeface="Open Sans"/>
-                <a:sym typeface="Open Sans"/>
-              </a:rPr>
-              <a:t>policy-maker</a:t>
-            </a:r>
-            <a:r>
-              <a:rPr i="0" lang="en-US" sz="2400" u="none" cap="none" strike="noStrike">
-                <a:solidFill>
-                  <a:schemeClr val="dk1"/>
-                </a:solidFill>
-                <a:latin typeface="Open Sans"/>
-                <a:ea typeface="Open Sans"/>
-                <a:cs typeface="Open Sans"/>
-                <a:sym typeface="Open Sans"/>
-              </a:rPr>
-              <a:t> no </a:t>
-            </a:r>
-            <a:r>
-              <a:rPr i="0" lang="en-US" sz="2400" u="none" cap="none" strike="noStrike">
-                <a:solidFill>
-                  <a:srgbClr val="222222"/>
-                </a:solidFill>
-                <a:highlight>
-                  <a:srgbClr val="FFFFFF"/>
-                </a:highlight>
-                <a:latin typeface="Open Sans"/>
-                <a:ea typeface="Open Sans"/>
-                <a:cs typeface="Open Sans"/>
-                <a:sym typeface="Open Sans"/>
-              </a:rPr>
-              <a:t>Center for Institutional Reform in the Informal Sector</a:t>
-            </a:r>
-            <a:endParaRPr>
-              <a:latin typeface="Open Sans"/>
-              <a:ea typeface="Open Sans"/>
-              <a:cs typeface="Open Sans"/>
-              <a:sym typeface="Open Sans"/>
-            </a:endParaRPr>
-          </a:p>
         </p:txBody>
       </p:sp>
       <p:pic>
         <p:nvPicPr>
-          <p:cNvPr descr="Mancur_Olson.jpg" id="74" name="Google Shape;74;p15"/>
+          <p:cNvPr descr="Hernando-de-Soto.jpg" id="74" name="Google Shape;74;p15"/>
           <p:cNvPicPr preferRelativeResize="0"/>
           <p:nvPr/>
         </p:nvPicPr>
         <p:blipFill rotWithShape="1">
-          <a:blip r:embed="rId3">
+          <a:blip r:embed="rId4">
             <a:alphaModFix/>
           </a:blip>
           <a:srcRect b="0" l="0" r="0" t="0"/>
@@ -14067,8 +14562,8 @@
         </p:blipFill>
         <p:spPr>
           <a:xfrm>
-            <a:off x="6409450" y="752700"/>
-            <a:ext cx="2734550" cy="2868425"/>
+            <a:off x="6462125" y="1417625"/>
+            <a:ext cx="2530600" cy="2785675"/>
           </a:xfrm>
           <a:prstGeom prst="rect">
             <a:avLst/>
@@ -14086,7 +14581,7 @@
           <p:nvPr/>
         </p:nvPicPr>
         <p:blipFill>
-          <a:blip r:embed="rId4">
+          <a:blip r:embed="rId5">
             <a:alphaModFix/>
           </a:blip>
           <a:stretch>
@@ -14095,8 +14590,8 @@
         </p:blipFill>
         <p:spPr>
           <a:xfrm>
-            <a:off x="152400" y="6080299"/>
-            <a:ext cx="2083148" cy="625301"/>
+            <a:off x="152400" y="6055824"/>
+            <a:ext cx="2164649" cy="649775"/>
           </a:xfrm>
           <a:prstGeom prst="rect">
             <a:avLst/>
@@ -14155,75 +14650,35 @@
         </p:spPr>
         <p:txBody>
           <a:bodyPr anchorCtr="0" anchor="ctr" bIns="91425" lIns="91425" spcFirstLastPara="1" rIns="91425" wrap="square" tIns="91425">
-            <a:normAutofit fontScale="90000"/>
+            <a:normAutofit/>
           </a:bodyPr>
           <a:lstStyle/>
           <a:p>
             <a:pPr indent="0" lvl="0" marL="0" marR="0" rtl="0" algn="ctr">
               <a:lnSpc>
-                <a:spcPct val="125000"/>
-              </a:lnSpc>
-              <a:spcBef>
-                <a:spcPts val="0"/>
-              </a:spcBef>
-              <a:spcAft>
-                <a:spcPts val="0"/>
-              </a:spcAft>
-              <a:buClr>
-                <a:srgbClr val="000000"/>
-              </a:buClr>
-              <a:buSzPts val="810"/>
-              <a:buFont typeface="Arial"/>
-              <a:buNone/>
-            </a:pPr>
-            <a:r>
-              <a:rPr b="1" i="0" lang="en-US" sz="3600" u="none" cap="none" strike="noStrike">
-                <a:solidFill>
-                  <a:schemeClr val="dk1"/>
-                </a:solidFill>
+                <a:spcPct val="100000"/>
+              </a:lnSpc>
+              <a:spcBef>
+                <a:spcPts val="0"/>
+              </a:spcBef>
+              <a:spcAft>
+                <a:spcPts val="0"/>
+              </a:spcAft>
+              <a:buClr>
+                <a:schemeClr val="dk1"/>
+              </a:buClr>
+              <a:buSzPts val="900"/>
+              <a:buFont typeface="Calibri"/>
+              <a:buNone/>
+            </a:pPr>
+            <a:r>
+              <a:rPr b="1" lang="en-US" sz="3600">
                 <a:latin typeface="Open Sans"/>
                 <a:ea typeface="Open Sans"/>
                 <a:cs typeface="Open Sans"/>
                 <a:sym typeface="Open Sans"/>
               </a:rPr>
-              <a:t>Dictatorship, Democracy</a:t>
-            </a:r>
-            <a:endParaRPr>
-              <a:latin typeface="Open Sans"/>
-              <a:ea typeface="Open Sans"/>
-              <a:cs typeface="Open Sans"/>
-              <a:sym typeface="Open Sans"/>
-            </a:endParaRPr>
-          </a:p>
-          <a:p>
-            <a:pPr indent="0" lvl="0" marL="0" marR="0" rtl="0" algn="ctr">
-              <a:lnSpc>
-                <a:spcPct val="125000"/>
-              </a:lnSpc>
-              <a:spcBef>
-                <a:spcPts val="0"/>
-              </a:spcBef>
-              <a:spcAft>
-                <a:spcPts val="0"/>
-              </a:spcAft>
-              <a:buClr>
-                <a:srgbClr val="000000"/>
-              </a:buClr>
-              <a:buSzPts val="810"/>
-              <a:buFont typeface="Arial"/>
-              <a:buNone/>
-            </a:pPr>
-            <a:r>
-              <a:rPr b="1" i="0" lang="en-US" sz="3600" u="none" cap="none" strike="noStrike">
-                <a:solidFill>
-                  <a:schemeClr val="dk1"/>
-                </a:solidFill>
-                <a:latin typeface="Open Sans"/>
-                <a:ea typeface="Open Sans"/>
-                <a:cs typeface="Open Sans"/>
-                <a:sym typeface="Open Sans"/>
-              </a:rPr>
-              <a:t> and Development</a:t>
+              <a:t>The Mystery of Capital</a:t>
             </a:r>
             <a:endParaRPr>
               <a:latin typeface="Open Sans"/>
@@ -14261,9 +14716,9 @@
           </a:bodyPr>
           <a:lstStyle/>
           <a:p>
-            <a:pPr indent="-358140" lvl="0" marL="457200" marR="0" rtl="0" algn="l">
-              <a:lnSpc>
-                <a:spcPct val="150000"/>
+            <a:pPr indent="-358140" lvl="0" marL="457200" rtl="0" algn="l">
+              <a:lnSpc>
+                <a:spcPct val="115000"/>
               </a:lnSpc>
               <a:spcBef>
                 <a:spcPts val="0"/>
@@ -14279,66 +14734,97 @@
               <a:buChar char="•"/>
             </a:pPr>
             <a:r>
-              <a:rPr i="0" lang="en-US" sz="2400" u="none" cap="none" strike="noStrike">
-                <a:solidFill>
-                  <a:schemeClr val="dk1"/>
-                </a:solidFill>
+              <a:rPr lang="en-US" sz="2400">
                 <a:latin typeface="Open Sans"/>
                 <a:ea typeface="Open Sans"/>
                 <a:cs typeface="Open Sans"/>
                 <a:sym typeface="Open Sans"/>
               </a:rPr>
-              <a:t>Olson publicou este texto na </a:t>
-            </a:r>
-            <a:r>
-              <a:rPr i="1" lang="en-US" sz="2400" u="none" cap="none" strike="noStrike">
-                <a:solidFill>
-                  <a:schemeClr val="dk1"/>
-                </a:solidFill>
+              <a:t>O mistério do capital é </a:t>
+            </a:r>
+            <a:r>
+              <a:rPr i="1" lang="en-US" sz="2400">
                 <a:latin typeface="Open Sans"/>
                 <a:ea typeface="Open Sans"/>
                 <a:cs typeface="Open Sans"/>
                 <a:sym typeface="Open Sans"/>
               </a:rPr>
-              <a:t>American Political Science Review</a:t>
-            </a:r>
-            <a:r>
-              <a:rPr i="0" lang="en-US" sz="2400" u="none" cap="none" strike="noStrike">
-                <a:solidFill>
-                  <a:schemeClr val="dk1"/>
-                </a:solidFill>
+              <a:t>a propriedade privada</a:t>
+            </a:r>
+            <a:endParaRPr i="1" sz="2400">
+              <a:latin typeface="Open Sans"/>
+              <a:ea typeface="Open Sans"/>
+              <a:cs typeface="Open Sans"/>
+              <a:sym typeface="Open Sans"/>
+            </a:endParaRPr>
+          </a:p>
+          <a:p>
+            <a:pPr indent="0" lvl="0" marL="406400" rtl="0" algn="l">
+              <a:lnSpc>
+                <a:spcPct val="115000"/>
+              </a:lnSpc>
+              <a:spcBef>
+                <a:spcPts val="0"/>
+              </a:spcBef>
+              <a:spcAft>
+                <a:spcPts val="0"/>
+              </a:spcAft>
+              <a:buNone/>
+            </a:pPr>
+            <a:r>
+              <a:t/>
+            </a:r>
+            <a:endParaRPr i="1" sz="2400">
+              <a:latin typeface="Open Sans"/>
+              <a:ea typeface="Open Sans"/>
+              <a:cs typeface="Open Sans"/>
+              <a:sym typeface="Open Sans"/>
+            </a:endParaRPr>
+          </a:p>
+          <a:p>
+            <a:pPr indent="-358140" lvl="0" marL="457200" rtl="0" algn="l">
+              <a:lnSpc>
+                <a:spcPct val="115000"/>
+              </a:lnSpc>
+              <a:spcBef>
+                <a:spcPts val="0"/>
+              </a:spcBef>
+              <a:spcAft>
+                <a:spcPts val="0"/>
+              </a:spcAft>
+              <a:buClr>
+                <a:schemeClr val="dk1"/>
+              </a:buClr>
+              <a:buSzPct val="100000"/>
+              <a:buFont typeface="Open Sans"/>
+              <a:buChar char="•"/>
+            </a:pPr>
+            <a:r>
+              <a:rPr lang="en-US" sz="2400">
                 <a:latin typeface="Open Sans"/>
                 <a:ea typeface="Open Sans"/>
                 <a:cs typeface="Open Sans"/>
                 <a:sym typeface="Open Sans"/>
               </a:rPr>
-              <a:t> em 1993, após um tempo de reflexão sobre seu trabalho no think tank que estudava países em transição</a:t>
-            </a:r>
-            <a:endParaRPr i="0" sz="2400" u="none" cap="none" strike="noStrike">
-              <a:solidFill>
-                <a:schemeClr val="dk1"/>
-              </a:solidFill>
-              <a:latin typeface="Open Sans"/>
-              <a:ea typeface="Open Sans"/>
-              <a:cs typeface="Open Sans"/>
-              <a:sym typeface="Open Sans"/>
-            </a:endParaRPr>
-          </a:p>
-          <a:p>
-            <a:pPr indent="0" lvl="0" marL="609600" marR="0" rtl="0" algn="l">
-              <a:lnSpc>
-                <a:spcPct val="150000"/>
-              </a:lnSpc>
-              <a:spcBef>
-                <a:spcPts val="0"/>
-              </a:spcBef>
-              <a:spcAft>
-                <a:spcPts val="0"/>
-              </a:spcAft>
-              <a:buNone/>
-            </a:pPr>
-            <a:r>
-              <a:t/>
+              <a:t>A propriedade privada é importante em si mesma, e De Soto ressalta seu papel como </a:t>
+            </a:r>
+            <a:r>
+              <a:rPr i="1" lang="en-US" sz="2400">
+                <a:latin typeface="Open Sans"/>
+                <a:ea typeface="Open Sans"/>
+                <a:cs typeface="Open Sans"/>
+                <a:sym typeface="Open Sans"/>
+              </a:rPr>
+              <a:t>collateral</a:t>
+            </a:r>
+            <a:r>
+              <a:rPr lang="en-US" sz="2400">
+                <a:latin typeface="Open Sans"/>
+                <a:ea typeface="Open Sans"/>
+                <a:cs typeface="Open Sans"/>
+                <a:sym typeface="Open Sans"/>
+              </a:rPr>
+              <a:t> para empréstimos bancários e alavancagem de capital</a:t>
             </a:r>
             <a:endParaRPr sz="2400">
               <a:latin typeface="Open Sans"/>
@@ -14348,49 +14834,9 @@
             </a:endParaRPr>
           </a:p>
           <a:p>
-            <a:pPr indent="-358140" lvl="0" marL="457200" marR="0" rtl="0" algn="l">
-              <a:lnSpc>
-                <a:spcPct val="150000"/>
-              </a:lnSpc>
-              <a:spcBef>
-                <a:spcPts val="0"/>
-              </a:spcBef>
-              <a:spcAft>
-                <a:spcPts val="0"/>
-              </a:spcAft>
-              <a:buClr>
-                <a:schemeClr val="dk1"/>
-              </a:buClr>
-              <a:buSzPct val="100000"/>
-              <a:buFont typeface="Open Sans"/>
-              <a:buChar char="•"/>
-            </a:pPr>
-            <a:r>
-              <a:rPr i="0" lang="en-US" sz="2400" u="none" cap="none" strike="noStrike">
-                <a:solidFill>
-                  <a:schemeClr val="dk1"/>
-                </a:solidFill>
-                <a:latin typeface="Open Sans"/>
-                <a:ea typeface="Open Sans"/>
-                <a:cs typeface="Open Sans"/>
-                <a:sym typeface="Open Sans"/>
-              </a:rPr>
-              <a:t>O artigo tem como fio condutor as duas maiores perguntas teóricas da ciência política moderna:</a:t>
-            </a:r>
-            <a:endParaRPr i="0" sz="2400" u="none" cap="none" strike="noStrike">
-              <a:solidFill>
-                <a:schemeClr val="dk1"/>
-              </a:solidFill>
-              <a:latin typeface="Open Sans"/>
-              <a:ea typeface="Open Sans"/>
-              <a:cs typeface="Open Sans"/>
-              <a:sym typeface="Open Sans"/>
-            </a:endParaRPr>
-          </a:p>
-          <a:p>
-            <a:pPr indent="0" lvl="0" marL="609600" marR="0" rtl="0" algn="l">
-              <a:lnSpc>
-                <a:spcPct val="150000"/>
+            <a:pPr indent="0" lvl="0" marL="406400" rtl="0" algn="l">
+              <a:lnSpc>
+                <a:spcPct val="115000"/>
               </a:lnSpc>
               <a:spcBef>
                 <a:spcPts val="0"/>
@@ -14411,9 +14857,9 @@
             </a:endParaRPr>
           </a:p>
           <a:p>
-            <a:pPr indent="-358140" lvl="0" marL="457200" marR="0" rtl="0" algn="l">
-              <a:lnSpc>
-                <a:spcPct val="150000"/>
+            <a:pPr indent="-358140" lvl="0" marL="457200" rtl="0" algn="l">
+              <a:lnSpc>
+                <a:spcPct val="115000"/>
               </a:lnSpc>
               <a:spcBef>
                 <a:spcPts val="0"/>
@@ -14429,21 +14875,15 @@
               <a:buChar char="•"/>
             </a:pPr>
             <a:r>
-              <a:rPr i="1" lang="en-US" sz="2400" u="none" cap="none" strike="noStrike">
-                <a:solidFill>
-                  <a:schemeClr val="dk1"/>
-                </a:solidFill>
+              <a:rPr lang="en-US" sz="2400">
                 <a:latin typeface="Open Sans"/>
                 <a:ea typeface="Open Sans"/>
                 <a:cs typeface="Open Sans"/>
                 <a:sym typeface="Open Sans"/>
               </a:rPr>
-              <a:t>Como surgem os estados?</a:t>
-            </a:r>
-            <a:endParaRPr i="1" sz="2400" u="none" cap="none" strike="noStrike">
-              <a:solidFill>
-                <a:schemeClr val="dk1"/>
-              </a:solidFill>
+              <a:t>Como defender a propriedade privada em locais onde não há governança formal?</a:t>
+            </a:r>
+            <a:endParaRPr sz="2400">
               <a:latin typeface="Open Sans"/>
               <a:ea typeface="Open Sans"/>
               <a:cs typeface="Open Sans"/>
@@ -14451,9 +14891,9 @@
             </a:endParaRPr>
           </a:p>
           <a:p>
-            <a:pPr indent="0" lvl="0" marL="609600" marR="0" rtl="0" algn="l">
-              <a:lnSpc>
-                <a:spcPct val="150000"/>
+            <a:pPr indent="0" lvl="0" marL="406400" rtl="0" algn="l">
+              <a:lnSpc>
+                <a:spcPct val="115000"/>
               </a:lnSpc>
               <a:spcBef>
                 <a:spcPts val="0"/>
@@ -14466,7 +14906,7 @@
             <a:r>
               <a:t/>
             </a:r>
-            <a:endParaRPr i="1" sz="2400">
+            <a:endParaRPr sz="2400">
               <a:latin typeface="Open Sans"/>
               <a:ea typeface="Open Sans"/>
               <a:cs typeface="Open Sans"/>
@@ -14474,9 +14914,9 @@
             </a:endParaRPr>
           </a:p>
           <a:p>
-            <a:pPr indent="-358140" lvl="0" marL="457200" marR="0" rtl="0" algn="l">
-              <a:lnSpc>
-                <a:spcPct val="150000"/>
+            <a:pPr indent="-358140" lvl="0" marL="457200" rtl="0" algn="l">
+              <a:lnSpc>
+                <a:spcPct val="115000"/>
               </a:lnSpc>
               <a:spcBef>
                 <a:spcPts val="0"/>
@@ -14492,16 +14932,70 @@
               <a:buChar char="•"/>
             </a:pPr>
             <a:r>
-              <a:rPr i="1" lang="en-US" sz="2400" u="none" cap="none" strike="noStrike">
-                <a:solidFill>
-                  <a:schemeClr val="dk1"/>
-                </a:solidFill>
+              <a:rPr lang="en-US" sz="2400">
                 <a:latin typeface="Open Sans"/>
                 <a:ea typeface="Open Sans"/>
                 <a:cs typeface="Open Sans"/>
                 <a:sym typeface="Open Sans"/>
               </a:rPr>
-              <a:t>Como uma ditadura dá lugar a uma democracia?</a:t>
+              <a:t>Quais mecanismos informais as comunidades pobres do terceiro mundo criaram para exercer seu direito de propriedade?</a:t>
+            </a:r>
+            <a:endParaRPr sz="2400">
+              <a:latin typeface="Open Sans"/>
+              <a:ea typeface="Open Sans"/>
+              <a:cs typeface="Open Sans"/>
+              <a:sym typeface="Open Sans"/>
+            </a:endParaRPr>
+          </a:p>
+          <a:p>
+            <a:pPr indent="0" lvl="0" marL="406400" rtl="0" algn="l">
+              <a:lnSpc>
+                <a:spcPct val="115000"/>
+              </a:lnSpc>
+              <a:spcBef>
+                <a:spcPts val="0"/>
+              </a:spcBef>
+              <a:spcAft>
+                <a:spcPts val="0"/>
+              </a:spcAft>
+              <a:buNone/>
+            </a:pPr>
+            <a:r>
+              <a:t/>
+            </a:r>
+            <a:endParaRPr sz="2400">
+              <a:latin typeface="Open Sans"/>
+              <a:ea typeface="Open Sans"/>
+              <a:cs typeface="Open Sans"/>
+              <a:sym typeface="Open Sans"/>
+            </a:endParaRPr>
+          </a:p>
+          <a:p>
+            <a:pPr indent="-358140" lvl="0" marL="457200" rtl="0" algn="l">
+              <a:lnSpc>
+                <a:spcPct val="115000"/>
+              </a:lnSpc>
+              <a:spcBef>
+                <a:spcPts val="0"/>
+              </a:spcBef>
+              <a:spcAft>
+                <a:spcPts val="0"/>
+              </a:spcAft>
+              <a:buClr>
+                <a:schemeClr val="dk1"/>
+              </a:buClr>
+              <a:buSzPct val="100000"/>
+              <a:buFont typeface="Open Sans"/>
+              <a:buChar char="•"/>
+            </a:pPr>
+            <a:r>
+              <a:rPr lang="en-US" sz="2400">
+                <a:latin typeface="Open Sans"/>
+                <a:ea typeface="Open Sans"/>
+                <a:cs typeface="Open Sans"/>
+                <a:sym typeface="Open Sans"/>
+              </a:rPr>
+              <a:t>Publicado em 2000, grande repercussão mundial</a:t>
             </a:r>
             <a:endParaRPr>
               <a:latin typeface="Open Sans"/>
@@ -14528,8 +15022,8 @@
         </p:blipFill>
         <p:spPr>
           <a:xfrm>
-            <a:off x="152400" y="6080299"/>
-            <a:ext cx="2083148" cy="625301"/>
+            <a:off x="152400" y="6055824"/>
+            <a:ext cx="2164649" cy="649775"/>
           </a:xfrm>
           <a:prstGeom prst="rect">
             <a:avLst/>
@@ -14588,77 +15082,37 @@
         </p:spPr>
         <p:txBody>
           <a:bodyPr anchorCtr="0" anchor="ctr" bIns="91425" lIns="91425" spcFirstLastPara="1" rIns="91425" wrap="square" tIns="91425">
-            <a:normAutofit fontScale="90000"/>
+            <a:normAutofit/>
           </a:bodyPr>
           <a:lstStyle/>
           <a:p>
             <a:pPr indent="0" lvl="0" marL="0" marR="0" rtl="0" algn="ctr">
               <a:lnSpc>
-                <a:spcPct val="125000"/>
-              </a:lnSpc>
-              <a:spcBef>
-                <a:spcPts val="0"/>
-              </a:spcBef>
-              <a:spcAft>
-                <a:spcPts val="0"/>
-              </a:spcAft>
-              <a:buClr>
-                <a:srgbClr val="000000"/>
+                <a:spcPct val="100000"/>
+              </a:lnSpc>
+              <a:spcBef>
+                <a:spcPts val="0"/>
+              </a:spcBef>
+              <a:spcAft>
+                <a:spcPts val="0"/>
+              </a:spcAft>
+              <a:buClr>
+                <a:schemeClr val="dk1"/>
               </a:buClr>
               <a:buSzPts val="810"/>
-              <a:buFont typeface="Arial"/>
-              <a:buNone/>
-            </a:pPr>
-            <a:r>
-              <a:rPr b="1" i="0" lang="en-US" sz="3600" u="none" cap="none" strike="noStrike">
-                <a:solidFill>
-                  <a:schemeClr val="dk1"/>
-                </a:solidFill>
+              <a:buFont typeface="Calibri"/>
+              <a:buNone/>
+            </a:pPr>
+            <a:r>
+              <a:rPr b="1" lang="en-US" sz="2940">
                 <a:latin typeface="Open Sans"/>
                 <a:ea typeface="Open Sans"/>
                 <a:cs typeface="Open Sans"/>
                 <a:sym typeface="Open Sans"/>
               </a:rPr>
-              <a:t>Dictatorship, Democracy</a:t>
-            </a:r>
-            <a:endParaRPr>
-              <a:latin typeface="Open Sans"/>
-              <a:ea typeface="Open Sans"/>
-              <a:cs typeface="Open Sans"/>
-              <a:sym typeface="Open Sans"/>
-            </a:endParaRPr>
-          </a:p>
-          <a:p>
-            <a:pPr indent="0" lvl="0" marL="0" marR="0" rtl="0" algn="ctr">
-              <a:lnSpc>
-                <a:spcPct val="125000"/>
-              </a:lnSpc>
-              <a:spcBef>
-                <a:spcPts val="0"/>
-              </a:spcBef>
-              <a:spcAft>
-                <a:spcPts val="0"/>
-              </a:spcAft>
-              <a:buClr>
-                <a:srgbClr val="000000"/>
-              </a:buClr>
-              <a:buSzPts val="810"/>
-              <a:buFont typeface="Arial"/>
-              <a:buNone/>
-            </a:pPr>
-            <a:r>
-              <a:rPr b="1" i="0" lang="en-US" sz="3600" u="none" cap="none" strike="noStrike">
-                <a:solidFill>
-                  <a:schemeClr val="dk1"/>
-                </a:solidFill>
-                <a:latin typeface="Open Sans"/>
-                <a:ea typeface="Open Sans"/>
-                <a:cs typeface="Open Sans"/>
-                <a:sym typeface="Open Sans"/>
-              </a:rPr>
-              <a:t> and Development</a:t>
-            </a:r>
-            <a:endParaRPr>
+              <a:t>The Mystery of Capital: Contexto Histórico</a:t>
+            </a:r>
+            <a:endParaRPr sz="3659">
               <a:latin typeface="Open Sans"/>
               <a:ea typeface="Open Sans"/>
               <a:cs typeface="Open Sans"/>
@@ -14690,13 +15144,13 @@
         </p:spPr>
         <p:txBody>
           <a:bodyPr anchorCtr="0" anchor="t" bIns="91425" lIns="91425" spcFirstLastPara="1" rIns="91425" wrap="square" tIns="91425">
-            <a:normAutofit fontScale="70000" lnSpcReduction="20000"/>
+            <a:normAutofit fontScale="85000" lnSpcReduction="20000"/>
           </a:bodyPr>
           <a:lstStyle/>
           <a:p>
-            <a:pPr indent="-335280" lvl="0" marL="457200" marR="0" rtl="0" algn="l">
-              <a:lnSpc>
-                <a:spcPct val="150000"/>
+            <a:pPr indent="-358140" lvl="0" marL="457200" rtl="0" algn="l">
+              <a:lnSpc>
+                <a:spcPct val="115000"/>
               </a:lnSpc>
               <a:spcBef>
                 <a:spcPts val="0"/>
@@ -14712,42 +15166,13 @@
               <a:buChar char="•"/>
             </a:pPr>
             <a:r>
-              <a:rPr i="0" lang="en-US" sz="2400" u="none" cap="none" strike="noStrike">
-                <a:solidFill>
-                  <a:schemeClr val="dk1"/>
-                </a:solidFill>
+              <a:rPr lang="en-US" sz="2400">
                 <a:latin typeface="Open Sans"/>
                 <a:ea typeface="Open Sans"/>
                 <a:cs typeface="Open Sans"/>
                 <a:sym typeface="Open Sans"/>
               </a:rPr>
-              <a:t>Nenhuma sociedade funciona bem caso esteja em estado hobbesiano. Este é o primeiro pressuposto de Olson</a:t>
-            </a:r>
-            <a:endParaRPr i="0" sz="2400" u="none" cap="none" strike="noStrike">
-              <a:solidFill>
-                <a:schemeClr val="dk1"/>
-              </a:solidFill>
-              <a:latin typeface="Open Sans"/>
-              <a:ea typeface="Open Sans"/>
-              <a:cs typeface="Open Sans"/>
-              <a:sym typeface="Open Sans"/>
-            </a:endParaRPr>
-          </a:p>
-          <a:p>
-            <a:pPr indent="0" lvl="0" marL="609600" marR="0" rtl="0" algn="l">
-              <a:lnSpc>
-                <a:spcPct val="150000"/>
-              </a:lnSpc>
-              <a:spcBef>
-                <a:spcPts val="0"/>
-              </a:spcBef>
-              <a:spcAft>
-                <a:spcPts val="0"/>
-              </a:spcAft>
-              <a:buNone/>
-            </a:pPr>
-            <a:r>
-              <a:t/>
+              <a:t>O fim da Guerra Fria em 1989 trouxe grande esperança para a comunidade internacional, em especial para os países em transição para a economia de mercado</a:t>
             </a:r>
             <a:endParaRPr sz="2400">
               <a:latin typeface="Open Sans"/>
@@ -14757,49 +15182,9 @@
             </a:endParaRPr>
           </a:p>
           <a:p>
-            <a:pPr indent="-335280" lvl="0" marL="457200" marR="0" rtl="0" algn="l">
-              <a:lnSpc>
-                <a:spcPct val="150000"/>
-              </a:lnSpc>
-              <a:spcBef>
-                <a:spcPts val="0"/>
-              </a:spcBef>
-              <a:spcAft>
-                <a:spcPts val="0"/>
-              </a:spcAft>
-              <a:buClr>
-                <a:schemeClr val="dk1"/>
-              </a:buClr>
-              <a:buSzPct val="100000"/>
-              <a:buFont typeface="Open Sans"/>
-              <a:buChar char="•"/>
-            </a:pPr>
-            <a:r>
-              <a:rPr i="0" lang="en-US" sz="2400" u="none" cap="none" strike="noStrike">
-                <a:solidFill>
-                  <a:schemeClr val="dk1"/>
-                </a:solidFill>
-                <a:latin typeface="Open Sans"/>
-                <a:ea typeface="Open Sans"/>
-                <a:cs typeface="Open Sans"/>
-                <a:sym typeface="Open Sans"/>
-              </a:rPr>
-              <a:t>A competição anárquica, segundo o autor, leva ao estado de natureza que já descrevemos diversas vezes</a:t>
-            </a:r>
-            <a:endParaRPr i="0" sz="2400" u="none" cap="none" strike="noStrike">
-              <a:solidFill>
-                <a:schemeClr val="dk1"/>
-              </a:solidFill>
-              <a:latin typeface="Open Sans"/>
-              <a:ea typeface="Open Sans"/>
-              <a:cs typeface="Open Sans"/>
-              <a:sym typeface="Open Sans"/>
-            </a:endParaRPr>
-          </a:p>
-          <a:p>
-            <a:pPr indent="0" lvl="0" marL="609600" marR="0" rtl="0" algn="l">
-              <a:lnSpc>
-                <a:spcPct val="150000"/>
+            <a:pPr indent="0" lvl="0" marL="406400" rtl="0" algn="l">
+              <a:lnSpc>
+                <a:spcPct val="115000"/>
               </a:lnSpc>
               <a:spcBef>
                 <a:spcPts val="0"/>
@@ -14820,9 +15205,9 @@
             </a:endParaRPr>
           </a:p>
           <a:p>
-            <a:pPr indent="-335280" lvl="0" marL="457200" marR="0" rtl="0" algn="l">
-              <a:lnSpc>
-                <a:spcPct val="150000"/>
+            <a:pPr indent="-358140" lvl="0" marL="457200" rtl="0" algn="l">
+              <a:lnSpc>
+                <a:spcPct val="115000"/>
               </a:lnSpc>
               <a:spcBef>
                 <a:spcPts val="0"/>
@@ -14838,42 +15223,13 @@
               <a:buChar char="•"/>
             </a:pPr>
             <a:r>
-              <a:rPr i="0" lang="en-US" sz="2400" u="none" cap="none" strike="noStrike">
-                <a:solidFill>
-                  <a:schemeClr val="dk1"/>
-                </a:solidFill>
+              <a:rPr lang="en-US" sz="2400">
                 <a:latin typeface="Open Sans"/>
                 <a:ea typeface="Open Sans"/>
                 <a:cs typeface="Open Sans"/>
                 <a:sym typeface="Open Sans"/>
               </a:rPr>
-              <a:t>Mas qual seria então a saída? O contrato?</a:t>
-            </a:r>
-            <a:endParaRPr i="0" sz="2400" u="none" cap="none" strike="noStrike">
-              <a:solidFill>
-                <a:schemeClr val="dk1"/>
-              </a:solidFill>
-              <a:latin typeface="Open Sans"/>
-              <a:ea typeface="Open Sans"/>
-              <a:cs typeface="Open Sans"/>
-              <a:sym typeface="Open Sans"/>
-            </a:endParaRPr>
-          </a:p>
-          <a:p>
-            <a:pPr indent="0" lvl="0" marL="609600" marR="0" rtl="0" algn="l">
-              <a:lnSpc>
-                <a:spcPct val="150000"/>
-              </a:lnSpc>
-              <a:spcBef>
-                <a:spcPts val="0"/>
-              </a:spcBef>
-              <a:spcAft>
-                <a:spcPts val="0"/>
-              </a:spcAft>
-              <a:buNone/>
-            </a:pPr>
-            <a:r>
-              <a:t/>
+              <a:t>Forte crescimento econômico na gestão Bill Clinton</a:t>
             </a:r>
             <a:endParaRPr sz="2400">
               <a:latin typeface="Open Sans"/>
@@ -14883,49 +15239,9 @@
             </a:endParaRPr>
           </a:p>
           <a:p>
-            <a:pPr indent="-335280" lvl="0" marL="457200" marR="0" rtl="0" algn="l">
-              <a:lnSpc>
-                <a:spcPct val="150000"/>
-              </a:lnSpc>
-              <a:spcBef>
-                <a:spcPts val="0"/>
-              </a:spcBef>
-              <a:spcAft>
-                <a:spcPts val="0"/>
-              </a:spcAft>
-              <a:buClr>
-                <a:schemeClr val="dk1"/>
-              </a:buClr>
-              <a:buSzPct val="100000"/>
-              <a:buFont typeface="Open Sans"/>
-              <a:buChar char="•"/>
-            </a:pPr>
-            <a:r>
-              <a:rPr i="0" lang="en-US" sz="2400" u="none" cap="none" strike="noStrike">
-                <a:solidFill>
-                  <a:schemeClr val="dk1"/>
-                </a:solidFill>
-                <a:latin typeface="Open Sans"/>
-                <a:ea typeface="Open Sans"/>
-                <a:cs typeface="Open Sans"/>
-                <a:sym typeface="Open Sans"/>
-              </a:rPr>
-              <a:t>Olson então discute o quão válida seria a saída contratualista</a:t>
-            </a:r>
-            <a:endParaRPr i="0" sz="2400" u="none" cap="none" strike="noStrike">
-              <a:solidFill>
-                <a:schemeClr val="dk1"/>
-              </a:solidFill>
-              <a:latin typeface="Open Sans"/>
-              <a:ea typeface="Open Sans"/>
-              <a:cs typeface="Open Sans"/>
-              <a:sym typeface="Open Sans"/>
-            </a:endParaRPr>
-          </a:p>
-          <a:p>
-            <a:pPr indent="0" lvl="0" marL="609600" marR="0" rtl="0" algn="l">
-              <a:lnSpc>
-                <a:spcPct val="150000"/>
+            <a:pPr indent="0" lvl="0" marL="406400" rtl="0" algn="l">
+              <a:lnSpc>
+                <a:spcPct val="115000"/>
               </a:lnSpc>
               <a:spcBef>
                 <a:spcPts val="0"/>
@@ -14946,9 +15262,9 @@
             </a:endParaRPr>
           </a:p>
           <a:p>
-            <a:pPr indent="-335280" lvl="0" marL="457200" marR="0" rtl="0" algn="l">
-              <a:lnSpc>
-                <a:spcPct val="150000"/>
+            <a:pPr indent="-358140" lvl="0" marL="457200" rtl="0" algn="l">
+              <a:lnSpc>
+                <a:spcPct val="115000"/>
               </a:lnSpc>
               <a:spcBef>
                 <a:spcPts val="0"/>
@@ -14964,16 +15280,136 @@
               <a:buChar char="•"/>
             </a:pPr>
             <a:r>
-              <a:rPr i="0" lang="en-US" sz="2400" u="none" cap="none" strike="noStrike">
-                <a:solidFill>
-                  <a:schemeClr val="dk1"/>
-                </a:solidFill>
+              <a:rPr lang="en-US" sz="2400">
                 <a:latin typeface="Open Sans"/>
                 <a:ea typeface="Open Sans"/>
                 <a:cs typeface="Open Sans"/>
                 <a:sym typeface="Open Sans"/>
               </a:rPr>
-              <a:t>Enquanto ele pode funcionar bem nas sociedades pequenas, nas grandes ele parece inviável. Por qual motivo?</a:t>
+              <a:t>Expansão do comércio internacional com acordos da WTO</a:t>
+            </a:r>
+            <a:endParaRPr sz="2400">
+              <a:latin typeface="Open Sans"/>
+              <a:ea typeface="Open Sans"/>
+              <a:cs typeface="Open Sans"/>
+              <a:sym typeface="Open Sans"/>
+            </a:endParaRPr>
+          </a:p>
+          <a:p>
+            <a:pPr indent="0" lvl="0" marL="406400" rtl="0" algn="l">
+              <a:lnSpc>
+                <a:spcPct val="115000"/>
+              </a:lnSpc>
+              <a:spcBef>
+                <a:spcPts val="0"/>
+              </a:spcBef>
+              <a:spcAft>
+                <a:spcPts val="0"/>
+              </a:spcAft>
+              <a:buNone/>
+            </a:pPr>
+            <a:r>
+              <a:t/>
+            </a:r>
+            <a:endParaRPr sz="2400">
+              <a:latin typeface="Open Sans"/>
+              <a:ea typeface="Open Sans"/>
+              <a:cs typeface="Open Sans"/>
+              <a:sym typeface="Open Sans"/>
+            </a:endParaRPr>
+          </a:p>
+          <a:p>
+            <a:pPr indent="-358140" lvl="0" marL="457200" rtl="0" algn="l">
+              <a:lnSpc>
+                <a:spcPct val="115000"/>
+              </a:lnSpc>
+              <a:spcBef>
+                <a:spcPts val="0"/>
+              </a:spcBef>
+              <a:spcAft>
+                <a:spcPts val="0"/>
+              </a:spcAft>
+              <a:buClr>
+                <a:schemeClr val="dk1"/>
+              </a:buClr>
+              <a:buSzPct val="100000"/>
+              <a:buFont typeface="Open Sans"/>
+              <a:buChar char="•"/>
+            </a:pPr>
+            <a:r>
+              <a:rPr lang="en-US" sz="2400">
+                <a:latin typeface="Open Sans"/>
+                <a:ea typeface="Open Sans"/>
+                <a:cs typeface="Open Sans"/>
+                <a:sym typeface="Open Sans"/>
+              </a:rPr>
+              <a:t>Democratização na América Latina e no Leste Europeu, criação e expansão das áreas de liberdade comercial (Mercosul, União Europeia)</a:t>
+            </a:r>
+            <a:endParaRPr sz="2400">
+              <a:latin typeface="Open Sans"/>
+              <a:ea typeface="Open Sans"/>
+              <a:cs typeface="Open Sans"/>
+              <a:sym typeface="Open Sans"/>
+            </a:endParaRPr>
+          </a:p>
+          <a:p>
+            <a:pPr indent="0" lvl="0" marL="406400" rtl="0" algn="l">
+              <a:lnSpc>
+                <a:spcPct val="115000"/>
+              </a:lnSpc>
+              <a:spcBef>
+                <a:spcPts val="0"/>
+              </a:spcBef>
+              <a:spcAft>
+                <a:spcPts val="0"/>
+              </a:spcAft>
+              <a:buNone/>
+            </a:pPr>
+            <a:r>
+              <a:t/>
+            </a:r>
+            <a:endParaRPr sz="2400">
+              <a:latin typeface="Open Sans"/>
+              <a:ea typeface="Open Sans"/>
+              <a:cs typeface="Open Sans"/>
+              <a:sym typeface="Open Sans"/>
+            </a:endParaRPr>
+          </a:p>
+          <a:p>
+            <a:pPr indent="-358140" lvl="0" marL="457200" rtl="0" algn="l">
+              <a:lnSpc>
+                <a:spcPct val="115000"/>
+              </a:lnSpc>
+              <a:spcBef>
+                <a:spcPts val="0"/>
+              </a:spcBef>
+              <a:spcAft>
+                <a:spcPts val="0"/>
+              </a:spcAft>
+              <a:buClr>
+                <a:schemeClr val="dk1"/>
+              </a:buClr>
+              <a:buSzPct val="100000"/>
+              <a:buFont typeface="Open Sans"/>
+              <a:buChar char="•"/>
+            </a:pPr>
+            <a:r>
+              <a:rPr lang="en-US" sz="2400">
+                <a:latin typeface="Open Sans"/>
+                <a:ea typeface="Open Sans"/>
+                <a:cs typeface="Open Sans"/>
+                <a:sym typeface="Open Sans"/>
+              </a:rPr>
+              <a:t>Aumento considerável do fluxo de capitais nos </a:t>
+            </a:r>
+            <a:r>
+              <a:rPr i="1" lang="en-US" sz="2400">
+                <a:latin typeface="Open Sans"/>
+                <a:ea typeface="Open Sans"/>
+                <a:cs typeface="Open Sans"/>
+                <a:sym typeface="Open Sans"/>
+              </a:rPr>
+              <a:t>emerging markets</a:t>
             </a:r>
             <a:endParaRPr>
               <a:latin typeface="Open Sans"/>
@@ -15000,8 +15436,8 @@
         </p:blipFill>
         <p:spPr>
           <a:xfrm>
-            <a:off x="152400" y="6080299"/>
-            <a:ext cx="2083148" cy="625301"/>
+            <a:off x="152400" y="6055824"/>
+            <a:ext cx="2164649" cy="649775"/>
           </a:xfrm>
           <a:prstGeom prst="rect">
             <a:avLst/>
@@ -15066,69 +15502,29 @@
           <a:p>
             <a:pPr indent="0" lvl="0" marL="0" marR="0" rtl="0" algn="ctr">
               <a:lnSpc>
-                <a:spcPct val="125000"/>
-              </a:lnSpc>
-              <a:spcBef>
-                <a:spcPts val="0"/>
-              </a:spcBef>
-              <a:spcAft>
-                <a:spcPts val="0"/>
-              </a:spcAft>
-              <a:buClr>
-                <a:srgbClr val="000000"/>
+                <a:spcPct val="100000"/>
+              </a:lnSpc>
+              <a:spcBef>
+                <a:spcPts val="0"/>
+              </a:spcBef>
+              <a:spcAft>
+                <a:spcPts val="0"/>
+              </a:spcAft>
+              <a:buClr>
+                <a:schemeClr val="dk1"/>
               </a:buClr>
               <a:buSzPts val="810"/>
-              <a:buFont typeface="Arial"/>
-              <a:buNone/>
-            </a:pPr>
-            <a:r>
-              <a:rPr b="1" i="0" lang="en-US" sz="3600" u="none" cap="none" strike="noStrike">
-                <a:solidFill>
-                  <a:schemeClr val="dk1"/>
-                </a:solidFill>
+              <a:buFont typeface="Calibri"/>
+              <a:buNone/>
+            </a:pPr>
+            <a:r>
+              <a:rPr b="1" lang="en-US" sz="3600">
                 <a:latin typeface="Open Sans"/>
                 <a:ea typeface="Open Sans"/>
                 <a:cs typeface="Open Sans"/>
                 <a:sym typeface="Open Sans"/>
               </a:rPr>
-              <a:t>Dictatorship, Democracy</a:t>
-            </a:r>
-            <a:endParaRPr>
-              <a:latin typeface="Open Sans"/>
-              <a:ea typeface="Open Sans"/>
-              <a:cs typeface="Open Sans"/>
-              <a:sym typeface="Open Sans"/>
-            </a:endParaRPr>
-          </a:p>
-          <a:p>
-            <a:pPr indent="0" lvl="0" marL="0" marR="0" rtl="0" algn="ctr">
-              <a:lnSpc>
-                <a:spcPct val="125000"/>
-              </a:lnSpc>
-              <a:spcBef>
-                <a:spcPts val="0"/>
-              </a:spcBef>
-              <a:spcAft>
-                <a:spcPts val="0"/>
-              </a:spcAft>
-              <a:buClr>
-                <a:srgbClr val="000000"/>
-              </a:buClr>
-              <a:buSzPts val="810"/>
-              <a:buFont typeface="Arial"/>
-              <a:buNone/>
-            </a:pPr>
-            <a:r>
-              <a:rPr b="1" i="0" lang="en-US" sz="3600" u="none" cap="none" strike="noStrike">
-                <a:solidFill>
-                  <a:schemeClr val="dk1"/>
-                </a:solidFill>
-                <a:latin typeface="Open Sans"/>
-                <a:ea typeface="Open Sans"/>
-                <a:cs typeface="Open Sans"/>
-                <a:sym typeface="Open Sans"/>
-              </a:rPr>
-              <a:t> and Development</a:t>
+              <a:t>The Mystery of Capital: Contexto Histórico</a:t>
             </a:r>
             <a:endParaRPr>
               <a:latin typeface="Open Sans"/>
@@ -15162,13 +15558,13 @@
         </p:spPr>
         <p:txBody>
           <a:bodyPr anchorCtr="0" anchor="t" bIns="91425" lIns="91425" spcFirstLastPara="1" rIns="91425" wrap="square" tIns="91425">
-            <a:normAutofit fontScale="85000" lnSpcReduction="20000"/>
+            <a:normAutofit fontScale="70000" lnSpcReduction="20000"/>
           </a:bodyPr>
           <a:lstStyle/>
           <a:p>
-            <a:pPr indent="-358140" lvl="0" marL="457200" marR="0" rtl="0" algn="l">
-              <a:lnSpc>
-                <a:spcPct val="150000"/>
+            <a:pPr indent="-335280" lvl="0" marL="457200" rtl="0" algn="l">
+              <a:lnSpc>
+                <a:spcPct val="115000"/>
               </a:lnSpc>
               <a:spcBef>
                 <a:spcPts val="0"/>
@@ -15184,42 +15580,13 @@
               <a:buChar char="•"/>
             </a:pPr>
             <a:r>
-              <a:rPr i="0" lang="en-US" sz="2400" u="none" cap="none" strike="noStrike">
-                <a:solidFill>
-                  <a:schemeClr val="dk1"/>
-                </a:solidFill>
+              <a:rPr lang="en-US" sz="2400">
                 <a:latin typeface="Open Sans"/>
                 <a:ea typeface="Open Sans"/>
                 <a:cs typeface="Open Sans"/>
                 <a:sym typeface="Open Sans"/>
               </a:rPr>
-              <a:t>Os acordos auto-regulados, segundo Olson, só funcionam em comunidades menores pois os benefícios são maiores do que os custos</a:t>
-            </a:r>
-            <a:endParaRPr i="0" sz="2400" u="none" cap="none" strike="noStrike">
-              <a:solidFill>
-                <a:schemeClr val="dk1"/>
-              </a:solidFill>
-              <a:latin typeface="Open Sans"/>
-              <a:ea typeface="Open Sans"/>
-              <a:cs typeface="Open Sans"/>
-              <a:sym typeface="Open Sans"/>
-            </a:endParaRPr>
-          </a:p>
-          <a:p>
-            <a:pPr indent="0" lvl="0" marL="609600" marR="0" rtl="0" algn="l">
-              <a:lnSpc>
-                <a:spcPct val="150000"/>
-              </a:lnSpc>
-              <a:spcBef>
-                <a:spcPts val="0"/>
-              </a:spcBef>
-              <a:spcAft>
-                <a:spcPts val="0"/>
-              </a:spcAft>
-              <a:buNone/>
-            </a:pPr>
-            <a:r>
-              <a:t/>
+              <a:t>O final da década de 1990 e o começo dos anos 2000 trouxe uma onda de descontamento com o novo capitalismo global</a:t>
             </a:r>
             <a:endParaRPr sz="2400">
               <a:latin typeface="Open Sans"/>
@@ -15229,49 +15596,9 @@
             </a:endParaRPr>
           </a:p>
           <a:p>
-            <a:pPr indent="-358140" lvl="0" marL="457200" marR="0" rtl="0" algn="l">
-              <a:lnSpc>
-                <a:spcPct val="150000"/>
-              </a:lnSpc>
-              <a:spcBef>
-                <a:spcPts val="0"/>
-              </a:spcBef>
-              <a:spcAft>
-                <a:spcPts val="0"/>
-              </a:spcAft>
-              <a:buClr>
-                <a:schemeClr val="dk1"/>
-              </a:buClr>
-              <a:buSzPct val="100000"/>
-              <a:buFont typeface="Open Sans"/>
-              <a:buChar char="•"/>
-            </a:pPr>
-            <a:r>
-              <a:rPr i="0" lang="en-US" sz="2400" u="none" cap="none" strike="noStrike">
-                <a:solidFill>
-                  <a:schemeClr val="dk1"/>
-                </a:solidFill>
-                <a:latin typeface="Open Sans"/>
-                <a:ea typeface="Open Sans"/>
-                <a:cs typeface="Open Sans"/>
-                <a:sym typeface="Open Sans"/>
-              </a:rPr>
-              <a:t>Já em sociedades diversas, cada indivíduo sacrifica muito de sua liberdade para ter benefícios pequenos, e ele/ela poderia facilmente adotar estratégias de dilema do prisioneiro e prejudicar seus vizinhos</a:t>
-            </a:r>
-            <a:endParaRPr i="0" sz="2400" u="none" cap="none" strike="noStrike">
-              <a:solidFill>
-                <a:schemeClr val="dk1"/>
-              </a:solidFill>
-              <a:latin typeface="Open Sans"/>
-              <a:ea typeface="Open Sans"/>
-              <a:cs typeface="Open Sans"/>
-              <a:sym typeface="Open Sans"/>
-            </a:endParaRPr>
-          </a:p>
-          <a:p>
-            <a:pPr indent="0" lvl="0" marL="609600" marR="0" rtl="0" algn="l">
-              <a:lnSpc>
-                <a:spcPct val="150000"/>
+            <a:pPr indent="0" lvl="0" marL="406400" rtl="0" algn="l">
+              <a:lnSpc>
+                <a:spcPct val="115000"/>
               </a:lnSpc>
               <a:spcBef>
                 <a:spcPts val="0"/>
@@ -15292,9 +15619,9 @@
             </a:endParaRPr>
           </a:p>
           <a:p>
-            <a:pPr indent="-358140" lvl="0" marL="457200" marR="0" rtl="0" algn="l">
-              <a:lnSpc>
-                <a:spcPct val="150000"/>
+            <a:pPr indent="-335280" lvl="0" marL="457200" rtl="0" algn="l">
+              <a:lnSpc>
+                <a:spcPct val="115000"/>
               </a:lnSpc>
               <a:spcBef>
                 <a:spcPts val="0"/>
@@ -15310,28 +15637,325 @@
               <a:buChar char="•"/>
             </a:pPr>
             <a:r>
-              <a:rPr i="0" lang="en-US" sz="2400" u="none" cap="none" strike="noStrike">
-                <a:solidFill>
-                  <a:schemeClr val="dk1"/>
-                </a:solidFill>
+              <a:rPr lang="en-US" sz="2400">
                 <a:latin typeface="Open Sans"/>
                 <a:ea typeface="Open Sans"/>
                 <a:cs typeface="Open Sans"/>
                 <a:sym typeface="Open Sans"/>
               </a:rPr>
-              <a:t>Assim, Olson </a:t>
-            </a:r>
-            <a:r>
-              <a:rPr i="1" lang="en-US" sz="2400" u="none" cap="none" strike="noStrike">
-                <a:solidFill>
-                  <a:schemeClr val="dk1"/>
-                </a:solidFill>
+              <a:t>A crise mexicana afeta seriamente a América Latina</a:t>
+            </a:r>
+            <a:endParaRPr sz="2400">
+              <a:latin typeface="Open Sans"/>
+              <a:ea typeface="Open Sans"/>
+              <a:cs typeface="Open Sans"/>
+              <a:sym typeface="Open Sans"/>
+            </a:endParaRPr>
+          </a:p>
+          <a:p>
+            <a:pPr indent="0" lvl="0" marL="406400" rtl="0" algn="l">
+              <a:lnSpc>
+                <a:spcPct val="115000"/>
+              </a:lnSpc>
+              <a:spcBef>
+                <a:spcPts val="0"/>
+              </a:spcBef>
+              <a:spcAft>
+                <a:spcPts val="0"/>
+              </a:spcAft>
+              <a:buNone/>
+            </a:pPr>
+            <a:r>
+              <a:t/>
+            </a:r>
+            <a:endParaRPr sz="2400">
+              <a:latin typeface="Open Sans"/>
+              <a:ea typeface="Open Sans"/>
+              <a:cs typeface="Open Sans"/>
+              <a:sym typeface="Open Sans"/>
+            </a:endParaRPr>
+          </a:p>
+          <a:p>
+            <a:pPr indent="-335280" lvl="0" marL="457200" rtl="0" algn="l">
+              <a:lnSpc>
+                <a:spcPct val="115000"/>
+              </a:lnSpc>
+              <a:spcBef>
+                <a:spcPts val="0"/>
+              </a:spcBef>
+              <a:spcAft>
+                <a:spcPts val="0"/>
+              </a:spcAft>
+              <a:buClr>
+                <a:schemeClr val="dk1"/>
+              </a:buClr>
+              <a:buSzPct val="100000"/>
+              <a:buFont typeface="Open Sans"/>
+              <a:buChar char="•"/>
+            </a:pPr>
+            <a:r>
+              <a:rPr lang="en-US" sz="2400">
                 <a:latin typeface="Open Sans"/>
                 <a:ea typeface="Open Sans"/>
                 <a:cs typeface="Open Sans"/>
                 <a:sym typeface="Open Sans"/>
               </a:rPr>
-              <a:t>não acredita que o estado nasce pela vontade</a:t>
+              <a:t>Sobe o apoio para governos de esquerda em toda a região, descontentes com o “Consenso de Washington”</a:t>
+            </a:r>
+            <a:endParaRPr sz="2400">
+              <a:latin typeface="Open Sans"/>
+              <a:ea typeface="Open Sans"/>
+              <a:cs typeface="Open Sans"/>
+              <a:sym typeface="Open Sans"/>
+            </a:endParaRPr>
+          </a:p>
+          <a:p>
+            <a:pPr indent="0" lvl="0" marL="406400" rtl="0" algn="l">
+              <a:lnSpc>
+                <a:spcPct val="115000"/>
+              </a:lnSpc>
+              <a:spcBef>
+                <a:spcPts val="0"/>
+              </a:spcBef>
+              <a:spcAft>
+                <a:spcPts val="0"/>
+              </a:spcAft>
+              <a:buNone/>
+            </a:pPr>
+            <a:r>
+              <a:t/>
+            </a:r>
+            <a:endParaRPr sz="2400">
+              <a:latin typeface="Open Sans"/>
+              <a:ea typeface="Open Sans"/>
+              <a:cs typeface="Open Sans"/>
+              <a:sym typeface="Open Sans"/>
+            </a:endParaRPr>
+          </a:p>
+          <a:p>
+            <a:pPr indent="-335280" lvl="0" marL="457200" rtl="0" algn="l">
+              <a:lnSpc>
+                <a:spcPct val="115000"/>
+              </a:lnSpc>
+              <a:spcBef>
+                <a:spcPts val="0"/>
+              </a:spcBef>
+              <a:spcAft>
+                <a:spcPts val="0"/>
+              </a:spcAft>
+              <a:buClr>
+                <a:schemeClr val="dk1"/>
+              </a:buClr>
+              <a:buSzPct val="100000"/>
+              <a:buFont typeface="Open Sans"/>
+              <a:buChar char="•"/>
+            </a:pPr>
+            <a:r>
+              <a:rPr lang="en-US" sz="2400">
+                <a:latin typeface="Open Sans"/>
+                <a:ea typeface="Open Sans"/>
+                <a:cs typeface="Open Sans"/>
+                <a:sym typeface="Open Sans"/>
+              </a:rPr>
+              <a:t>Nos EUA, houve o estouro da bolha das empresas </a:t>
+            </a:r>
+            <a:r>
+              <a:rPr i="1" lang="en-US" sz="2400">
+                <a:latin typeface="Open Sans"/>
+                <a:ea typeface="Open Sans"/>
+                <a:cs typeface="Open Sans"/>
+                <a:sym typeface="Open Sans"/>
+              </a:rPr>
+              <a:t>dotcom</a:t>
+            </a:r>
+            <a:endParaRPr i="1" sz="2400">
+              <a:latin typeface="Open Sans"/>
+              <a:ea typeface="Open Sans"/>
+              <a:cs typeface="Open Sans"/>
+              <a:sym typeface="Open Sans"/>
+            </a:endParaRPr>
+          </a:p>
+          <a:p>
+            <a:pPr indent="0" lvl="0" marL="406400" rtl="0" algn="l">
+              <a:lnSpc>
+                <a:spcPct val="115000"/>
+              </a:lnSpc>
+              <a:spcBef>
+                <a:spcPts val="0"/>
+              </a:spcBef>
+              <a:spcAft>
+                <a:spcPts val="0"/>
+              </a:spcAft>
+              <a:buNone/>
+            </a:pPr>
+            <a:r>
+              <a:t/>
+            </a:r>
+            <a:endParaRPr i="1" sz="2400">
+              <a:latin typeface="Open Sans"/>
+              <a:ea typeface="Open Sans"/>
+              <a:cs typeface="Open Sans"/>
+              <a:sym typeface="Open Sans"/>
+            </a:endParaRPr>
+          </a:p>
+          <a:p>
+            <a:pPr indent="-335280" lvl="0" marL="457200" rtl="0" algn="l">
+              <a:lnSpc>
+                <a:spcPct val="115000"/>
+              </a:lnSpc>
+              <a:spcBef>
+                <a:spcPts val="0"/>
+              </a:spcBef>
+              <a:spcAft>
+                <a:spcPts val="0"/>
+              </a:spcAft>
+              <a:buClr>
+                <a:schemeClr val="dk1"/>
+              </a:buClr>
+              <a:buSzPct val="100000"/>
+              <a:buFont typeface="Open Sans"/>
+              <a:buChar char="•"/>
+            </a:pPr>
+            <a:r>
+              <a:rPr lang="en-US" sz="2400">
+                <a:latin typeface="Open Sans"/>
+                <a:ea typeface="Open Sans"/>
+                <a:cs typeface="Open Sans"/>
+                <a:sym typeface="Open Sans"/>
+              </a:rPr>
+              <a:t>Rússia entra em grave crise financeira em 1998</a:t>
+            </a:r>
+            <a:endParaRPr sz="2400">
+              <a:latin typeface="Open Sans"/>
+              <a:ea typeface="Open Sans"/>
+              <a:cs typeface="Open Sans"/>
+              <a:sym typeface="Open Sans"/>
+            </a:endParaRPr>
+          </a:p>
+          <a:p>
+            <a:pPr indent="0" lvl="0" marL="406400" rtl="0" algn="l">
+              <a:lnSpc>
+                <a:spcPct val="115000"/>
+              </a:lnSpc>
+              <a:spcBef>
+                <a:spcPts val="0"/>
+              </a:spcBef>
+              <a:spcAft>
+                <a:spcPts val="0"/>
+              </a:spcAft>
+              <a:buNone/>
+            </a:pPr>
+            <a:r>
+              <a:t/>
+            </a:r>
+            <a:endParaRPr sz="2400">
+              <a:latin typeface="Open Sans"/>
+              <a:ea typeface="Open Sans"/>
+              <a:cs typeface="Open Sans"/>
+              <a:sym typeface="Open Sans"/>
+            </a:endParaRPr>
+          </a:p>
+          <a:p>
+            <a:pPr indent="-335280" lvl="0" marL="457200" rtl="0" algn="l">
+              <a:lnSpc>
+                <a:spcPct val="115000"/>
+              </a:lnSpc>
+              <a:spcBef>
+                <a:spcPts val="0"/>
+              </a:spcBef>
+              <a:spcAft>
+                <a:spcPts val="0"/>
+              </a:spcAft>
+              <a:buClr>
+                <a:schemeClr val="dk1"/>
+              </a:buClr>
+              <a:buSzPct val="100000"/>
+              <a:buFont typeface="Open Sans"/>
+              <a:buChar char="•"/>
+            </a:pPr>
+            <a:r>
+              <a:rPr lang="en-US" sz="2400">
+                <a:latin typeface="Open Sans"/>
+                <a:ea typeface="Open Sans"/>
+                <a:cs typeface="Open Sans"/>
+                <a:sym typeface="Open Sans"/>
+              </a:rPr>
+              <a:t>A crise asiática afeta os </a:t>
+            </a:r>
+            <a:r>
+              <a:rPr i="1" lang="en-US" sz="2400">
+                <a:latin typeface="Open Sans"/>
+                <a:ea typeface="Open Sans"/>
+                <a:cs typeface="Open Sans"/>
+                <a:sym typeface="Open Sans"/>
+              </a:rPr>
+              <a:t>New Asian Tigers</a:t>
+            </a:r>
+            <a:r>
+              <a:rPr lang="en-US" sz="2400">
+                <a:latin typeface="Open Sans"/>
+                <a:ea typeface="Open Sans"/>
+                <a:cs typeface="Open Sans"/>
+                <a:sym typeface="Open Sans"/>
+              </a:rPr>
+              <a:t> em 1997</a:t>
+            </a:r>
+            <a:endParaRPr sz="2400">
+              <a:latin typeface="Open Sans"/>
+              <a:ea typeface="Open Sans"/>
+              <a:cs typeface="Open Sans"/>
+              <a:sym typeface="Open Sans"/>
+            </a:endParaRPr>
+          </a:p>
+          <a:p>
+            <a:pPr indent="0" lvl="0" marL="406400" rtl="0" algn="l">
+              <a:lnSpc>
+                <a:spcPct val="115000"/>
+              </a:lnSpc>
+              <a:spcBef>
+                <a:spcPts val="0"/>
+              </a:spcBef>
+              <a:spcAft>
+                <a:spcPts val="0"/>
+              </a:spcAft>
+              <a:buNone/>
+            </a:pPr>
+            <a:r>
+              <a:t/>
+            </a:r>
+            <a:endParaRPr sz="2400">
+              <a:latin typeface="Open Sans"/>
+              <a:ea typeface="Open Sans"/>
+              <a:cs typeface="Open Sans"/>
+              <a:sym typeface="Open Sans"/>
+            </a:endParaRPr>
+          </a:p>
+          <a:p>
+            <a:pPr indent="-335280" lvl="0" marL="457200" rtl="0" algn="l">
+              <a:lnSpc>
+                <a:spcPct val="115000"/>
+              </a:lnSpc>
+              <a:spcBef>
+                <a:spcPts val="0"/>
+              </a:spcBef>
+              <a:spcAft>
+                <a:spcPts val="0"/>
+              </a:spcAft>
+              <a:buClr>
+                <a:schemeClr val="dk1"/>
+              </a:buClr>
+              <a:buSzPct val="100000"/>
+              <a:buFont typeface="Open Sans"/>
+              <a:buChar char="•"/>
+            </a:pPr>
+            <a:r>
+              <a:rPr lang="en-US" sz="2400">
+                <a:latin typeface="Open Sans"/>
+                <a:ea typeface="Open Sans"/>
+                <a:cs typeface="Open Sans"/>
+                <a:sym typeface="Open Sans"/>
+              </a:rPr>
+              <a:t>Como defender a economia de mercado e reduzir a pobreza se as soluções liberais aparentemente não dão resultado?</a:t>
             </a:r>
             <a:endParaRPr>
               <a:latin typeface="Open Sans"/>
@@ -15358,8 +15982,8 @@
         </p:blipFill>
         <p:spPr>
           <a:xfrm>
-            <a:off x="152400" y="6080299"/>
-            <a:ext cx="2083148" cy="625301"/>
+            <a:off x="152400" y="6055824"/>
+            <a:ext cx="2164649" cy="649775"/>
           </a:xfrm>
           <a:prstGeom prst="rect">
             <a:avLst/>
@@ -15418,75 +16042,35 @@
         </p:spPr>
         <p:txBody>
           <a:bodyPr anchorCtr="0" anchor="ctr" bIns="91425" lIns="91425" spcFirstLastPara="1" rIns="91425" wrap="square" tIns="91425">
-            <a:normAutofit fontScale="90000"/>
+            <a:normAutofit/>
           </a:bodyPr>
           <a:lstStyle/>
           <a:p>
             <a:pPr indent="0" lvl="0" marL="0" marR="0" rtl="0" algn="ctr">
               <a:lnSpc>
-                <a:spcPct val="125000"/>
-              </a:lnSpc>
-              <a:spcBef>
-                <a:spcPts val="0"/>
-              </a:spcBef>
-              <a:spcAft>
-                <a:spcPts val="0"/>
-              </a:spcAft>
-              <a:buClr>
-                <a:srgbClr val="000000"/>
-              </a:buClr>
-              <a:buSzPts val="810"/>
-              <a:buFont typeface="Arial"/>
-              <a:buNone/>
-            </a:pPr>
-            <a:r>
-              <a:rPr b="1" i="0" lang="en-US" sz="3600" u="none" cap="none" strike="noStrike">
-                <a:solidFill>
-                  <a:schemeClr val="dk1"/>
-                </a:solidFill>
+                <a:spcPct val="100000"/>
+              </a:lnSpc>
+              <a:spcBef>
+                <a:spcPts val="0"/>
+              </a:spcBef>
+              <a:spcAft>
+                <a:spcPts val="0"/>
+              </a:spcAft>
+              <a:buClr>
+                <a:schemeClr val="dk1"/>
+              </a:buClr>
+              <a:buSzPts val="900"/>
+              <a:buFont typeface="Calibri"/>
+              <a:buNone/>
+            </a:pPr>
+            <a:r>
+              <a:rPr b="1" lang="en-US" sz="3600">
                 <a:latin typeface="Open Sans"/>
                 <a:ea typeface="Open Sans"/>
                 <a:cs typeface="Open Sans"/>
                 <a:sym typeface="Open Sans"/>
               </a:rPr>
-              <a:t>Dictatorship, Democracy</a:t>
-            </a:r>
-            <a:endParaRPr>
-              <a:latin typeface="Open Sans"/>
-              <a:ea typeface="Open Sans"/>
-              <a:cs typeface="Open Sans"/>
-              <a:sym typeface="Open Sans"/>
-            </a:endParaRPr>
-          </a:p>
-          <a:p>
-            <a:pPr indent="0" lvl="0" marL="0" marR="0" rtl="0" algn="ctr">
-              <a:lnSpc>
-                <a:spcPct val="125000"/>
-              </a:lnSpc>
-              <a:spcBef>
-                <a:spcPts val="0"/>
-              </a:spcBef>
-              <a:spcAft>
-                <a:spcPts val="0"/>
-              </a:spcAft>
-              <a:buClr>
-                <a:srgbClr val="000000"/>
-              </a:buClr>
-              <a:buSzPts val="810"/>
-              <a:buFont typeface="Arial"/>
-              <a:buNone/>
-            </a:pPr>
-            <a:r>
-              <a:rPr b="1" i="0" lang="en-US" sz="3600" u="none" cap="none" strike="noStrike">
-                <a:solidFill>
-                  <a:schemeClr val="dk1"/>
-                </a:solidFill>
-                <a:latin typeface="Open Sans"/>
-                <a:ea typeface="Open Sans"/>
-                <a:cs typeface="Open Sans"/>
-                <a:sym typeface="Open Sans"/>
-              </a:rPr>
-              <a:t> and Development</a:t>
+              <a:t>The Mystery of Capital</a:t>
             </a:r>
             <a:endParaRPr>
               <a:latin typeface="Open Sans"/>
@@ -15520,13 +16104,13 @@
         </p:spPr>
         <p:txBody>
           <a:bodyPr anchorCtr="0" anchor="t" bIns="91425" lIns="91425" spcFirstLastPara="1" rIns="91425" wrap="square" tIns="91425">
-            <a:normAutofit fontScale="77500" lnSpcReduction="10000"/>
+            <a:normAutofit fontScale="85000" lnSpcReduction="20000"/>
           </a:bodyPr>
           <a:lstStyle/>
           <a:p>
-            <a:pPr indent="-346710" lvl="0" marL="457200" marR="0" rtl="0" algn="l">
-              <a:lnSpc>
-                <a:spcPct val="150000"/>
+            <a:pPr indent="-358140" lvl="0" marL="457200" rtl="0" algn="l">
+              <a:lnSpc>
+                <a:spcPct val="115000"/>
               </a:lnSpc>
               <a:spcBef>
                 <a:spcPts val="0"/>
@@ -15542,54 +16126,22 @@
               <a:buChar char="•"/>
             </a:pPr>
             <a:r>
-              <a:rPr i="0" lang="en-US" sz="2400" u="none" cap="none" strike="noStrike">
-                <a:solidFill>
-                  <a:schemeClr val="dk1"/>
-                </a:solidFill>
+              <a:rPr lang="en-US" sz="2400">
                 <a:latin typeface="Open Sans"/>
                 <a:ea typeface="Open Sans"/>
                 <a:cs typeface="Open Sans"/>
                 <a:sym typeface="Open Sans"/>
               </a:rPr>
-              <a:t>Olson então traça sua mais famosa distinção teórica: </a:t>
-            </a:r>
-            <a:r>
-              <a:rPr i="1" lang="en-US" sz="2400" u="none" cap="none" strike="noStrike">
-                <a:solidFill>
-                  <a:schemeClr val="dk1"/>
-                </a:solidFill>
+              <a:t>Hernando de Soto afirma que as cidades do Terceiro Mundo estão carregadas de </a:t>
+            </a:r>
+            <a:r>
+              <a:rPr i="1" lang="en-US" sz="2400">
                 <a:latin typeface="Open Sans"/>
                 <a:ea typeface="Open Sans"/>
                 <a:cs typeface="Open Sans"/>
                 <a:sym typeface="Open Sans"/>
               </a:rPr>
-              <a:t>roving bandit versus stationary bandit</a:t>
-            </a:r>
-            <a:endParaRPr i="1" sz="2400" u="none" cap="none" strike="noStrike">
-              <a:solidFill>
-                <a:schemeClr val="dk1"/>
-              </a:solidFill>
-              <a:latin typeface="Open Sans"/>
-              <a:ea typeface="Open Sans"/>
-              <a:cs typeface="Open Sans"/>
-              <a:sym typeface="Open Sans"/>
-            </a:endParaRPr>
-          </a:p>
-          <a:p>
-            <a:pPr indent="0" lvl="0" marL="609600" marR="0" rtl="0" algn="l">
-              <a:lnSpc>
-                <a:spcPct val="150000"/>
-              </a:lnSpc>
-              <a:spcBef>
-                <a:spcPts val="0"/>
-              </a:spcBef>
-              <a:spcAft>
-                <a:spcPts val="0"/>
-              </a:spcAft>
-              <a:buNone/>
-            </a:pPr>
-            <a:r>
-              <a:t/>
+              <a:t>empreendedores</a:t>
             </a:r>
             <a:endParaRPr i="1" sz="2400">
               <a:latin typeface="Open Sans"/>
@@ -15599,9 +16151,32 @@
             </a:endParaRPr>
           </a:p>
           <a:p>
-            <a:pPr indent="-346710" lvl="0" marL="457200" marR="0" rtl="0" algn="l">
-              <a:lnSpc>
-                <a:spcPct val="150000"/>
+            <a:pPr indent="0" lvl="0" marL="406400" rtl="0" algn="l">
+              <a:lnSpc>
+                <a:spcPct val="115000"/>
+              </a:lnSpc>
+              <a:spcBef>
+                <a:spcPts val="0"/>
+              </a:spcBef>
+              <a:spcAft>
+                <a:spcPts val="0"/>
+              </a:spcAft>
+              <a:buNone/>
+            </a:pPr>
+            <a:r>
+              <a:t/>
+            </a:r>
+            <a:endParaRPr i="1" sz="2400">
+              <a:latin typeface="Open Sans"/>
+              <a:ea typeface="Open Sans"/>
+              <a:cs typeface="Open Sans"/>
+              <a:sym typeface="Open Sans"/>
+            </a:endParaRPr>
+          </a:p>
+          <a:p>
+            <a:pPr indent="-358140" lvl="0" marL="457200" rtl="0" algn="l">
+              <a:lnSpc>
+                <a:spcPct val="115000"/>
               </a:lnSpc>
               <a:spcBef>
                 <a:spcPts val="0"/>
@@ -15617,33 +16192,42 @@
               <a:buChar char="•"/>
             </a:pPr>
             <a:r>
-              <a:rPr i="1" lang="en-US" sz="2400" u="none" cap="none" strike="noStrike">
-                <a:solidFill>
-                  <a:schemeClr val="dk1"/>
-                </a:solidFill>
+              <a:rPr lang="en-US" sz="2400">
                 <a:latin typeface="Open Sans"/>
                 <a:ea typeface="Open Sans"/>
                 <a:cs typeface="Open Sans"/>
                 <a:sym typeface="Open Sans"/>
               </a:rPr>
-              <a:t>Roving bandits</a:t>
-            </a:r>
-            <a:r>
-              <a:rPr i="0" lang="en-US" sz="2400" u="none" cap="none" strike="noStrike">
-                <a:solidFill>
-                  <a:schemeClr val="dk1"/>
-                </a:solidFill>
+              <a:t>É preciso </a:t>
+            </a:r>
+            <a:r>
+              <a:rPr i="1" lang="en-US" sz="2400">
                 <a:latin typeface="Open Sans"/>
                 <a:ea typeface="Open Sans"/>
                 <a:cs typeface="Open Sans"/>
                 <a:sym typeface="Open Sans"/>
               </a:rPr>
-              <a:t> são bandidos que saqueiam comunidades aleatoriamente, indo de uma para a outra</a:t>
-            </a:r>
-            <a:endParaRPr i="0" sz="2400" u="none" cap="none" strike="noStrike">
-              <a:solidFill>
-                <a:schemeClr val="dk1"/>
-              </a:solidFill>
+              <a:t>liberar</a:t>
+            </a:r>
+            <a:r>
+              <a:rPr lang="en-US" sz="2400">
+                <a:latin typeface="Open Sans"/>
+                <a:ea typeface="Open Sans"/>
+                <a:cs typeface="Open Sans"/>
+                <a:sym typeface="Open Sans"/>
+              </a:rPr>
+              <a:t> o potencial dos pobres nos países em desenvolvimento, parar de tratá-los como um problema e entendê-los </a:t>
+            </a:r>
+            <a:r>
+              <a:rPr i="1" lang="en-US" sz="2400">
+                <a:latin typeface="Open Sans"/>
+                <a:ea typeface="Open Sans"/>
+                <a:cs typeface="Open Sans"/>
+                <a:sym typeface="Open Sans"/>
+              </a:rPr>
+              <a:t>como um asset</a:t>
+            </a:r>
+            <a:endParaRPr i="1" sz="2400">
               <a:latin typeface="Open Sans"/>
               <a:ea typeface="Open Sans"/>
               <a:cs typeface="Open Sans"/>
@@ -15651,9 +16235,9 @@
             </a:endParaRPr>
           </a:p>
           <a:p>
-            <a:pPr indent="0" lvl="0" marL="609600" marR="0" rtl="0" algn="l">
-              <a:lnSpc>
-                <a:spcPct val="150000"/>
+            <a:pPr indent="0" lvl="0" marL="406400" rtl="0" algn="l">
+              <a:lnSpc>
+                <a:spcPct val="115000"/>
               </a:lnSpc>
               <a:spcBef>
                 <a:spcPts val="0"/>
@@ -15665,6 +16249,58 @@
             </a:pPr>
             <a:r>
               <a:t/>
+            </a:r>
+            <a:endParaRPr i="1" sz="2400">
+              <a:latin typeface="Open Sans"/>
+              <a:ea typeface="Open Sans"/>
+              <a:cs typeface="Open Sans"/>
+              <a:sym typeface="Open Sans"/>
+            </a:endParaRPr>
+          </a:p>
+          <a:p>
+            <a:pPr indent="-358140" lvl="0" marL="457200" rtl="0" algn="l">
+              <a:lnSpc>
+                <a:spcPct val="115000"/>
+              </a:lnSpc>
+              <a:spcBef>
+                <a:spcPts val="0"/>
+              </a:spcBef>
+              <a:spcAft>
+                <a:spcPts val="0"/>
+              </a:spcAft>
+              <a:buClr>
+                <a:schemeClr val="dk1"/>
+              </a:buClr>
+              <a:buSzPct val="100000"/>
+              <a:buFont typeface="Open Sans"/>
+              <a:buChar char="•"/>
+            </a:pPr>
+            <a:r>
+              <a:rPr lang="en-US" sz="2400">
+                <a:latin typeface="Open Sans"/>
+                <a:ea typeface="Open Sans"/>
+                <a:cs typeface="Open Sans"/>
+                <a:sym typeface="Open Sans"/>
+              </a:rPr>
+              <a:t>A poupança e o capital que os pobres </a:t>
+            </a:r>
+            <a:r>
+              <a:rPr i="1" lang="en-US" sz="2400">
+                <a:latin typeface="Open Sans"/>
+                <a:ea typeface="Open Sans"/>
+                <a:cs typeface="Open Sans"/>
+                <a:sym typeface="Open Sans"/>
+              </a:rPr>
+              <a:t>já</a:t>
+            </a:r>
+            <a:r>
+              <a:rPr lang="en-US" sz="2400">
+                <a:latin typeface="Open Sans"/>
+                <a:ea typeface="Open Sans"/>
+                <a:cs typeface="Open Sans"/>
+                <a:sym typeface="Open Sans"/>
+              </a:rPr>
+              <a:t> possuem são imensamente maiores e mais relevantes do que toda a ajuda internacional dada a estes países</a:t>
             </a:r>
             <a:endParaRPr sz="2400">
               <a:latin typeface="Open Sans"/>
@@ -15674,9 +16310,32 @@
             </a:endParaRPr>
           </a:p>
           <a:p>
-            <a:pPr indent="-346710" lvl="0" marL="457200" marR="0" rtl="0" algn="l">
-              <a:lnSpc>
-                <a:spcPct val="150000"/>
+            <a:pPr indent="0" lvl="0" marL="406400" rtl="0" algn="l">
+              <a:lnSpc>
+                <a:spcPct val="115000"/>
+              </a:lnSpc>
+              <a:spcBef>
+                <a:spcPts val="0"/>
+              </a:spcBef>
+              <a:spcAft>
+                <a:spcPts val="0"/>
+              </a:spcAft>
+              <a:buNone/>
+            </a:pPr>
+            <a:r>
+              <a:t/>
+            </a:r>
+            <a:endParaRPr sz="2400">
+              <a:latin typeface="Open Sans"/>
+              <a:ea typeface="Open Sans"/>
+              <a:cs typeface="Open Sans"/>
+              <a:sym typeface="Open Sans"/>
+            </a:endParaRPr>
+          </a:p>
+          <a:p>
+            <a:pPr indent="-358140" lvl="0" marL="457200" rtl="0" algn="l">
+              <a:lnSpc>
+                <a:spcPct val="115000"/>
               </a:lnSpc>
               <a:spcBef>
                 <a:spcPts val="0"/>
@@ -15692,151 +16351,31 @@
               <a:buChar char="•"/>
             </a:pPr>
             <a:r>
-              <a:rPr i="1" lang="en-US" sz="2400" u="none" cap="none" strike="noStrike">
-                <a:solidFill>
-                  <a:schemeClr val="dk1"/>
-                </a:solidFill>
+              <a:rPr lang="en-US" sz="2400">
                 <a:latin typeface="Open Sans"/>
                 <a:ea typeface="Open Sans"/>
                 <a:cs typeface="Open Sans"/>
                 <a:sym typeface="Open Sans"/>
               </a:rPr>
-              <a:t>Stationary bandits</a:t>
-            </a:r>
-            <a:r>
-              <a:rPr i="0" lang="en-US" sz="2400" u="none" cap="none" strike="noStrike">
-                <a:solidFill>
-                  <a:schemeClr val="dk1"/>
-                </a:solidFill>
+              <a:t>Exemplo: os pobres no Haiti possuem assets que são </a:t>
+            </a:r>
+            <a:r>
+              <a:rPr i="1" lang="en-US" sz="2400">
                 <a:latin typeface="Open Sans"/>
                 <a:ea typeface="Open Sans"/>
                 <a:cs typeface="Open Sans"/>
                 <a:sym typeface="Open Sans"/>
               </a:rPr>
-              <a:t> são aqueles que se instalam em uma comunidade e dela extraem renda permanente, como um </a:t>
-            </a:r>
-            <a:r>
-              <a:rPr i="1" lang="en-US" sz="2400" u="none" cap="none" strike="noStrike">
-                <a:solidFill>
-                  <a:schemeClr val="dk1"/>
-                </a:solidFill>
+              <a:t>150 vezes maiores</a:t>
+            </a:r>
+            <a:r>
+              <a:rPr lang="en-US" sz="2400">
                 <a:latin typeface="Open Sans"/>
                 <a:ea typeface="Open Sans"/>
                 <a:cs typeface="Open Sans"/>
                 <a:sym typeface="Open Sans"/>
               </a:rPr>
-              <a:t>warlord</a:t>
-            </a:r>
-            <a:endParaRPr i="1" sz="2400" u="none" cap="none" strike="noStrike">
-              <a:solidFill>
-                <a:schemeClr val="dk1"/>
-              </a:solidFill>
-              <a:latin typeface="Open Sans"/>
-              <a:ea typeface="Open Sans"/>
-              <a:cs typeface="Open Sans"/>
-              <a:sym typeface="Open Sans"/>
-            </a:endParaRPr>
-          </a:p>
-          <a:p>
-            <a:pPr indent="0" lvl="0" marL="609600" marR="0" rtl="0" algn="l">
-              <a:lnSpc>
-                <a:spcPct val="150000"/>
-              </a:lnSpc>
-              <a:spcBef>
-                <a:spcPts val="0"/>
-              </a:spcBef>
-              <a:spcAft>
-                <a:spcPts val="0"/>
-              </a:spcAft>
-              <a:buNone/>
-            </a:pPr>
-            <a:r>
-              <a:t/>
-            </a:r>
-            <a:endParaRPr i="1" sz="2400">
-              <a:latin typeface="Open Sans"/>
-              <a:ea typeface="Open Sans"/>
-              <a:cs typeface="Open Sans"/>
-              <a:sym typeface="Open Sans"/>
-            </a:endParaRPr>
-          </a:p>
-          <a:p>
-            <a:pPr indent="-346710" lvl="0" marL="457200" marR="0" rtl="0" algn="l">
-              <a:lnSpc>
-                <a:spcPct val="150000"/>
-              </a:lnSpc>
-              <a:spcBef>
-                <a:spcPts val="0"/>
-              </a:spcBef>
-              <a:spcAft>
-                <a:spcPts val="0"/>
-              </a:spcAft>
-              <a:buClr>
-                <a:schemeClr val="dk1"/>
-              </a:buClr>
-              <a:buSzPct val="100000"/>
-              <a:buFont typeface="Open Sans"/>
-              <a:buChar char="•"/>
-            </a:pPr>
-            <a:r>
-              <a:rPr i="0" lang="en-US" sz="2400" u="none" cap="none" strike="noStrike">
-                <a:solidFill>
-                  <a:schemeClr val="dk1"/>
-                </a:solidFill>
-                <a:latin typeface="Open Sans"/>
-                <a:ea typeface="Open Sans"/>
-                <a:cs typeface="Open Sans"/>
-                <a:sym typeface="Open Sans"/>
-              </a:rPr>
-              <a:t>Seriam </a:t>
-            </a:r>
-            <a:r>
-              <a:rPr i="1" lang="en-US" sz="2400" u="none" cap="none" strike="noStrike">
-                <a:solidFill>
-                  <a:schemeClr val="dk1"/>
-                </a:solidFill>
-                <a:latin typeface="Open Sans"/>
-                <a:ea typeface="Open Sans"/>
-                <a:cs typeface="Open Sans"/>
-                <a:sym typeface="Open Sans"/>
-              </a:rPr>
-              <a:t>stationary bandits </a:t>
-            </a:r>
-            <a:r>
-              <a:rPr i="0" lang="en-US" sz="2400" u="none" cap="none" strike="noStrike">
-                <a:solidFill>
-                  <a:schemeClr val="dk1"/>
-                </a:solidFill>
-                <a:latin typeface="Open Sans"/>
-                <a:ea typeface="Open Sans"/>
-                <a:cs typeface="Open Sans"/>
-                <a:sym typeface="Open Sans"/>
-              </a:rPr>
-              <a:t>melhores do que </a:t>
-            </a:r>
-            <a:r>
-              <a:rPr i="1" lang="en-US" sz="2400" u="none" cap="none" strike="noStrike">
-                <a:solidFill>
-                  <a:schemeClr val="dk1"/>
-                </a:solidFill>
-                <a:latin typeface="Open Sans"/>
-                <a:ea typeface="Open Sans"/>
-                <a:cs typeface="Open Sans"/>
-                <a:sym typeface="Open Sans"/>
-              </a:rPr>
-              <a:t>roving bandits</a:t>
-            </a:r>
-            <a:r>
-              <a:rPr i="0" lang="en-US" sz="2400" u="none" cap="none" strike="noStrike">
-                <a:solidFill>
-                  <a:schemeClr val="dk1"/>
-                </a:solidFill>
-                <a:latin typeface="Open Sans"/>
-                <a:ea typeface="Open Sans"/>
-                <a:cs typeface="Open Sans"/>
-                <a:sym typeface="Open Sans"/>
-              </a:rPr>
-              <a:t>? </a:t>
+              <a:t> do que toda a assistência recebida do exterior</a:t>
             </a:r>
             <a:endParaRPr>
               <a:latin typeface="Open Sans"/>
@@ -15863,8 +16402,8 @@
         </p:blipFill>
         <p:spPr>
           <a:xfrm>
-            <a:off x="152400" y="6080299"/>
-            <a:ext cx="2083148" cy="625301"/>
+            <a:off x="152400" y="6055824"/>
+            <a:ext cx="2164649" cy="649775"/>
           </a:xfrm>
           <a:prstGeom prst="rect">
             <a:avLst/>
@@ -15923,75 +16462,35 @@
         </p:spPr>
         <p:txBody>
           <a:bodyPr anchorCtr="0" anchor="ctr" bIns="91425" lIns="91425" spcFirstLastPara="1" rIns="91425" wrap="square" tIns="91425">
-            <a:normAutofit fontScale="90000"/>
+            <a:normAutofit/>
           </a:bodyPr>
           <a:lstStyle/>
           <a:p>
             <a:pPr indent="0" lvl="0" marL="0" marR="0" rtl="0" algn="ctr">
               <a:lnSpc>
-                <a:spcPct val="125000"/>
-              </a:lnSpc>
-              <a:spcBef>
-                <a:spcPts val="0"/>
-              </a:spcBef>
-              <a:spcAft>
-                <a:spcPts val="0"/>
-              </a:spcAft>
-              <a:buClr>
-                <a:srgbClr val="000000"/>
-              </a:buClr>
-              <a:buSzPts val="810"/>
-              <a:buFont typeface="Arial"/>
-              <a:buNone/>
-            </a:pPr>
-            <a:r>
-              <a:rPr b="1" i="0" lang="en-US" sz="3600" u="none" cap="none" strike="noStrike">
-                <a:solidFill>
-                  <a:schemeClr val="dk1"/>
-                </a:solidFill>
+                <a:spcPct val="100000"/>
+              </a:lnSpc>
+              <a:spcBef>
+                <a:spcPts val="0"/>
+              </a:spcBef>
+              <a:spcAft>
+                <a:spcPts val="0"/>
+              </a:spcAft>
+              <a:buClr>
+                <a:schemeClr val="dk1"/>
+              </a:buClr>
+              <a:buSzPts val="900"/>
+              <a:buFont typeface="Calibri"/>
+              <a:buNone/>
+            </a:pPr>
+            <a:r>
+              <a:rPr b="1" lang="en-US" sz="3600">
                 <a:latin typeface="Open Sans"/>
                 <a:ea typeface="Open Sans"/>
                 <a:cs typeface="Open Sans"/>
                 <a:sym typeface="Open Sans"/>
               </a:rPr>
-              <a:t>Dictatorship, Democracy</a:t>
-            </a:r>
-            <a:endParaRPr>
-              <a:latin typeface="Open Sans"/>
-              <a:ea typeface="Open Sans"/>
-              <a:cs typeface="Open Sans"/>
-              <a:sym typeface="Open Sans"/>
-            </a:endParaRPr>
-          </a:p>
-          <a:p>
-            <a:pPr indent="0" lvl="0" marL="0" marR="0" rtl="0" algn="ctr">
-              <a:lnSpc>
-                <a:spcPct val="125000"/>
-              </a:lnSpc>
-              <a:spcBef>
-                <a:spcPts val="0"/>
-              </a:spcBef>
-              <a:spcAft>
-                <a:spcPts val="0"/>
-              </a:spcAft>
-              <a:buClr>
-                <a:srgbClr val="000000"/>
-              </a:buClr>
-              <a:buSzPts val="810"/>
-              <a:buFont typeface="Arial"/>
-              <a:buNone/>
-            </a:pPr>
-            <a:r>
-              <a:rPr b="1" i="0" lang="en-US" sz="3600" u="none" cap="none" strike="noStrike">
-                <a:solidFill>
-                  <a:schemeClr val="dk1"/>
-                </a:solidFill>
-                <a:latin typeface="Open Sans"/>
-                <a:ea typeface="Open Sans"/>
-                <a:cs typeface="Open Sans"/>
-                <a:sym typeface="Open Sans"/>
-              </a:rPr>
-              <a:t> and Development</a:t>
+              <a:t>The Mystery of Capital</a:t>
             </a:r>
             <a:endParaRPr>
               <a:latin typeface="Open Sans"/>
@@ -16029,9 +16528,9 @@
           </a:bodyPr>
           <a:lstStyle/>
           <a:p>
-            <a:pPr indent="-358140" lvl="0" marL="457200" marR="0" rtl="0" algn="l">
-              <a:lnSpc>
-                <a:spcPct val="150000"/>
+            <a:pPr indent="-358140" lvl="0" marL="457200" rtl="0" algn="l">
+              <a:lnSpc>
+                <a:spcPct val="115000"/>
               </a:lnSpc>
               <a:spcBef>
                 <a:spcPts val="0"/>
@@ -16047,90 +16546,13 @@
               <a:buChar char="•"/>
             </a:pPr>
             <a:r>
-              <a:rPr i="0" lang="en-US" sz="2400" u="none" cap="none" strike="noStrike">
-                <a:solidFill>
-                  <a:schemeClr val="dk1"/>
-                </a:solidFill>
+              <a:rPr lang="en-US" sz="2400">
                 <a:latin typeface="Open Sans"/>
                 <a:ea typeface="Open Sans"/>
                 <a:cs typeface="Open Sans"/>
                 <a:sym typeface="Open Sans"/>
               </a:rPr>
-              <a:t>Para Olson, </a:t>
-            </a:r>
-            <a:r>
-              <a:rPr i="1" lang="en-US" sz="2400" u="none" cap="none" strike="noStrike">
-                <a:solidFill>
-                  <a:schemeClr val="dk1"/>
-                </a:solidFill>
-                <a:latin typeface="Open Sans"/>
-                <a:ea typeface="Open Sans"/>
-                <a:cs typeface="Open Sans"/>
-                <a:sym typeface="Open Sans"/>
-              </a:rPr>
-              <a:t>sim</a:t>
-            </a:r>
-            <a:r>
-              <a:rPr i="0" lang="en-US" sz="2400" u="none" cap="none" strike="noStrike">
-                <a:solidFill>
-                  <a:schemeClr val="dk1"/>
-                </a:solidFill>
-                <a:latin typeface="Open Sans"/>
-                <a:ea typeface="Open Sans"/>
-                <a:cs typeface="Open Sans"/>
-                <a:sym typeface="Open Sans"/>
-              </a:rPr>
-              <a:t>, </a:t>
-            </a:r>
-            <a:r>
-              <a:rPr i="1" lang="en-US" sz="2400" u="none" cap="none" strike="noStrike">
-                <a:solidFill>
-                  <a:schemeClr val="dk1"/>
-                </a:solidFill>
-                <a:latin typeface="Open Sans"/>
-                <a:ea typeface="Open Sans"/>
-                <a:cs typeface="Open Sans"/>
-                <a:sym typeface="Open Sans"/>
-              </a:rPr>
-              <a:t>stationary bandits</a:t>
-            </a:r>
-            <a:r>
-              <a:rPr i="0" lang="en-US" sz="2400" u="none" cap="none" strike="noStrike">
-                <a:solidFill>
-                  <a:schemeClr val="dk1"/>
-                </a:solidFill>
-                <a:latin typeface="Open Sans"/>
-                <a:ea typeface="Open Sans"/>
-                <a:cs typeface="Open Sans"/>
-                <a:sym typeface="Open Sans"/>
-              </a:rPr>
-              <a:t> são melhores</a:t>
-            </a:r>
-            <a:endParaRPr i="0" sz="2400" u="none" cap="none" strike="noStrike">
-              <a:solidFill>
-                <a:schemeClr val="dk1"/>
-              </a:solidFill>
-              <a:latin typeface="Open Sans"/>
-              <a:ea typeface="Open Sans"/>
-              <a:cs typeface="Open Sans"/>
-              <a:sym typeface="Open Sans"/>
-            </a:endParaRPr>
-          </a:p>
-          <a:p>
-            <a:pPr indent="0" lvl="0" marL="609600" marR="0" rtl="0" algn="l">
-              <a:lnSpc>
-                <a:spcPct val="150000"/>
-              </a:lnSpc>
-              <a:spcBef>
-                <a:spcPts val="0"/>
-              </a:spcBef>
-              <a:spcAft>
-                <a:spcPts val="0"/>
-              </a:spcAft>
-              <a:buNone/>
-            </a:pPr>
-            <a:r>
-              <a:t/>
+              <a:t>Problema: não é fácil para os pobres mobilizarem este capital a seu favor</a:t>
             </a:r>
             <a:endParaRPr sz="2400">
               <a:latin typeface="Open Sans"/>
@@ -16140,61 +16562,9 @@
             </a:endParaRPr>
           </a:p>
           <a:p>
-            <a:pPr indent="-358140" lvl="0" marL="457200" marR="0" rtl="0" algn="l">
-              <a:lnSpc>
-                <a:spcPct val="150000"/>
-              </a:lnSpc>
-              <a:spcBef>
-                <a:spcPts val="0"/>
-              </a:spcBef>
-              <a:spcAft>
-                <a:spcPts val="0"/>
-              </a:spcAft>
-              <a:buClr>
-                <a:schemeClr val="dk1"/>
-              </a:buClr>
-              <a:buSzPct val="100000"/>
-              <a:buFont typeface="Open Sans"/>
-              <a:buChar char="•"/>
-            </a:pPr>
-            <a:r>
-              <a:rPr i="1" lang="en-US" sz="2400" u="none" cap="none" strike="noStrike">
-                <a:solidFill>
-                  <a:schemeClr val="dk1"/>
-                </a:solidFill>
-                <a:latin typeface="Open Sans"/>
-                <a:ea typeface="Open Sans"/>
-                <a:cs typeface="Open Sans"/>
-                <a:sym typeface="Open Sans"/>
-              </a:rPr>
-              <a:t>Stationary bandits</a:t>
-            </a:r>
-            <a:r>
-              <a:rPr i="0" lang="en-US" sz="2400" u="none" cap="none" strike="noStrike">
-                <a:solidFill>
-                  <a:schemeClr val="dk1"/>
-                </a:solidFill>
-                <a:latin typeface="Open Sans"/>
-                <a:ea typeface="Open Sans"/>
-                <a:cs typeface="Open Sans"/>
-                <a:sym typeface="Open Sans"/>
-              </a:rPr>
-              <a:t> têm interesse em estimular o crescimento da economia local no longo prazo pois assim seu patrimônio total aumentaria</a:t>
-            </a:r>
-            <a:endParaRPr i="0" sz="2400" u="none" cap="none" strike="noStrike">
-              <a:solidFill>
-                <a:schemeClr val="dk1"/>
-              </a:solidFill>
-              <a:latin typeface="Open Sans"/>
-              <a:ea typeface="Open Sans"/>
-              <a:cs typeface="Open Sans"/>
-              <a:sym typeface="Open Sans"/>
-            </a:endParaRPr>
-          </a:p>
-          <a:p>
-            <a:pPr indent="0" lvl="0" marL="609600" marR="0" rtl="0" algn="l">
-              <a:lnSpc>
-                <a:spcPct val="150000"/>
+            <a:pPr indent="0" lvl="0" marL="406400" rtl="0" algn="l">
+              <a:lnSpc>
+                <a:spcPct val="115000"/>
               </a:lnSpc>
               <a:spcBef>
                 <a:spcPts val="0"/>
@@ -16215,9 +16585,9 @@
             </a:endParaRPr>
           </a:p>
           <a:p>
-            <a:pPr indent="-358140" lvl="0" marL="457200" marR="0" rtl="0" algn="l">
-              <a:lnSpc>
-                <a:spcPct val="150000"/>
+            <a:pPr indent="-358140" lvl="0" marL="457200" rtl="0" algn="l">
+              <a:lnSpc>
+                <a:spcPct val="115000"/>
               </a:lnSpc>
               <a:spcBef>
                 <a:spcPts val="0"/>
@@ -16233,40 +16603,136 @@
               <a:buChar char="•"/>
             </a:pPr>
             <a:r>
-              <a:rPr i="0" lang="en-US" sz="2400" u="none" cap="none" strike="noStrike">
-                <a:solidFill>
-                  <a:schemeClr val="dk1"/>
-                </a:solidFill>
+              <a:rPr lang="en-US" sz="2400">
                 <a:latin typeface="Open Sans"/>
                 <a:ea typeface="Open Sans"/>
                 <a:cs typeface="Open Sans"/>
                 <a:sym typeface="Open Sans"/>
               </a:rPr>
-              <a:t>Já </a:t>
-            </a:r>
-            <a:r>
-              <a:rPr i="1" lang="en-US" sz="2400" u="none" cap="none" strike="noStrike">
-                <a:solidFill>
-                  <a:schemeClr val="dk1"/>
-                </a:solidFill>
+              <a:t>E por que não? </a:t>
+            </a:r>
+            <a:endParaRPr sz="2400">
+              <a:latin typeface="Open Sans"/>
+              <a:ea typeface="Open Sans"/>
+              <a:cs typeface="Open Sans"/>
+              <a:sym typeface="Open Sans"/>
+            </a:endParaRPr>
+          </a:p>
+          <a:p>
+            <a:pPr indent="0" lvl="0" marL="406400" rtl="0" algn="l">
+              <a:lnSpc>
+                <a:spcPct val="115000"/>
+              </a:lnSpc>
+              <a:spcBef>
+                <a:spcPts val="0"/>
+              </a:spcBef>
+              <a:spcAft>
+                <a:spcPts val="0"/>
+              </a:spcAft>
+              <a:buNone/>
+            </a:pPr>
+            <a:r>
+              <a:t/>
+            </a:r>
+            <a:endParaRPr sz="2400">
+              <a:latin typeface="Open Sans"/>
+              <a:ea typeface="Open Sans"/>
+              <a:cs typeface="Open Sans"/>
+              <a:sym typeface="Open Sans"/>
+            </a:endParaRPr>
+          </a:p>
+          <a:p>
+            <a:pPr indent="-358140" lvl="0" marL="457200" rtl="0" algn="l">
+              <a:lnSpc>
+                <a:spcPct val="115000"/>
+              </a:lnSpc>
+              <a:spcBef>
+                <a:spcPts val="0"/>
+              </a:spcBef>
+              <a:spcAft>
+                <a:spcPts val="0"/>
+              </a:spcAft>
+              <a:buClr>
+                <a:schemeClr val="dk1"/>
+              </a:buClr>
+              <a:buSzPct val="100000"/>
+              <a:buFont typeface="Open Sans"/>
+              <a:buChar char="•"/>
+            </a:pPr>
+            <a:r>
+              <a:rPr lang="en-US" sz="2400">
                 <a:latin typeface="Open Sans"/>
                 <a:ea typeface="Open Sans"/>
                 <a:cs typeface="Open Sans"/>
                 <a:sym typeface="Open Sans"/>
               </a:rPr>
-              <a:t>roving bandits </a:t>
-            </a:r>
-            <a:r>
-              <a:rPr i="0" lang="en-US" sz="2400" u="none" cap="none" strike="noStrike">
-                <a:solidFill>
-                  <a:schemeClr val="dk1"/>
-                </a:solidFill>
+              <a:t>Para De Soto, a grande diferença entre os países ricos do Ocidente e o Terceiro Mundo é </a:t>
+            </a:r>
+            <a:r>
+              <a:rPr i="1" lang="en-US" sz="2400">
                 <a:latin typeface="Open Sans"/>
                 <a:ea typeface="Open Sans"/>
                 <a:cs typeface="Open Sans"/>
                 <a:sym typeface="Open Sans"/>
               </a:rPr>
-              <a:t>acabam por dar incentivos contrários à população: sabendo que sua renda será em breve apropriada pelos saqueadores, um indivíduo racional não teria incentivo para produzir acima da subsistência</a:t>
+              <a:t>a segurança do direito de propriedade</a:t>
+            </a:r>
+            <a:endParaRPr i="1" sz="2400">
+              <a:latin typeface="Open Sans"/>
+              <a:ea typeface="Open Sans"/>
+              <a:cs typeface="Open Sans"/>
+              <a:sym typeface="Open Sans"/>
+            </a:endParaRPr>
+          </a:p>
+          <a:p>
+            <a:pPr indent="0" lvl="0" marL="406400" rtl="0" algn="l">
+              <a:lnSpc>
+                <a:spcPct val="115000"/>
+              </a:lnSpc>
+              <a:spcBef>
+                <a:spcPts val="0"/>
+              </a:spcBef>
+              <a:spcAft>
+                <a:spcPts val="0"/>
+              </a:spcAft>
+              <a:buNone/>
+            </a:pPr>
+            <a:r>
+              <a:t/>
+            </a:r>
+            <a:endParaRPr i="1" sz="2400">
+              <a:latin typeface="Open Sans"/>
+              <a:ea typeface="Open Sans"/>
+              <a:cs typeface="Open Sans"/>
+              <a:sym typeface="Open Sans"/>
+            </a:endParaRPr>
+          </a:p>
+          <a:p>
+            <a:pPr indent="-358140" lvl="0" marL="457200" rtl="0" algn="l">
+              <a:lnSpc>
+                <a:spcPct val="115000"/>
+              </a:lnSpc>
+              <a:spcBef>
+                <a:spcPts val="0"/>
+              </a:spcBef>
+              <a:spcAft>
+                <a:spcPts val="0"/>
+              </a:spcAft>
+              <a:buClr>
+                <a:schemeClr val="dk1"/>
+              </a:buClr>
+              <a:buSzPct val="100000"/>
+              <a:buFont typeface="Open Sans"/>
+              <a:buChar char="•"/>
+            </a:pPr>
+            <a:r>
+              <a:rPr lang="en-US" sz="2400">
+                <a:latin typeface="Open Sans"/>
+                <a:ea typeface="Open Sans"/>
+                <a:cs typeface="Open Sans"/>
+                <a:sym typeface="Open Sans"/>
+              </a:rPr>
+              <a:t>Enquanto nos EUA a primeira fonte de um pequeno empreendedor é a hipoteca de sua casa ou o contrato de seu imóvel, os pobres estão impossibilitados de fazer o mesmo pois sua terra raramente é regularizada</a:t>
             </a:r>
             <a:endParaRPr>
               <a:latin typeface="Open Sans"/>
@@ -16293,8 +16759,8 @@
         </p:blipFill>
         <p:spPr>
           <a:xfrm>
-            <a:off x="152400" y="6080299"/>
-            <a:ext cx="2083148" cy="625301"/>
+            <a:off x="152400" y="6055824"/>
+            <a:ext cx="2164649" cy="649775"/>
           </a:xfrm>
           <a:prstGeom prst="rect">
             <a:avLst/>
@@ -16353,75 +16819,35 @@
         </p:spPr>
         <p:txBody>
           <a:bodyPr anchorCtr="0" anchor="ctr" bIns="91425" lIns="91425" spcFirstLastPara="1" rIns="91425" wrap="square" tIns="91425">
-            <a:normAutofit fontScale="90000"/>
+            <a:normAutofit/>
           </a:bodyPr>
           <a:lstStyle/>
           <a:p>
             <a:pPr indent="0" lvl="0" marL="0" marR="0" rtl="0" algn="ctr">
               <a:lnSpc>
-                <a:spcPct val="125000"/>
-              </a:lnSpc>
-              <a:spcBef>
-                <a:spcPts val="0"/>
-              </a:spcBef>
-              <a:spcAft>
-                <a:spcPts val="0"/>
-              </a:spcAft>
-              <a:buClr>
-                <a:srgbClr val="000000"/>
-              </a:buClr>
-              <a:buSzPts val="810"/>
-              <a:buFont typeface="Arial"/>
-              <a:buNone/>
-            </a:pPr>
-            <a:r>
-              <a:rPr b="1" i="0" lang="en-US" sz="3600" u="none" cap="none" strike="noStrike">
-                <a:solidFill>
-                  <a:schemeClr val="dk1"/>
-                </a:solidFill>
+                <a:spcPct val="100000"/>
+              </a:lnSpc>
+              <a:spcBef>
+                <a:spcPts val="0"/>
+              </a:spcBef>
+              <a:spcAft>
+                <a:spcPts val="0"/>
+              </a:spcAft>
+              <a:buClr>
+                <a:schemeClr val="dk1"/>
+              </a:buClr>
+              <a:buSzPts val="900"/>
+              <a:buFont typeface="Calibri"/>
+              <a:buNone/>
+            </a:pPr>
+            <a:r>
+              <a:rPr b="1" lang="en-US" sz="3600">
                 <a:latin typeface="Open Sans"/>
                 <a:ea typeface="Open Sans"/>
                 <a:cs typeface="Open Sans"/>
                 <a:sym typeface="Open Sans"/>
               </a:rPr>
-              <a:t>Dictatorship, Democracy</a:t>
-            </a:r>
-            <a:endParaRPr>
-              <a:latin typeface="Open Sans"/>
-              <a:ea typeface="Open Sans"/>
-              <a:cs typeface="Open Sans"/>
-              <a:sym typeface="Open Sans"/>
-            </a:endParaRPr>
-          </a:p>
-          <a:p>
-            <a:pPr indent="0" lvl="0" marL="0" marR="0" rtl="0" algn="ctr">
-              <a:lnSpc>
-                <a:spcPct val="125000"/>
-              </a:lnSpc>
-              <a:spcBef>
-                <a:spcPts val="0"/>
-              </a:spcBef>
-              <a:spcAft>
-                <a:spcPts val="0"/>
-              </a:spcAft>
-              <a:buClr>
-                <a:srgbClr val="000000"/>
-              </a:buClr>
-              <a:buSzPts val="810"/>
-              <a:buFont typeface="Arial"/>
-              <a:buNone/>
-            </a:pPr>
-            <a:r>
-              <a:rPr b="1" i="0" lang="en-US" sz="3600" u="none" cap="none" strike="noStrike">
-                <a:solidFill>
-                  <a:schemeClr val="dk1"/>
-                </a:solidFill>
-                <a:latin typeface="Open Sans"/>
-                <a:ea typeface="Open Sans"/>
-                <a:cs typeface="Open Sans"/>
-                <a:sym typeface="Open Sans"/>
-              </a:rPr>
-              <a:t> and Development</a:t>
+              <a:t>The Mystery of Capital</a:t>
             </a:r>
             <a:endParaRPr>
               <a:latin typeface="Open Sans"/>
@@ -16459,9 +16885,9 @@
           </a:bodyPr>
           <a:lstStyle/>
           <a:p>
-            <a:pPr indent="-358140" lvl="0" marL="457200" marR="0" rtl="0" algn="l">
-              <a:lnSpc>
-                <a:spcPct val="150000"/>
+            <a:pPr indent="-358140" lvl="0" marL="457200" rtl="0" algn="l">
+              <a:lnSpc>
+                <a:spcPct val="115000"/>
               </a:lnSpc>
               <a:spcBef>
                 <a:spcPts val="0"/>
@@ -16477,90 +16903,70 @@
               <a:buChar char="•"/>
             </a:pPr>
             <a:r>
-              <a:rPr i="0" lang="en-US" sz="2400" u="none" cap="none" strike="noStrike">
-                <a:solidFill>
-                  <a:schemeClr val="dk1"/>
-                </a:solidFill>
+              <a:rPr i="1" lang="en-US" sz="2400">
                 <a:latin typeface="Open Sans"/>
                 <a:ea typeface="Open Sans"/>
                 <a:cs typeface="Open Sans"/>
                 <a:sym typeface="Open Sans"/>
               </a:rPr>
-              <a:t>Em troca de rendas maiores, o </a:t>
-            </a:r>
-            <a:r>
-              <a:rPr i="1" lang="en-US" sz="2400" u="none" cap="none" strike="noStrike">
-                <a:solidFill>
-                  <a:schemeClr val="dk1"/>
-                </a:solidFill>
+              <a:t>Os pobres têm coisas: mas eles não têm a posse legal das coisas para criar capital</a:t>
+            </a:r>
+            <a:endParaRPr i="1" sz="2400">
+              <a:latin typeface="Open Sans"/>
+              <a:ea typeface="Open Sans"/>
+              <a:cs typeface="Open Sans"/>
+              <a:sym typeface="Open Sans"/>
+            </a:endParaRPr>
+          </a:p>
+          <a:p>
+            <a:pPr indent="0" lvl="0" marL="406400" rtl="0" algn="l">
+              <a:lnSpc>
+                <a:spcPct val="115000"/>
+              </a:lnSpc>
+              <a:spcBef>
+                <a:spcPts val="0"/>
+              </a:spcBef>
+              <a:spcAft>
+                <a:spcPts val="0"/>
+              </a:spcAft>
+              <a:buNone/>
+            </a:pPr>
+            <a:r>
+              <a:t/>
+            </a:r>
+            <a:endParaRPr i="1" sz="2400">
+              <a:latin typeface="Open Sans"/>
+              <a:ea typeface="Open Sans"/>
+              <a:cs typeface="Open Sans"/>
+              <a:sym typeface="Open Sans"/>
+            </a:endParaRPr>
+          </a:p>
+          <a:p>
+            <a:pPr indent="-358140" lvl="0" marL="457200" rtl="0" algn="l">
+              <a:lnSpc>
+                <a:spcPct val="115000"/>
+              </a:lnSpc>
+              <a:spcBef>
+                <a:spcPts val="0"/>
+              </a:spcBef>
+              <a:spcAft>
+                <a:spcPts val="0"/>
+              </a:spcAft>
+              <a:buClr>
+                <a:schemeClr val="dk1"/>
+              </a:buClr>
+              <a:buSzPct val="100000"/>
+              <a:buFont typeface="Open Sans"/>
+              <a:buChar char="•"/>
+            </a:pPr>
+            <a:r>
+              <a:rPr lang="en-US" sz="2400">
                 <a:latin typeface="Open Sans"/>
                 <a:ea typeface="Open Sans"/>
                 <a:cs typeface="Open Sans"/>
                 <a:sym typeface="Open Sans"/>
               </a:rPr>
-              <a:t>stationary bandit</a:t>
-            </a:r>
-            <a:r>
-              <a:rPr i="0" lang="en-US" sz="2400" u="none" cap="none" strike="noStrike">
-                <a:solidFill>
-                  <a:schemeClr val="dk1"/>
-                </a:solidFill>
-                <a:latin typeface="Open Sans"/>
-                <a:ea typeface="Open Sans"/>
-                <a:cs typeface="Open Sans"/>
-                <a:sym typeface="Open Sans"/>
-              </a:rPr>
-              <a:t> tem interesse em proteger a população dos </a:t>
-            </a:r>
-            <a:r>
-              <a:rPr i="1" lang="en-US" sz="2400" u="none" cap="none" strike="noStrike">
-                <a:solidFill>
-                  <a:schemeClr val="dk1"/>
-                </a:solidFill>
-                <a:latin typeface="Open Sans"/>
-                <a:ea typeface="Open Sans"/>
-                <a:cs typeface="Open Sans"/>
-                <a:sym typeface="Open Sans"/>
-              </a:rPr>
-              <a:t>roving bandits</a:t>
-            </a:r>
-            <a:r>
-              <a:rPr i="0" lang="en-US" sz="2400" u="none" cap="none" strike="noStrike">
-                <a:solidFill>
-                  <a:schemeClr val="dk1"/>
-                </a:solidFill>
-                <a:latin typeface="Open Sans"/>
-                <a:ea typeface="Open Sans"/>
-                <a:cs typeface="Open Sans"/>
-                <a:sym typeface="Open Sans"/>
-              </a:rPr>
-              <a:t>, pois assim ele também garante seu lucro</a:t>
-            </a:r>
-            <a:endParaRPr i="0" sz="2400" u="none" cap="none" strike="noStrike">
-              <a:solidFill>
-                <a:schemeClr val="dk1"/>
-              </a:solidFill>
-              <a:latin typeface="Open Sans"/>
-              <a:ea typeface="Open Sans"/>
-              <a:cs typeface="Open Sans"/>
-              <a:sym typeface="Open Sans"/>
-            </a:endParaRPr>
-          </a:p>
-          <a:p>
-            <a:pPr indent="0" lvl="0" marL="609600" marR="0" rtl="0" algn="l">
-              <a:lnSpc>
-                <a:spcPct val="150000"/>
-              </a:lnSpc>
-              <a:spcBef>
-                <a:spcPts val="0"/>
-              </a:spcBef>
-              <a:spcAft>
-                <a:spcPts val="0"/>
-              </a:spcAft>
-              <a:buNone/>
-            </a:pPr>
-            <a:r>
-              <a:t/>
+              <a:t>Mais uma vez, a melhor forma de gerar riqueza para os países pobres é assegurar seu direito de propriedade</a:t>
             </a:r>
             <a:endParaRPr sz="2400">
               <a:latin typeface="Open Sans"/>
@@ -16570,49 +16976,9 @@
             </a:endParaRPr>
           </a:p>
           <a:p>
-            <a:pPr indent="-358140" lvl="0" marL="457200" marR="0" rtl="0" algn="l">
-              <a:lnSpc>
-                <a:spcPct val="150000"/>
-              </a:lnSpc>
-              <a:spcBef>
-                <a:spcPts val="0"/>
-              </a:spcBef>
-              <a:spcAft>
-                <a:spcPts val="0"/>
-              </a:spcAft>
-              <a:buClr>
-                <a:schemeClr val="dk1"/>
-              </a:buClr>
-              <a:buSzPct val="100000"/>
-              <a:buFont typeface="Open Sans"/>
-              <a:buChar char="•"/>
-            </a:pPr>
-            <a:r>
-              <a:rPr i="0" lang="en-US" sz="2400" u="none" cap="none" strike="noStrike">
-                <a:solidFill>
-                  <a:schemeClr val="dk1"/>
-                </a:solidFill>
-                <a:latin typeface="Open Sans"/>
-                <a:ea typeface="Open Sans"/>
-                <a:cs typeface="Open Sans"/>
-                <a:sym typeface="Open Sans"/>
-              </a:rPr>
-              <a:t>Com isso, está eliminado o estado de anarquia hobbesiano, não via contrato, mas via dominação</a:t>
-            </a:r>
-            <a:endParaRPr i="0" sz="2400" u="none" cap="none" strike="noStrike">
-              <a:solidFill>
-                <a:schemeClr val="dk1"/>
-              </a:solidFill>
-              <a:latin typeface="Open Sans"/>
-              <a:ea typeface="Open Sans"/>
-              <a:cs typeface="Open Sans"/>
-              <a:sym typeface="Open Sans"/>
-            </a:endParaRPr>
-          </a:p>
-          <a:p>
-            <a:pPr indent="0" lvl="0" marL="609600" marR="0" rtl="0" algn="l">
-              <a:lnSpc>
-                <a:spcPct val="150000"/>
+            <a:pPr indent="0" lvl="0" marL="406400" rtl="0" algn="l">
+              <a:lnSpc>
+                <a:spcPct val="115000"/>
               </a:lnSpc>
               <a:spcBef>
                 <a:spcPts val="0"/>
@@ -16633,9 +16999,9 @@
             </a:endParaRPr>
           </a:p>
           <a:p>
-            <a:pPr indent="-358140" lvl="0" marL="457200" marR="0" rtl="0" algn="l">
-              <a:lnSpc>
-                <a:spcPct val="150000"/>
+            <a:pPr indent="-358140" lvl="0" marL="457200" rtl="0" algn="l">
+              <a:lnSpc>
+                <a:spcPct val="115000"/>
               </a:lnSpc>
               <a:spcBef>
                 <a:spcPts val="0"/>
@@ -16651,64 +17017,70 @@
               <a:buChar char="•"/>
             </a:pPr>
             <a:r>
-              <a:rPr i="0" lang="en-US" sz="2400" u="none" cap="none" strike="noStrike">
-                <a:solidFill>
-                  <a:schemeClr val="dk1"/>
-                </a:solidFill>
+              <a:rPr lang="en-US" sz="2400">
                 <a:latin typeface="Open Sans"/>
                 <a:ea typeface="Open Sans"/>
                 <a:cs typeface="Open Sans"/>
                 <a:sym typeface="Open Sans"/>
               </a:rPr>
-              <a:t>Curiosamente, Olson chama isso de </a:t>
-            </a:r>
-            <a:r>
-              <a:rPr i="1" lang="en-US" sz="2400" u="none" cap="none" strike="noStrike">
-                <a:solidFill>
-                  <a:schemeClr val="dk1"/>
-                </a:solidFill>
+              <a:t>Curiosamente, De Soto afirma que a teoria econômica e os estudos de desenvolvimento deram pouca atenção ao problema da propriedade privada</a:t>
+            </a:r>
+            <a:endParaRPr sz="2400">
+              <a:latin typeface="Open Sans"/>
+              <a:ea typeface="Open Sans"/>
+              <a:cs typeface="Open Sans"/>
+              <a:sym typeface="Open Sans"/>
+            </a:endParaRPr>
+          </a:p>
+          <a:p>
+            <a:pPr indent="0" lvl="0" marL="406400" rtl="0" algn="l">
+              <a:lnSpc>
+                <a:spcPct val="115000"/>
+              </a:lnSpc>
+              <a:spcBef>
+                <a:spcPts val="0"/>
+              </a:spcBef>
+              <a:spcAft>
+                <a:spcPts val="0"/>
+              </a:spcAft>
+              <a:buNone/>
+            </a:pPr>
+            <a:r>
+              <a:t/>
+            </a:r>
+            <a:endParaRPr sz="2400">
+              <a:latin typeface="Open Sans"/>
+              <a:ea typeface="Open Sans"/>
+              <a:cs typeface="Open Sans"/>
+              <a:sym typeface="Open Sans"/>
+            </a:endParaRPr>
+          </a:p>
+          <a:p>
+            <a:pPr indent="-358140" lvl="0" marL="457200" rtl="0" algn="l">
+              <a:lnSpc>
+                <a:spcPct val="115000"/>
+              </a:lnSpc>
+              <a:spcBef>
+                <a:spcPts val="0"/>
+              </a:spcBef>
+              <a:spcAft>
+                <a:spcPts val="0"/>
+              </a:spcAft>
+              <a:buClr>
+                <a:schemeClr val="dk1"/>
+              </a:buClr>
+              <a:buSzPct val="100000"/>
+              <a:buFont typeface="Open Sans"/>
+              <a:buChar char="•"/>
+            </a:pPr>
+            <a:r>
+              <a:rPr lang="en-US" sz="2400">
                 <a:latin typeface="Open Sans"/>
                 <a:ea typeface="Open Sans"/>
                 <a:cs typeface="Open Sans"/>
                 <a:sym typeface="Open Sans"/>
               </a:rPr>
-              <a:t>invisible hand</a:t>
-            </a:r>
-            <a:r>
-              <a:rPr i="0" lang="en-US" sz="2400" u="none" cap="none" strike="noStrike">
-                <a:solidFill>
-                  <a:schemeClr val="dk1"/>
-                </a:solidFill>
-                <a:latin typeface="Open Sans"/>
-                <a:ea typeface="Open Sans"/>
-                <a:cs typeface="Open Sans"/>
-                <a:sym typeface="Open Sans"/>
-              </a:rPr>
-              <a:t>: racionalmente, um </a:t>
-            </a:r>
-            <a:r>
-              <a:rPr i="1" lang="en-US" sz="2400" u="none" cap="none" strike="noStrike">
-                <a:solidFill>
-                  <a:schemeClr val="dk1"/>
-                </a:solidFill>
-                <a:latin typeface="Open Sans"/>
-                <a:ea typeface="Open Sans"/>
-                <a:cs typeface="Open Sans"/>
-                <a:sym typeface="Open Sans"/>
-              </a:rPr>
-              <a:t>stationary bandit</a:t>
-            </a:r>
-            <a:r>
-              <a:rPr i="0" lang="en-US" sz="2400" u="none" cap="none" strike="noStrike">
-                <a:solidFill>
-                  <a:schemeClr val="dk1"/>
-                </a:solidFill>
-                <a:latin typeface="Open Sans"/>
-                <a:ea typeface="Open Sans"/>
-                <a:cs typeface="Open Sans"/>
-                <a:sym typeface="Open Sans"/>
-              </a:rPr>
-              <a:t> é levado a prover bens públicos para os indivíduos em seus domínios</a:t>
+              <a:t>Por ser um problema aparentemente resolvido há tempos, países do Ocidente não consideram a defesa da propriedade como uma política importante </a:t>
             </a:r>
             <a:endParaRPr>
               <a:latin typeface="Open Sans"/>
@@ -16735,8 +17107,8 @@
         </p:blipFill>
         <p:spPr>
           <a:xfrm>
-            <a:off x="152400" y="6080299"/>
-            <a:ext cx="2083148" cy="625301"/>
+            <a:off x="152400" y="6055824"/>
+            <a:ext cx="2164649" cy="649775"/>
           </a:xfrm>
           <a:prstGeom prst="rect">
             <a:avLst/>
@@ -16801,69 +17173,29 @@
           <a:p>
             <a:pPr indent="0" lvl="0" marL="0" marR="0" rtl="0" algn="ctr">
               <a:lnSpc>
-                <a:spcPct val="125000"/>
-              </a:lnSpc>
-              <a:spcBef>
-                <a:spcPts val="0"/>
-              </a:spcBef>
-              <a:spcAft>
-                <a:spcPts val="0"/>
-              </a:spcAft>
-              <a:buClr>
-                <a:srgbClr val="000000"/>
+                <a:spcPct val="100000"/>
+              </a:lnSpc>
+              <a:spcBef>
+                <a:spcPts val="0"/>
+              </a:spcBef>
+              <a:spcAft>
+                <a:spcPts val="0"/>
+              </a:spcAft>
+              <a:buClr>
+                <a:schemeClr val="dk1"/>
               </a:buClr>
               <a:buSzPts val="810"/>
-              <a:buFont typeface="Arial"/>
-              <a:buNone/>
-            </a:pPr>
-            <a:r>
-              <a:rPr b="1" i="0" lang="en-US" sz="3600" u="none" cap="none" strike="noStrike">
-                <a:solidFill>
-                  <a:schemeClr val="dk1"/>
-                </a:solidFill>
+              <a:buFont typeface="Calibri"/>
+              <a:buNone/>
+            </a:pPr>
+            <a:r>
+              <a:rPr b="1" lang="en-US" sz="3600">
                 <a:latin typeface="Open Sans"/>
                 <a:ea typeface="Open Sans"/>
                 <a:cs typeface="Open Sans"/>
                 <a:sym typeface="Open Sans"/>
               </a:rPr>
-              <a:t>Dictatorship, Democracy</a:t>
-            </a:r>
-            <a:endParaRPr>
-              <a:latin typeface="Open Sans"/>
-              <a:ea typeface="Open Sans"/>
-              <a:cs typeface="Open Sans"/>
-              <a:sym typeface="Open Sans"/>
-            </a:endParaRPr>
-          </a:p>
-          <a:p>
-            <a:pPr indent="0" lvl="0" marL="0" marR="0" rtl="0" algn="ctr">
-              <a:lnSpc>
-                <a:spcPct val="125000"/>
-              </a:lnSpc>
-              <a:spcBef>
-                <a:spcPts val="0"/>
-              </a:spcBef>
-              <a:spcAft>
-                <a:spcPts val="0"/>
-              </a:spcAft>
-              <a:buClr>
-                <a:srgbClr val="000000"/>
-              </a:buClr>
-              <a:buSzPts val="810"/>
-              <a:buFont typeface="Arial"/>
-              <a:buNone/>
-            </a:pPr>
-            <a:r>
-              <a:rPr b="1" i="0" lang="en-US" sz="3600" u="none" cap="none" strike="noStrike">
-                <a:solidFill>
-                  <a:schemeClr val="dk1"/>
-                </a:solidFill>
-                <a:latin typeface="Open Sans"/>
-                <a:ea typeface="Open Sans"/>
-                <a:cs typeface="Open Sans"/>
-                <a:sym typeface="Open Sans"/>
-              </a:rPr>
-              <a:t> and Development</a:t>
+              <a:t>The Mystery of Missing Information</a:t>
             </a:r>
             <a:endParaRPr>
               <a:latin typeface="Open Sans"/>
@@ -16897,13 +17229,13 @@
         </p:spPr>
         <p:txBody>
           <a:bodyPr anchorCtr="0" anchor="t" bIns="91425" lIns="91425" spcFirstLastPara="1" rIns="91425" wrap="square" tIns="91425">
-            <a:normAutofit fontScale="77500" lnSpcReduction="20000"/>
+            <a:normAutofit fontScale="92500" lnSpcReduction="20000"/>
           </a:bodyPr>
           <a:lstStyle/>
           <a:p>
-            <a:pPr indent="-346710" lvl="0" marL="457200" marR="0" rtl="0" algn="l">
-              <a:lnSpc>
-                <a:spcPct val="150000"/>
+            <a:pPr indent="-369570" lvl="0" marL="457200" rtl="0" algn="l">
+              <a:lnSpc>
+                <a:spcPct val="115000"/>
               </a:lnSpc>
               <a:spcBef>
                 <a:spcPts val="0"/>
@@ -16919,66 +17251,13 @@
               <a:buChar char="•"/>
             </a:pPr>
             <a:r>
-              <a:rPr i="0" lang="en-US" sz="2400" u="none" cap="none" strike="noStrike">
-                <a:solidFill>
-                  <a:schemeClr val="dk1"/>
-                </a:solidFill>
+              <a:rPr lang="en-US" sz="2400">
                 <a:latin typeface="Open Sans"/>
                 <a:ea typeface="Open Sans"/>
                 <a:cs typeface="Open Sans"/>
                 <a:sym typeface="Open Sans"/>
               </a:rPr>
-              <a:t>Olson entende que é possível conciliar o interesse do </a:t>
-            </a:r>
-            <a:r>
-              <a:rPr i="1" lang="en-US" sz="2400" u="none" cap="none" strike="noStrike">
-                <a:solidFill>
-                  <a:schemeClr val="dk1"/>
-                </a:solidFill>
-                <a:latin typeface="Open Sans"/>
-                <a:ea typeface="Open Sans"/>
-                <a:cs typeface="Open Sans"/>
-                <a:sym typeface="Open Sans"/>
-              </a:rPr>
-              <a:t>stationary bandit</a:t>
-            </a:r>
-            <a:r>
-              <a:rPr i="0" lang="en-US" sz="2400" u="none" cap="none" strike="noStrike">
-                <a:solidFill>
-                  <a:schemeClr val="dk1"/>
-                </a:solidFill>
-                <a:latin typeface="Open Sans"/>
-                <a:ea typeface="Open Sans"/>
-                <a:cs typeface="Open Sans"/>
-                <a:sym typeface="Open Sans"/>
-              </a:rPr>
-              <a:t> com o da população</a:t>
-            </a:r>
-            <a:endParaRPr i="0" sz="2400" u="none" cap="none" strike="noStrike">
-              <a:solidFill>
-                <a:schemeClr val="dk1"/>
-              </a:solidFill>
-              <a:latin typeface="Open Sans"/>
-              <a:ea typeface="Open Sans"/>
-              <a:cs typeface="Open Sans"/>
-              <a:sym typeface="Open Sans"/>
-            </a:endParaRPr>
-          </a:p>
-          <a:p>
-            <a:pPr indent="0" lvl="0" marL="609600" marR="0" rtl="0" algn="l">
-              <a:lnSpc>
-                <a:spcPct val="150000"/>
-              </a:lnSpc>
-              <a:spcBef>
-                <a:spcPts val="0"/>
-              </a:spcBef>
-              <a:spcAft>
-                <a:spcPts val="0"/>
-              </a:spcAft>
-              <a:buNone/>
-            </a:pPr>
-            <a:r>
-              <a:t/>
+              <a:t>Boa parte dos indivíduos vive em situação de pobreza, mas isto não quer dizer que todos eles vivam em condições totalmente precárias</a:t>
             </a:r>
             <a:endParaRPr sz="2400">
               <a:latin typeface="Open Sans"/>
@@ -16988,49 +17267,9 @@
             </a:endParaRPr>
           </a:p>
           <a:p>
-            <a:pPr indent="-346710" lvl="0" marL="457200" marR="0" rtl="0" algn="l">
-              <a:lnSpc>
-                <a:spcPct val="150000"/>
-              </a:lnSpc>
-              <a:spcBef>
-                <a:spcPts val="0"/>
-              </a:spcBef>
-              <a:spcAft>
-                <a:spcPts val="0"/>
-              </a:spcAft>
-              <a:buClr>
-                <a:schemeClr val="dk1"/>
-              </a:buClr>
-              <a:buSzPct val="100000"/>
-              <a:buFont typeface="Open Sans"/>
-              <a:buChar char="•"/>
-            </a:pPr>
-            <a:r>
-              <a:rPr i="0" lang="en-US" sz="2400" u="none" cap="none" strike="noStrike">
-                <a:solidFill>
-                  <a:schemeClr val="dk1"/>
-                </a:solidFill>
-                <a:latin typeface="Open Sans"/>
-                <a:ea typeface="Open Sans"/>
-                <a:cs typeface="Open Sans"/>
-                <a:sym typeface="Open Sans"/>
-              </a:rPr>
-              <a:t>Mas se fosse este o caso, por que algumas ditaduras extraem quantidades enormes de renda da população?</a:t>
-            </a:r>
-            <a:endParaRPr i="0" sz="2400" u="none" cap="none" strike="noStrike">
-              <a:solidFill>
-                <a:schemeClr val="dk1"/>
-              </a:solidFill>
-              <a:latin typeface="Open Sans"/>
-              <a:ea typeface="Open Sans"/>
-              <a:cs typeface="Open Sans"/>
-              <a:sym typeface="Open Sans"/>
-            </a:endParaRPr>
-          </a:p>
-          <a:p>
-            <a:pPr indent="0" lvl="0" marL="609600" marR="0" rtl="0" algn="l">
-              <a:lnSpc>
-                <a:spcPct val="150000"/>
+            <a:pPr indent="0" lvl="0" marL="406400" rtl="0" algn="l">
+              <a:lnSpc>
+                <a:spcPct val="115000"/>
               </a:lnSpc>
               <a:spcBef>
                 <a:spcPts val="0"/>
@@ -17051,9 +17290,9 @@
             </a:endParaRPr>
           </a:p>
           <a:p>
-            <a:pPr indent="-346710" lvl="0" marL="457200" marR="0" rtl="0" algn="l">
-              <a:lnSpc>
-                <a:spcPct val="150000"/>
+            <a:pPr indent="-369570" lvl="0" marL="457200" rtl="0" algn="l">
+              <a:lnSpc>
+                <a:spcPct val="115000"/>
               </a:lnSpc>
               <a:spcBef>
                 <a:spcPts val="0"/>
@@ -17069,42 +17308,13 @@
               <a:buChar char="•"/>
             </a:pPr>
             <a:r>
-              <a:rPr i="0" lang="en-US" sz="2400" u="none" cap="none" strike="noStrike">
-                <a:solidFill>
-                  <a:schemeClr val="dk1"/>
-                </a:solidFill>
+              <a:rPr lang="en-US" sz="2400">
                 <a:latin typeface="Open Sans"/>
                 <a:ea typeface="Open Sans"/>
                 <a:cs typeface="Open Sans"/>
                 <a:sym typeface="Open Sans"/>
               </a:rPr>
-              <a:t> Por qual motivo alguns líderes vivem em palácios e gastam em projetos inúteis?</a:t>
-            </a:r>
-            <a:endParaRPr i="0" sz="2400" u="none" cap="none" strike="noStrike">
-              <a:solidFill>
-                <a:schemeClr val="dk1"/>
-              </a:solidFill>
-              <a:latin typeface="Open Sans"/>
-              <a:ea typeface="Open Sans"/>
-              <a:cs typeface="Open Sans"/>
-              <a:sym typeface="Open Sans"/>
-            </a:endParaRPr>
-          </a:p>
-          <a:p>
-            <a:pPr indent="0" lvl="0" marL="609600" marR="0" rtl="0" algn="l">
-              <a:lnSpc>
-                <a:spcPct val="150000"/>
-              </a:lnSpc>
-              <a:spcBef>
-                <a:spcPts val="0"/>
-              </a:spcBef>
-              <a:spcAft>
-                <a:spcPts val="0"/>
-              </a:spcAft>
-              <a:buNone/>
-            </a:pPr>
-            <a:r>
-              <a:t/>
+              <a:t>Muitos dos pobres do mundo fazem pequenas poupanças, acumulam capital, realizam pequenos empreendimentos e são notáveis pessoas de negócio apesar das limitações</a:t>
             </a:r>
             <a:endParaRPr sz="2400">
               <a:latin typeface="Open Sans"/>
@@ -17114,9 +17324,32 @@
             </a:endParaRPr>
           </a:p>
           <a:p>
-            <a:pPr indent="-346710" lvl="0" marL="457200" marR="0" rtl="0" algn="l">
-              <a:lnSpc>
-                <a:spcPct val="150000"/>
+            <a:pPr indent="0" lvl="0" marL="406400" rtl="0" algn="l">
+              <a:lnSpc>
+                <a:spcPct val="115000"/>
+              </a:lnSpc>
+              <a:spcBef>
+                <a:spcPts val="0"/>
+              </a:spcBef>
+              <a:spcAft>
+                <a:spcPts val="0"/>
+              </a:spcAft>
+              <a:buNone/>
+            </a:pPr>
+            <a:r>
+              <a:t/>
+            </a:r>
+            <a:endParaRPr sz="2400">
+              <a:latin typeface="Open Sans"/>
+              <a:ea typeface="Open Sans"/>
+              <a:cs typeface="Open Sans"/>
+              <a:sym typeface="Open Sans"/>
+            </a:endParaRPr>
+          </a:p>
+          <a:p>
+            <a:pPr indent="-369570" lvl="0" marL="457200" rtl="0" algn="l">
+              <a:lnSpc>
+                <a:spcPct val="115000"/>
               </a:lnSpc>
               <a:spcBef>
                 <a:spcPts val="0"/>
@@ -17132,28 +17365,13 @@
               <a:buChar char="•"/>
             </a:pPr>
             <a:r>
-              <a:rPr i="0" lang="en-US" sz="2400" u="none" cap="none" strike="noStrike">
-                <a:solidFill>
-                  <a:schemeClr val="dk1"/>
-                </a:solidFill>
+              <a:rPr lang="en-US" sz="2400">
                 <a:latin typeface="Open Sans"/>
                 <a:ea typeface="Open Sans"/>
                 <a:cs typeface="Open Sans"/>
                 <a:sym typeface="Open Sans"/>
               </a:rPr>
-              <a:t>A chave é que ditadores querem renda em troca de serviço de proteção… </a:t>
-            </a:r>
-            <a:r>
-              <a:rPr i="1" lang="en-US" sz="2400" u="none" cap="none" strike="noStrike">
-                <a:solidFill>
-                  <a:schemeClr val="dk1"/>
-                </a:solidFill>
-                <a:latin typeface="Open Sans"/>
-                <a:ea typeface="Open Sans"/>
-                <a:cs typeface="Open Sans"/>
-                <a:sym typeface="Open Sans"/>
-              </a:rPr>
-              <a:t>mas renda monopolista</a:t>
+              <a:t>Além disso, muitos dos pobres têm acesso a bens de consumo modernos que facilitam as trocas e a economia, como celulares, táxis, veículos de transporte, etc</a:t>
             </a:r>
             <a:endParaRPr>
               <a:latin typeface="Open Sans"/>
@@ -17180,8 +17398,8 @@
         </p:blipFill>
         <p:spPr>
           <a:xfrm>
-            <a:off x="152400" y="6080299"/>
-            <a:ext cx="2083148" cy="625301"/>
+            <a:off x="152400" y="6055824"/>
+            <a:ext cx="2164649" cy="649775"/>
           </a:xfrm>
           <a:prstGeom prst="rect">
             <a:avLst/>
